--- a/Additionnal documents/Report/FinalPresentation.pptx
+++ b/Additionnal documents/Report/FinalPresentation.pptx
@@ -6,34 +6,35 @@
     <p:sldMasterId id="2147484002" r:id="rId2"/>
   </p:sldMasterIdLst>
   <p:notesMasterIdLst>
-    <p:notesMasterId r:id="rId25"/>
+    <p:notesMasterId r:id="rId26"/>
   </p:notesMasterIdLst>
   <p:handoutMasterIdLst>
-    <p:handoutMasterId r:id="rId26"/>
+    <p:handoutMasterId r:id="rId27"/>
   </p:handoutMasterIdLst>
   <p:sldIdLst>
     <p:sldId id="256" r:id="rId3"/>
     <p:sldId id="292" r:id="rId4"/>
     <p:sldId id="301" r:id="rId5"/>
     <p:sldId id="302" r:id="rId6"/>
-    <p:sldId id="305" r:id="rId7"/>
-    <p:sldId id="291" r:id="rId8"/>
-    <p:sldId id="289" r:id="rId9"/>
-    <p:sldId id="293" r:id="rId10"/>
-    <p:sldId id="296" r:id="rId11"/>
-    <p:sldId id="297" r:id="rId12"/>
-    <p:sldId id="306" r:id="rId13"/>
-    <p:sldId id="307" r:id="rId14"/>
-    <p:sldId id="308" r:id="rId15"/>
-    <p:sldId id="309" r:id="rId16"/>
-    <p:sldId id="310" r:id="rId17"/>
-    <p:sldId id="270" r:id="rId18"/>
-    <p:sldId id="313" r:id="rId19"/>
-    <p:sldId id="312" r:id="rId20"/>
-    <p:sldId id="311" r:id="rId21"/>
-    <p:sldId id="271" r:id="rId22"/>
-    <p:sldId id="300" r:id="rId23"/>
-    <p:sldId id="299" r:id="rId24"/>
+    <p:sldId id="314" r:id="rId7"/>
+    <p:sldId id="305" r:id="rId8"/>
+    <p:sldId id="291" r:id="rId9"/>
+    <p:sldId id="289" r:id="rId10"/>
+    <p:sldId id="293" r:id="rId11"/>
+    <p:sldId id="296" r:id="rId12"/>
+    <p:sldId id="297" r:id="rId13"/>
+    <p:sldId id="306" r:id="rId14"/>
+    <p:sldId id="307" r:id="rId15"/>
+    <p:sldId id="308" r:id="rId16"/>
+    <p:sldId id="309" r:id="rId17"/>
+    <p:sldId id="310" r:id="rId18"/>
+    <p:sldId id="270" r:id="rId19"/>
+    <p:sldId id="313" r:id="rId20"/>
+    <p:sldId id="312" r:id="rId21"/>
+    <p:sldId id="311" r:id="rId22"/>
+    <p:sldId id="271" r:id="rId23"/>
+    <p:sldId id="300" r:id="rId24"/>
+    <p:sldId id="299" r:id="rId25"/>
   </p:sldIdLst>
   <p:sldSz cx="12192000" cy="6858000"/>
   <p:notesSz cx="6858000" cy="9144000"/>
@@ -14182,7 +14183,7 @@
           <a:p>
             <a:fld id="{7A4C169A-1220-4B42-953D-8968223BCA9D}" type="datetimeFigureOut">
               <a:rPr lang="fr-CH" smtClean="0"/>
-              <a:t>01.01.2019</a:t>
+              <a:t>10.01.2019</a:t>
             </a:fld>
             <a:endParaRPr lang="fr-CH"/>
           </a:p>
@@ -14363,7 +14364,7 @@
           <a:p>
             <a:fld id="{4777CC44-3BA5-E143-B780-7AA02CFEA3D2}" type="datetimeFigureOut">
               <a:rPr lang="fr-FR" smtClean="0"/>
-              <a:t>01/01/2019</a:t>
+              <a:t>10/01/2019</a:t>
             </a:fld>
             <a:endParaRPr lang="fr-FR"/>
           </a:p>
@@ -14873,7 +14874,7 @@
     </p:spTree>
     <p:extLst>
       <p:ext uri="{BB962C8B-B14F-4D97-AF65-F5344CB8AC3E}">
-        <p14:creationId xmlns:p14="http://schemas.microsoft.com/office/powerpoint/2010/main" val="3595212464"/>
+        <p14:creationId xmlns:p14="http://schemas.microsoft.com/office/powerpoint/2010/main" val="386776984"/>
       </p:ext>
     </p:extLst>
   </p:cSld>
@@ -14979,7 +14980,7 @@
     </p:spTree>
     <p:extLst>
       <p:ext uri="{BB962C8B-B14F-4D97-AF65-F5344CB8AC3E}">
-        <p14:creationId xmlns:p14="http://schemas.microsoft.com/office/powerpoint/2010/main" val="4194183049"/>
+        <p14:creationId xmlns:p14="http://schemas.microsoft.com/office/powerpoint/2010/main" val="3595212464"/>
       </p:ext>
     </p:extLst>
   </p:cSld>
@@ -15085,7 +15086,7 @@
     </p:spTree>
     <p:extLst>
       <p:ext uri="{BB962C8B-B14F-4D97-AF65-F5344CB8AC3E}">
-        <p14:creationId xmlns:p14="http://schemas.microsoft.com/office/powerpoint/2010/main" val="1272542143"/>
+        <p14:creationId xmlns:p14="http://schemas.microsoft.com/office/powerpoint/2010/main" val="4194183049"/>
       </p:ext>
     </p:extLst>
   </p:cSld>
@@ -15191,7 +15192,7 @@
     </p:spTree>
     <p:extLst>
       <p:ext uri="{BB962C8B-B14F-4D97-AF65-F5344CB8AC3E}">
-        <p14:creationId xmlns:p14="http://schemas.microsoft.com/office/powerpoint/2010/main" val="2606553224"/>
+        <p14:creationId xmlns:p14="http://schemas.microsoft.com/office/powerpoint/2010/main" val="1272542143"/>
       </p:ext>
     </p:extLst>
   </p:cSld>
@@ -15297,7 +15298,7 @@
     </p:spTree>
     <p:extLst>
       <p:ext uri="{BB962C8B-B14F-4D97-AF65-F5344CB8AC3E}">
-        <p14:creationId xmlns:p14="http://schemas.microsoft.com/office/powerpoint/2010/main" val="3781133299"/>
+        <p14:creationId xmlns:p14="http://schemas.microsoft.com/office/powerpoint/2010/main" val="2606553224"/>
       </p:ext>
     </p:extLst>
   </p:cSld>
@@ -15351,201 +15352,6 @@
           <a:bodyPr/>
           <a:lstStyle/>
           <a:p>
-            <a:r>
-              <a:rPr lang="fr-CH" dirty="0"/>
-              <a:t>To </a:t>
-            </a:r>
-            <a:r>
-              <a:rPr lang="fr-CH" dirty="0" err="1"/>
-              <a:t>conclude</a:t>
-            </a:r>
-            <a:r>
-              <a:rPr lang="fr-CH" dirty="0"/>
-              <a:t>,</a:t>
-            </a:r>
-          </a:p>
-          <a:p>
-            <a:r>
-              <a:rPr lang="fr-CH" dirty="0"/>
-              <a:t>Goal: </a:t>
-            </a:r>
-            <a:r>
-              <a:rPr lang="fr-CH" dirty="0" err="1"/>
-              <a:t>compute</a:t>
-            </a:r>
-            <a:r>
-              <a:rPr lang="fr-CH" dirty="0"/>
-              <a:t> </a:t>
-            </a:r>
-            <a:r>
-              <a:rPr lang="fr-CH" dirty="0" err="1"/>
-              <a:t>interesting</a:t>
-            </a:r>
-            <a:r>
-              <a:rPr lang="fr-CH" dirty="0"/>
-              <a:t> </a:t>
-            </a:r>
-            <a:r>
-              <a:rPr lang="fr-CH" dirty="0" err="1"/>
-              <a:t>parameter</a:t>
-            </a:r>
-            <a:r>
-              <a:rPr lang="fr-CH" dirty="0"/>
-              <a:t> and </a:t>
-            </a:r>
-            <a:r>
-              <a:rPr lang="fr-CH" dirty="0" err="1"/>
-              <a:t>shape</a:t>
-            </a:r>
-            <a:r>
-              <a:rPr lang="fr-CH" dirty="0"/>
-              <a:t> information of </a:t>
-            </a:r>
-            <a:r>
-              <a:rPr lang="fr-CH" dirty="0" err="1"/>
-              <a:t>propeller</a:t>
-            </a:r>
-            <a:r>
-              <a:rPr lang="fr-CH" dirty="0"/>
-              <a:t> </a:t>
-            </a:r>
-            <a:r>
-              <a:rPr lang="fr-CH" dirty="0" err="1"/>
-              <a:t>from</a:t>
-            </a:r>
-            <a:r>
-              <a:rPr lang="fr-CH" dirty="0"/>
-              <a:t> 3D scanning data to </a:t>
-            </a:r>
-            <a:r>
-              <a:rPr lang="fr-CH" dirty="0" err="1"/>
-              <a:t>be</a:t>
-            </a:r>
-            <a:r>
-              <a:rPr lang="fr-CH" dirty="0"/>
-              <a:t> able to use BEMT on </a:t>
-            </a:r>
-            <a:r>
-              <a:rPr lang="fr-CH" dirty="0" err="1"/>
-              <a:t>it</a:t>
-            </a:r>
-            <a:endParaRPr lang="fr-CH" dirty="0"/>
-          </a:p>
-          <a:p>
-            <a:r>
-              <a:rPr lang="fr-CH" dirty="0" err="1"/>
-              <a:t>Done</a:t>
-            </a:r>
-            <a:r>
-              <a:rPr lang="fr-CH" dirty="0"/>
-              <a:t>.</a:t>
-            </a:r>
-          </a:p>
-          <a:p>
-            <a:r>
-              <a:rPr lang="fr-CH" dirty="0" err="1"/>
-              <a:t>Still</a:t>
-            </a:r>
-            <a:r>
-              <a:rPr lang="fr-CH" dirty="0"/>
-              <a:t> projections</a:t>
-            </a:r>
-          </a:p>
-          <a:p>
-            <a:r>
-              <a:rPr lang="fr-CH" dirty="0" err="1"/>
-              <a:t>Then</a:t>
-            </a:r>
-            <a:r>
-              <a:rPr lang="fr-CH" dirty="0"/>
-              <a:t> Xfoil and </a:t>
-            </a:r>
-            <a:r>
-              <a:rPr lang="fr-CH" dirty="0" err="1"/>
-              <a:t>parameters</a:t>
-            </a:r>
-            <a:endParaRPr lang="fr-CH" dirty="0"/>
-          </a:p>
-          <a:p>
-            <a:endParaRPr lang="fr-CH" dirty="0"/>
-          </a:p>
-          <a:p>
-            <a:r>
-              <a:rPr lang="fr-CH" dirty="0" err="1"/>
-              <a:t>Optionnal</a:t>
-            </a:r>
-            <a:r>
-              <a:rPr lang="fr-CH" dirty="0"/>
-              <a:t>: </a:t>
-            </a:r>
-            <a:r>
-              <a:rPr lang="fr-CH" dirty="0" err="1"/>
-              <a:t>find</a:t>
-            </a:r>
-            <a:r>
-              <a:rPr lang="fr-CH" dirty="0"/>
-              <a:t> </a:t>
-            </a:r>
-            <a:r>
-              <a:rPr lang="fr-CH" dirty="0" err="1"/>
-              <a:t>processes</a:t>
-            </a:r>
-            <a:r>
-              <a:rPr lang="fr-CH" dirty="0"/>
-              <a:t> to </a:t>
-            </a:r>
-            <a:r>
-              <a:rPr lang="fr-CH" dirty="0" err="1"/>
-              <a:t>further</a:t>
-            </a:r>
-            <a:r>
-              <a:rPr lang="fr-CH" dirty="0"/>
-              <a:t> automate the 3D scanning of the </a:t>
-            </a:r>
-            <a:r>
-              <a:rPr lang="fr-CH" dirty="0" err="1"/>
-              <a:t>propeller</a:t>
-            </a:r>
-            <a:r>
-              <a:rPr lang="fr-CH" dirty="0"/>
-              <a:t> </a:t>
-            </a:r>
-            <a:r>
-              <a:rPr lang="fr-CH" dirty="0" err="1"/>
-              <a:t>using</a:t>
-            </a:r>
-            <a:r>
-              <a:rPr lang="fr-CH" dirty="0"/>
-              <a:t> </a:t>
-            </a:r>
-            <a:r>
-              <a:rPr lang="fr-CH" dirty="0" err="1"/>
-              <a:t>examples</a:t>
-            </a:r>
-            <a:r>
-              <a:rPr lang="fr-CH" dirty="0"/>
-              <a:t> of </a:t>
-            </a:r>
-            <a:r>
-              <a:rPr lang="fr-CH" dirty="0" err="1"/>
-              <a:t>tools</a:t>
-            </a:r>
-            <a:r>
-              <a:rPr lang="fr-CH" dirty="0"/>
-              <a:t> </a:t>
-            </a:r>
-            <a:r>
-              <a:rPr lang="fr-CH" dirty="0" err="1"/>
-              <a:t>available</a:t>
-            </a:r>
-            <a:r>
-              <a:rPr lang="fr-CH" dirty="0"/>
-              <a:t> on the </a:t>
-            </a:r>
-            <a:r>
-              <a:rPr lang="fr-CH" dirty="0" err="1"/>
-              <a:t>market</a:t>
-            </a:r>
             <a:endParaRPr lang="fr-CH" dirty="0"/>
           </a:p>
         </p:txBody>
@@ -15598,7 +15404,7 @@
     </p:spTree>
     <p:extLst>
       <p:ext uri="{BB962C8B-B14F-4D97-AF65-F5344CB8AC3E}">
-        <p14:creationId xmlns:p14="http://schemas.microsoft.com/office/powerpoint/2010/main" val="506802648"/>
+        <p14:creationId xmlns:p14="http://schemas.microsoft.com/office/powerpoint/2010/main" val="3781133299"/>
       </p:ext>
     </p:extLst>
   </p:cSld>
@@ -15899,7 +15705,7 @@
     </p:spTree>
     <p:extLst>
       <p:ext uri="{BB962C8B-B14F-4D97-AF65-F5344CB8AC3E}">
-        <p14:creationId xmlns:p14="http://schemas.microsoft.com/office/powerpoint/2010/main" val="2227145539"/>
+        <p14:creationId xmlns:p14="http://schemas.microsoft.com/office/powerpoint/2010/main" val="506802648"/>
       </p:ext>
     </p:extLst>
   </p:cSld>
@@ -16200,7 +16006,7 @@
     </p:spTree>
     <p:extLst>
       <p:ext uri="{BB962C8B-B14F-4D97-AF65-F5344CB8AC3E}">
-        <p14:creationId xmlns:p14="http://schemas.microsoft.com/office/powerpoint/2010/main" val="272519504"/>
+        <p14:creationId xmlns:p14="http://schemas.microsoft.com/office/powerpoint/2010/main" val="2227145539"/>
       </p:ext>
     </p:extLst>
   </p:cSld>
@@ -16501,7 +16307,7 @@
     </p:spTree>
     <p:extLst>
       <p:ext uri="{BB962C8B-B14F-4D97-AF65-F5344CB8AC3E}">
-        <p14:creationId xmlns:p14="http://schemas.microsoft.com/office/powerpoint/2010/main" val="2178725885"/>
+        <p14:creationId xmlns:p14="http://schemas.microsoft.com/office/powerpoint/2010/main" val="272519504"/>
       </p:ext>
     </p:extLst>
   </p:cSld>
@@ -16555,6 +16361,201 @@
           <a:bodyPr/>
           <a:lstStyle/>
           <a:p>
+            <a:r>
+              <a:rPr lang="fr-CH" dirty="0"/>
+              <a:t>To </a:t>
+            </a:r>
+            <a:r>
+              <a:rPr lang="fr-CH" dirty="0" err="1"/>
+              <a:t>conclude</a:t>
+            </a:r>
+            <a:r>
+              <a:rPr lang="fr-CH" dirty="0"/>
+              <a:t>,</a:t>
+            </a:r>
+          </a:p>
+          <a:p>
+            <a:r>
+              <a:rPr lang="fr-CH" dirty="0"/>
+              <a:t>Goal: </a:t>
+            </a:r>
+            <a:r>
+              <a:rPr lang="fr-CH" dirty="0" err="1"/>
+              <a:t>compute</a:t>
+            </a:r>
+            <a:r>
+              <a:rPr lang="fr-CH" dirty="0"/>
+              <a:t> </a:t>
+            </a:r>
+            <a:r>
+              <a:rPr lang="fr-CH" dirty="0" err="1"/>
+              <a:t>interesting</a:t>
+            </a:r>
+            <a:r>
+              <a:rPr lang="fr-CH" dirty="0"/>
+              <a:t> </a:t>
+            </a:r>
+            <a:r>
+              <a:rPr lang="fr-CH" dirty="0" err="1"/>
+              <a:t>parameter</a:t>
+            </a:r>
+            <a:r>
+              <a:rPr lang="fr-CH" dirty="0"/>
+              <a:t> and </a:t>
+            </a:r>
+            <a:r>
+              <a:rPr lang="fr-CH" dirty="0" err="1"/>
+              <a:t>shape</a:t>
+            </a:r>
+            <a:r>
+              <a:rPr lang="fr-CH" dirty="0"/>
+              <a:t> information of </a:t>
+            </a:r>
+            <a:r>
+              <a:rPr lang="fr-CH" dirty="0" err="1"/>
+              <a:t>propeller</a:t>
+            </a:r>
+            <a:r>
+              <a:rPr lang="fr-CH" dirty="0"/>
+              <a:t> </a:t>
+            </a:r>
+            <a:r>
+              <a:rPr lang="fr-CH" dirty="0" err="1"/>
+              <a:t>from</a:t>
+            </a:r>
+            <a:r>
+              <a:rPr lang="fr-CH" dirty="0"/>
+              <a:t> 3D scanning data to </a:t>
+            </a:r>
+            <a:r>
+              <a:rPr lang="fr-CH" dirty="0" err="1"/>
+              <a:t>be</a:t>
+            </a:r>
+            <a:r>
+              <a:rPr lang="fr-CH" dirty="0"/>
+              <a:t> able to use BEMT on </a:t>
+            </a:r>
+            <a:r>
+              <a:rPr lang="fr-CH" dirty="0" err="1"/>
+              <a:t>it</a:t>
+            </a:r>
+            <a:endParaRPr lang="fr-CH" dirty="0"/>
+          </a:p>
+          <a:p>
+            <a:r>
+              <a:rPr lang="fr-CH" dirty="0" err="1"/>
+              <a:t>Done</a:t>
+            </a:r>
+            <a:r>
+              <a:rPr lang="fr-CH" dirty="0"/>
+              <a:t>.</a:t>
+            </a:r>
+          </a:p>
+          <a:p>
+            <a:r>
+              <a:rPr lang="fr-CH" dirty="0" err="1"/>
+              <a:t>Still</a:t>
+            </a:r>
+            <a:r>
+              <a:rPr lang="fr-CH" dirty="0"/>
+              <a:t> projections</a:t>
+            </a:r>
+          </a:p>
+          <a:p>
+            <a:r>
+              <a:rPr lang="fr-CH" dirty="0" err="1"/>
+              <a:t>Then</a:t>
+            </a:r>
+            <a:r>
+              <a:rPr lang="fr-CH" dirty="0"/>
+              <a:t> Xfoil and </a:t>
+            </a:r>
+            <a:r>
+              <a:rPr lang="fr-CH" dirty="0" err="1"/>
+              <a:t>parameters</a:t>
+            </a:r>
+            <a:endParaRPr lang="fr-CH" dirty="0"/>
+          </a:p>
+          <a:p>
+            <a:endParaRPr lang="fr-CH" dirty="0"/>
+          </a:p>
+          <a:p>
+            <a:r>
+              <a:rPr lang="fr-CH" dirty="0" err="1"/>
+              <a:t>Optionnal</a:t>
+            </a:r>
+            <a:r>
+              <a:rPr lang="fr-CH" dirty="0"/>
+              <a:t>: </a:t>
+            </a:r>
+            <a:r>
+              <a:rPr lang="fr-CH" dirty="0" err="1"/>
+              <a:t>find</a:t>
+            </a:r>
+            <a:r>
+              <a:rPr lang="fr-CH" dirty="0"/>
+              <a:t> </a:t>
+            </a:r>
+            <a:r>
+              <a:rPr lang="fr-CH" dirty="0" err="1"/>
+              <a:t>processes</a:t>
+            </a:r>
+            <a:r>
+              <a:rPr lang="fr-CH" dirty="0"/>
+              <a:t> to </a:t>
+            </a:r>
+            <a:r>
+              <a:rPr lang="fr-CH" dirty="0" err="1"/>
+              <a:t>further</a:t>
+            </a:r>
+            <a:r>
+              <a:rPr lang="fr-CH" dirty="0"/>
+              <a:t> automate the 3D scanning of the </a:t>
+            </a:r>
+            <a:r>
+              <a:rPr lang="fr-CH" dirty="0" err="1"/>
+              <a:t>propeller</a:t>
+            </a:r>
+            <a:r>
+              <a:rPr lang="fr-CH" dirty="0"/>
+              <a:t> </a:t>
+            </a:r>
+            <a:r>
+              <a:rPr lang="fr-CH" dirty="0" err="1"/>
+              <a:t>using</a:t>
+            </a:r>
+            <a:r>
+              <a:rPr lang="fr-CH" dirty="0"/>
+              <a:t> </a:t>
+            </a:r>
+            <a:r>
+              <a:rPr lang="fr-CH" dirty="0" err="1"/>
+              <a:t>examples</a:t>
+            </a:r>
+            <a:r>
+              <a:rPr lang="fr-CH" dirty="0"/>
+              <a:t> of </a:t>
+            </a:r>
+            <a:r>
+              <a:rPr lang="fr-CH" dirty="0" err="1"/>
+              <a:t>tools</a:t>
+            </a:r>
+            <a:r>
+              <a:rPr lang="fr-CH" dirty="0"/>
+              <a:t> </a:t>
+            </a:r>
+            <a:r>
+              <a:rPr lang="fr-CH" dirty="0" err="1"/>
+              <a:t>available</a:t>
+            </a:r>
+            <a:r>
+              <a:rPr lang="fr-CH" dirty="0"/>
+              <a:t> on the </a:t>
+            </a:r>
+            <a:r>
+              <a:rPr lang="fr-CH" dirty="0" err="1"/>
+              <a:t>market</a:t>
+            </a:r>
             <a:endParaRPr lang="fr-CH" dirty="0"/>
           </a:p>
         </p:txBody>
@@ -16607,7 +16608,7 @@
     </p:spTree>
     <p:extLst>
       <p:ext uri="{BB962C8B-B14F-4D97-AF65-F5344CB8AC3E}">
-        <p14:creationId xmlns:p14="http://schemas.microsoft.com/office/powerpoint/2010/main" val="2519588950"/>
+        <p14:creationId xmlns:p14="http://schemas.microsoft.com/office/powerpoint/2010/main" val="2178725885"/>
       </p:ext>
     </p:extLst>
   </p:cSld>
@@ -16928,7 +16929,7 @@
     </p:spTree>
     <p:extLst>
       <p:ext uri="{BB962C8B-B14F-4D97-AF65-F5344CB8AC3E}">
-        <p14:creationId xmlns:p14="http://schemas.microsoft.com/office/powerpoint/2010/main" val="2349952604"/>
+        <p14:creationId xmlns:p14="http://schemas.microsoft.com/office/powerpoint/2010/main" val="2519588950"/>
       </p:ext>
     </p:extLst>
   </p:cSld>
@@ -17026,6 +17027,112 @@
             <a:fld id="{2AB5D27E-6000-7E4B-A366-5EDBC4F15408}" type="slidenum">
               <a:rPr lang="fr-FR" smtClean="0"/>
               <a:t>22</a:t>
+            </a:fld>
+            <a:endParaRPr lang="fr-FR"/>
+          </a:p>
+        </p:txBody>
+      </p:sp>
+    </p:spTree>
+    <p:extLst>
+      <p:ext uri="{BB962C8B-B14F-4D97-AF65-F5344CB8AC3E}">
+        <p14:creationId xmlns:p14="http://schemas.microsoft.com/office/powerpoint/2010/main" val="2349952604"/>
+      </p:ext>
+    </p:extLst>
+  </p:cSld>
+  <p:clrMapOvr>
+    <a:masterClrMapping/>
+  </p:clrMapOvr>
+</p:notes>
+</file>
+
+<file path=ppt/notesSlides/notesSlide22.xml><?xml version="1.0" encoding="utf-8"?>
+<p:notes xmlns:a="http://schemas.openxmlformats.org/drawingml/2006/main" xmlns:r="http://schemas.openxmlformats.org/officeDocument/2006/relationships" xmlns:p="http://schemas.openxmlformats.org/presentationml/2006/main">
+  <p:cSld>
+    <p:spTree>
+      <p:nvGrpSpPr>
+        <p:cNvPr id="1" name=""/>
+        <p:cNvGrpSpPr/>
+        <p:nvPr/>
+      </p:nvGrpSpPr>
+      <p:grpSpPr>
+        <a:xfrm>
+          <a:off x="0" y="0"/>
+          <a:ext cx="0" cy="0"/>
+          <a:chOff x="0" y="0"/>
+          <a:chExt cx="0" cy="0"/>
+        </a:xfrm>
+      </p:grpSpPr>
+      <p:sp>
+        <p:nvSpPr>
+          <p:cNvPr id="2" name="Slide Image Placeholder 1"/>
+          <p:cNvSpPr>
+            <a:spLocks noGrp="1" noRot="1" noChangeAspect="1"/>
+          </p:cNvSpPr>
+          <p:nvPr>
+            <p:ph type="sldImg"/>
+          </p:nvPr>
+        </p:nvSpPr>
+        <p:spPr/>
+      </p:sp>
+      <p:sp>
+        <p:nvSpPr>
+          <p:cNvPr id="3" name="Notes Placeholder 2"/>
+          <p:cNvSpPr>
+            <a:spLocks noGrp="1"/>
+          </p:cNvSpPr>
+          <p:nvPr>
+            <p:ph type="body" idx="1"/>
+          </p:nvPr>
+        </p:nvSpPr>
+        <p:spPr/>
+        <p:txBody>
+          <a:bodyPr/>
+          <a:lstStyle/>
+          <a:p>
+            <a:endParaRPr lang="fr-CH" dirty="0"/>
+          </a:p>
+        </p:txBody>
+      </p:sp>
+      <p:sp>
+        <p:nvSpPr>
+          <p:cNvPr id="4" name="Footer Placeholder 3"/>
+          <p:cNvSpPr>
+            <a:spLocks noGrp="1"/>
+          </p:cNvSpPr>
+          <p:nvPr>
+            <p:ph type="ftr" sz="quarter" idx="4"/>
+          </p:nvPr>
+        </p:nvSpPr>
+        <p:spPr/>
+        <p:txBody>
+          <a:bodyPr/>
+          <a:lstStyle/>
+          <a:p>
+            <a:r>
+              <a:rPr lang="fr-FR"/>
+              <a:t>EPFL-STI-IBI-LMAM | 04.04.2018</a:t>
+            </a:r>
+          </a:p>
+        </p:txBody>
+      </p:sp>
+      <p:sp>
+        <p:nvSpPr>
+          <p:cNvPr id="5" name="Slide Number Placeholder 4"/>
+          <p:cNvSpPr>
+            <a:spLocks noGrp="1"/>
+          </p:cNvSpPr>
+          <p:nvPr>
+            <p:ph type="sldNum" sz="quarter" idx="5"/>
+          </p:nvPr>
+        </p:nvSpPr>
+        <p:spPr/>
+        <p:txBody>
+          <a:bodyPr/>
+          <a:lstStyle/>
+          <a:p>
+            <a:fld id="{2AB5D27E-6000-7E4B-A366-5EDBC4F15408}" type="slidenum">
+              <a:rPr lang="fr-FR" smtClean="0"/>
+              <a:t>23</a:t>
             </a:fld>
             <a:endParaRPr lang="fr-FR"/>
           </a:p>
@@ -17530,176 +17637,157 @@
           <a:bodyPr/>
           <a:lstStyle/>
           <a:p>
-            <a:pPr algn="l"/>
-            <a:r>
-              <a:rPr lang="en-US" dirty="0">
-                <a:solidFill>
-                  <a:schemeClr val="tx2"/>
-                </a:solidFill>
-                <a:latin typeface="Calibri Light" charset="0"/>
-                <a:ea typeface="Calibri Light" charset="0"/>
-                <a:cs typeface="Calibri Light" charset="0"/>
-              </a:rPr>
-              <a:t>GOAL: create a tool to analyze performance of drone </a:t>
-            </a:r>
-          </a:p>
-          <a:p>
-            <a:pPr algn="l"/>
-            <a:endParaRPr lang="en-US" dirty="0">
-              <a:solidFill>
-                <a:schemeClr val="tx2"/>
-              </a:solidFill>
-              <a:latin typeface="Calibri Light" charset="0"/>
-              <a:ea typeface="Calibri Light" charset="0"/>
-              <a:cs typeface="Calibri Light" charset="0"/>
-            </a:endParaRPr>
-          </a:p>
-          <a:p>
-            <a:pPr algn="l"/>
-            <a:r>
-              <a:rPr lang="en-US" dirty="0">
-                <a:solidFill>
-                  <a:schemeClr val="tx2"/>
-                </a:solidFill>
-                <a:latin typeface="Calibri Light" charset="0"/>
-                <a:ea typeface="Calibri Light" charset="0"/>
-                <a:cs typeface="Calibri Light" charset="0"/>
-              </a:rPr>
-              <a:t>Usually drone analysis with: </a:t>
-            </a:r>
-          </a:p>
-          <a:p>
-            <a:pPr algn="l"/>
-            <a:r>
-              <a:rPr lang="en-US" dirty="0">
-                <a:solidFill>
-                  <a:schemeClr val="tx2"/>
-                </a:solidFill>
-                <a:latin typeface="Calibri Light" charset="0"/>
-                <a:ea typeface="Calibri Light" charset="0"/>
-                <a:cs typeface="Calibri Light" charset="0"/>
-              </a:rPr>
-              <a:t>      1. Wind tunnels (not practical)</a:t>
-            </a:r>
-          </a:p>
-          <a:p>
-            <a:pPr algn="l"/>
-            <a:r>
-              <a:rPr lang="en-US" dirty="0">
-                <a:solidFill>
-                  <a:schemeClr val="tx2"/>
-                </a:solidFill>
-                <a:latin typeface="Calibri Light" charset="0"/>
-                <a:ea typeface="Calibri Light" charset="0"/>
-                <a:cs typeface="Calibri Light" charset="0"/>
-              </a:rPr>
-              <a:t>      2. BEMT (need shape)    </a:t>
-            </a:r>
-            <a:r>
-              <a:rPr lang="en-US" dirty="0">
-                <a:solidFill>
-                  <a:schemeClr val="tx2"/>
-                </a:solidFill>
-                <a:latin typeface="Calibri Light" charset="0"/>
-                <a:ea typeface="Calibri Light" charset="0"/>
-                <a:cs typeface="Calibri Light" charset="0"/>
+            <a:r>
+              <a:rPr lang="en-US" sz="1200" dirty="0"/>
+              <a:t>Nowadays drone perf analysis: BEMT.</a:t>
+            </a:r>
+          </a:p>
+          <a:p>
+            <a:pPr marL="171450" indent="-171450">
+              <a:buFontTx/>
+              <a:buChar char="-"/>
+            </a:pPr>
+            <a:r>
+              <a:rPr lang="en-US" sz="1200" dirty="0"/>
+              <a:t>cuts the propeller down into discrete segments along the radius</a:t>
+            </a:r>
+          </a:p>
+          <a:p>
+            <a:pPr marL="171450" indent="-171450">
+              <a:buFontTx/>
+              <a:buChar char="-"/>
+            </a:pPr>
+            <a:r>
+              <a:rPr lang="en-US" sz="1200" dirty="0"/>
+              <a:t>Estimate relative flow angle to blade segment WITH law conservation of momentum</a:t>
+            </a:r>
+          </a:p>
+          <a:p>
+            <a:pPr marL="171450" indent="-171450">
+              <a:buFontTx/>
+              <a:buChar char="-"/>
+            </a:pPr>
+            <a:r>
+              <a:rPr lang="en-US" sz="1200" dirty="0">
                 <a:sym typeface="Wingdings" panose="05000000000000000000" pitchFamily="2" charset="2"/>
               </a:rPr>
-              <a:t> not easily available. Not published by manufacturers</a:t>
-            </a:r>
-          </a:p>
-          <a:p>
-            <a:pPr algn="l"/>
-            <a:endParaRPr lang="en-US" dirty="0">
-              <a:solidFill>
-                <a:schemeClr val="tx2"/>
-              </a:solidFill>
-              <a:latin typeface="Calibri Light" charset="0"/>
-              <a:ea typeface="Calibri Light" charset="0"/>
-              <a:cs typeface="Calibri Light" charset="0"/>
+              <a:t> Predict thrust and torques generated by segment    (integrate over radius for all propeller)</a:t>
+            </a:r>
+          </a:p>
+          <a:p>
+            <a:pPr marL="171450" indent="-171450">
+              <a:buFontTx/>
+              <a:buChar char="-"/>
+            </a:pPr>
+            <a:r>
+              <a:rPr lang="en-US" sz="1200" dirty="0">
+                <a:sym typeface="Wingdings" panose="05000000000000000000" pitchFamily="2" charset="2"/>
+              </a:rPr>
+              <a:t> Aerodynamic effect of the air flow on propeller performance   -- lift and drag normal and parallel to prop</a:t>
+            </a:r>
+          </a:p>
+          <a:p>
+            <a:pPr marL="171450" indent="-171450">
+              <a:buFontTx/>
+              <a:buChar char="-"/>
+            </a:pPr>
+            <a:endParaRPr lang="en-US" sz="1200" dirty="0">
               <a:sym typeface="Wingdings" panose="05000000000000000000" pitchFamily="2" charset="2"/>
             </a:endParaRPr>
           </a:p>
           <a:p>
-            <a:pPr algn="l"/>
-            <a:r>
-              <a:rPr lang="en-US" dirty="0">
-                <a:solidFill>
-                  <a:schemeClr val="tx2"/>
-                </a:solidFill>
-                <a:latin typeface="Calibri Light" charset="0"/>
-                <a:ea typeface="Calibri Light" charset="0"/>
-                <a:cs typeface="Calibri Light" charset="0"/>
+            <a:pPr marL="171450" indent="-171450">
+              <a:buFont typeface="Wingdings" panose="05000000000000000000" pitchFamily="2" charset="2"/>
+              <a:buChar char="à"/>
+            </a:pPr>
+            <a:r>
+              <a:rPr lang="en-US" sz="1200" dirty="0">
                 <a:sym typeface="Wingdings" panose="05000000000000000000" pitchFamily="2" charset="2"/>
               </a:rPr>
-              <a:t>NEED: propeller shape to understand performance of drone </a:t>
-            </a:r>
-          </a:p>
-          <a:p>
-            <a:pPr algn="l"/>
-            <a:endParaRPr lang="en-US" dirty="0">
-              <a:solidFill>
-                <a:schemeClr val="tx2"/>
-              </a:solidFill>
-              <a:latin typeface="Calibri Light" charset="0"/>
-              <a:ea typeface="Calibri Light" charset="0"/>
-              <a:cs typeface="Calibri Light" charset="0"/>
-              <a:sym typeface="Wingdings" panose="05000000000000000000" pitchFamily="2" charset="2"/>
-            </a:endParaRPr>
-          </a:p>
-          <a:p>
-            <a:pPr algn="l"/>
-            <a:r>
-              <a:rPr lang="en-US" dirty="0">
-                <a:solidFill>
-                  <a:schemeClr val="tx2"/>
-                </a:solidFill>
-                <a:latin typeface="Calibri Light" charset="0"/>
-                <a:ea typeface="Calibri Light" charset="0"/>
-                <a:cs typeface="Calibri Light" charset="0"/>
-                <a:sym typeface="Wingdings" panose="05000000000000000000" pitchFamily="2" charset="2"/>
-              </a:rPr>
-              <a:t>IDEA: </a:t>
-            </a:r>
-          </a:p>
-          <a:p>
-            <a:pPr algn="l"/>
-            <a:r>
-              <a:rPr lang="en-US" dirty="0">
-                <a:solidFill>
-                  <a:schemeClr val="tx2"/>
-                </a:solidFill>
-                <a:latin typeface="Calibri Light" charset="0"/>
-                <a:ea typeface="Calibri Light" charset="0"/>
-                <a:cs typeface="Calibri Light" charset="0"/>
-                <a:sym typeface="Wingdings" panose="05000000000000000000" pitchFamily="2" charset="2"/>
-              </a:rPr>
-              <a:t>      3D scan propeller  obtain point cloud  of its surface  compute parameters and </a:t>
-            </a:r>
-            <a:r>
-              <a:rPr lang="en-US" dirty="0" err="1">
-                <a:solidFill>
-                  <a:schemeClr val="tx2"/>
-                </a:solidFill>
-                <a:latin typeface="Calibri Light" charset="0"/>
-                <a:ea typeface="Calibri Light" charset="0"/>
-                <a:cs typeface="Calibri Light" charset="0"/>
-                <a:sym typeface="Wingdings" panose="05000000000000000000" pitchFamily="2" charset="2"/>
-              </a:rPr>
-              <a:t>aerofoil</a:t>
-            </a:r>
-            <a:r>
-              <a:rPr lang="en-US" dirty="0">
-                <a:solidFill>
-                  <a:schemeClr val="tx2"/>
-                </a:solidFill>
-                <a:latin typeface="Calibri Light" charset="0"/>
-                <a:ea typeface="Calibri Light" charset="0"/>
-                <a:cs typeface="Calibri Light" charset="0"/>
-                <a:sym typeface="Wingdings" panose="05000000000000000000" pitchFamily="2" charset="2"/>
-              </a:rPr>
-              <a:t> shape on based  enable to use BEMT</a:t>
-            </a:r>
+              <a:t>Method to predict performance of drone based on shape of propeller </a:t>
+            </a:r>
+          </a:p>
+          <a:p>
+            <a:pPr marL="0" indent="0">
+              <a:buFont typeface="Wingdings" panose="05000000000000000000" pitchFamily="2" charset="2"/>
+              <a:buNone/>
+            </a:pPr>
+            <a:endParaRPr lang="en-US" sz="1200" dirty="0"/>
+          </a:p>
+          <a:p>
+            <a:pPr marL="0" indent="0">
+              <a:buFont typeface="Wingdings" panose="05000000000000000000" pitchFamily="2" charset="2"/>
+              <a:buNone/>
+            </a:pPr>
+            <a:endParaRPr lang="en-US" sz="1200" dirty="0"/>
+          </a:p>
+          <a:p>
+            <a:pPr marL="0" indent="0">
+              <a:buFont typeface="Wingdings" panose="05000000000000000000" pitchFamily="2" charset="2"/>
+              <a:buNone/>
+            </a:pPr>
+            <a:endParaRPr lang="en-US" sz="1200" dirty="0"/>
+          </a:p>
+          <a:p>
+            <a:r>
+              <a:rPr lang="en-US" dirty="0"/>
+              <a:t>Axial component of this hydrodynamic force = element thrust</a:t>
+            </a:r>
+          </a:p>
+          <a:p>
+            <a:r>
+              <a:rPr lang="en-US" dirty="0"/>
+              <a:t>Moment about the propeller axis of the tangential component = element torque. </a:t>
+            </a:r>
+          </a:p>
+          <a:p>
+            <a:endParaRPr lang="en-US" dirty="0"/>
+          </a:p>
+          <a:p>
+            <a:r>
+              <a:rPr lang="en-US" dirty="0"/>
+              <a:t>Resultant velocity: </a:t>
+            </a:r>
+          </a:p>
+          <a:p>
+            <a:r>
+              <a:rPr lang="en-US" dirty="0"/>
+              <a:t>-include an axial velocity V0 </a:t>
+            </a:r>
+          </a:p>
+          <a:p>
+            <a:r>
+              <a:rPr lang="en-US" dirty="0"/>
+              <a:t>-a rotational velocity V2 which varies up to the blade tip. </a:t>
+            </a:r>
+          </a:p>
+          <a:p>
+            <a:endParaRPr lang="en-US" dirty="0"/>
+          </a:p>
+          <a:p>
+            <a:r>
+              <a:rPr lang="en-US" dirty="0"/>
+              <a:t>Propeller blade will be set at a given geometric pitch angle (alpha), </a:t>
+            </a:r>
+          </a:p>
+          <a:p>
+            <a:r>
+              <a:rPr lang="en-US" dirty="0"/>
+              <a:t>Local velocity vector will create a flow angle of attack on the section. </a:t>
+            </a:r>
+          </a:p>
+          <a:p>
+            <a:r>
+              <a:rPr lang="en-US" dirty="0"/>
+              <a:t>The lift and drag of the section can be calculated using standard 2D hydrofoil properties. </a:t>
+            </a:r>
+          </a:p>
+          <a:p>
+            <a:r>
+              <a:rPr lang="en-US" dirty="0"/>
+              <a:t>The lift and drag components normal to and parallel to the propeller disk can be calculated so that the contribution to the thrust and torque of the complete propeller from this single element can be found. </a:t>
+            </a:r>
+            <a:endParaRPr lang="fr-CH" dirty="0"/>
           </a:p>
         </p:txBody>
       </p:sp>
@@ -17751,7 +17839,7 @@
     </p:spTree>
     <p:extLst>
       <p:ext uri="{BB962C8B-B14F-4D97-AF65-F5344CB8AC3E}">
-        <p14:creationId xmlns:p14="http://schemas.microsoft.com/office/powerpoint/2010/main" val="46279433"/>
+        <p14:creationId xmlns:p14="http://schemas.microsoft.com/office/powerpoint/2010/main" val="1182037874"/>
       </p:ext>
     </p:extLst>
   </p:cSld>
@@ -17805,287 +17893,176 @@
           <a:bodyPr/>
           <a:lstStyle/>
           <a:p>
-            <a:r>
-              <a:rPr lang="fr-CH" dirty="0"/>
-              <a:t>Need a scanning </a:t>
-            </a:r>
-            <a:r>
-              <a:rPr lang="fr-CH" dirty="0" err="1"/>
-              <a:t>method</a:t>
-            </a:r>
-            <a:r>
-              <a:rPr lang="fr-CH" dirty="0"/>
-              <a:t> to </a:t>
-            </a:r>
-            <a:r>
-              <a:rPr lang="fr-CH" dirty="0" err="1"/>
-              <a:t>generate</a:t>
-            </a:r>
-            <a:r>
-              <a:rPr lang="fr-CH" dirty="0"/>
-              <a:t> point cloud. 5 main techniques to </a:t>
-            </a:r>
-            <a:r>
-              <a:rPr lang="fr-CH" dirty="0" err="1"/>
-              <a:t>choose</a:t>
-            </a:r>
-            <a:r>
-              <a:rPr lang="fr-CH" dirty="0"/>
-              <a:t> </a:t>
-            </a:r>
-            <a:r>
-              <a:rPr lang="fr-CH" dirty="0" err="1"/>
-              <a:t>from</a:t>
-            </a:r>
-            <a:endParaRPr lang="fr-CH" dirty="0"/>
-          </a:p>
-          <a:p>
-            <a:endParaRPr lang="fr-CH" dirty="0"/>
-          </a:p>
-          <a:p>
-            <a:r>
-              <a:rPr lang="fr-CH" dirty="0"/>
-              <a:t>Contact : CMM: </a:t>
-            </a:r>
-            <a:r>
-              <a:rPr lang="en-US" sz="1200" b="0" i="0" kern="1200" dirty="0">
-                <a:solidFill>
-                  <a:schemeClr val="tx1"/>
-                </a:solidFill>
-                <a:effectLst/>
-                <a:latin typeface="+mn-lt"/>
-                <a:ea typeface="+mn-ea"/>
-                <a:cs typeface="+mn-cs"/>
+            <a:pPr algn="l"/>
+            <a:r>
+              <a:rPr lang="en-US" dirty="0">
+                <a:solidFill>
+                  <a:schemeClr val="tx2"/>
+                </a:solidFill>
+                <a:latin typeface="Calibri Light" charset="0"/>
+                <a:ea typeface="Calibri Light" charset="0"/>
+                <a:cs typeface="Calibri Light" charset="0"/>
               </a:rPr>
-              <a:t>probe physically touches a firmly fixed object at several points and samples the different positions of the surface</a:t>
-            </a:r>
-          </a:p>
-          <a:p>
-            <a:pPr marL="228600" indent="-228600">
-              <a:buAutoNum type="arabicPeriod"/>
-            </a:pPr>
-            <a:endParaRPr lang="fr-CH" dirty="0"/>
-          </a:p>
-          <a:p>
-            <a:pPr marL="228600" indent="-228600">
-              <a:buAutoNum type="arabicPeriod"/>
-            </a:pPr>
-            <a:endParaRPr lang="fr-CH" dirty="0"/>
-          </a:p>
-          <a:p>
-            <a:pPr marL="228600" indent="-228600">
-              <a:buAutoNum type="arabicPeriod"/>
-            </a:pPr>
-            <a:r>
-              <a:rPr lang="fr-CH" dirty="0"/>
-              <a:t>Non contact active  ----- </a:t>
-            </a:r>
-            <a:r>
-              <a:rPr lang="en-US" sz="1200" b="0" i="0" kern="1200" dirty="0">
-                <a:solidFill>
-                  <a:schemeClr val="tx1"/>
-                </a:solidFill>
-                <a:effectLst/>
-                <a:latin typeface="+mn-lt"/>
-                <a:ea typeface="+mn-ea"/>
-                <a:cs typeface="+mn-cs"/>
+              <a:t>GOAL: create a tool to analyze performance of drone </a:t>
+            </a:r>
+          </a:p>
+          <a:p>
+            <a:pPr algn="l"/>
+            <a:endParaRPr lang="en-US" dirty="0">
+              <a:solidFill>
+                <a:schemeClr val="tx2"/>
+              </a:solidFill>
+              <a:latin typeface="Calibri Light" charset="0"/>
+              <a:ea typeface="Calibri Light" charset="0"/>
+              <a:cs typeface="Calibri Light" charset="0"/>
+            </a:endParaRPr>
+          </a:p>
+          <a:p>
+            <a:pPr algn="l"/>
+            <a:r>
+              <a:rPr lang="en-US" dirty="0">
+                <a:solidFill>
+                  <a:schemeClr val="tx2"/>
+                </a:solidFill>
+                <a:latin typeface="Calibri Light" charset="0"/>
+                <a:ea typeface="Calibri Light" charset="0"/>
+                <a:cs typeface="Calibri Light" charset="0"/>
               </a:rPr>
-              <a:t>rely on the emission of radiation or light. </a:t>
-            </a:r>
-            <a:endParaRPr lang="fr-CH" dirty="0"/>
-          </a:p>
-          <a:p>
-            <a:r>
-              <a:rPr lang="fr-CH" dirty="0"/>
-              <a:t>         </a:t>
-            </a:r>
-          </a:p>
-          <a:p>
-            <a:r>
-              <a:rPr lang="fr-CH" dirty="0"/>
-              <a:t>         </a:t>
-            </a:r>
-            <a:r>
-              <a:rPr lang="fr-CH" dirty="0" err="1"/>
-              <a:t>Structured</a:t>
-            </a:r>
-            <a:r>
-              <a:rPr lang="fr-CH" dirty="0"/>
-              <a:t> Light:      </a:t>
-            </a:r>
-            <a:r>
-              <a:rPr lang="en-US" sz="1200" b="0" i="0" kern="1200" dirty="0">
-                <a:solidFill>
-                  <a:schemeClr val="tx1"/>
-                </a:solidFill>
-                <a:effectLst/>
-                <a:latin typeface="+mn-lt"/>
-                <a:ea typeface="+mn-ea"/>
-                <a:cs typeface="+mn-cs"/>
+              <a:t>Usually drone analysis with: </a:t>
+            </a:r>
+          </a:p>
+          <a:p>
+            <a:pPr algn="l"/>
+            <a:r>
+              <a:rPr lang="en-US" dirty="0">
+                <a:solidFill>
+                  <a:schemeClr val="tx2"/>
+                </a:solidFill>
+                <a:latin typeface="Calibri Light" charset="0"/>
+                <a:ea typeface="Calibri Light" charset="0"/>
+                <a:cs typeface="Calibri Light" charset="0"/>
               </a:rPr>
-              <a:t>a pattern of light. Measuring deformation of pattern on the object: shape deduced</a:t>
-            </a:r>
-          </a:p>
-          <a:p>
-            <a:pPr marL="0" indent="0">
-              <a:buNone/>
-            </a:pPr>
-            <a:endParaRPr lang="fr-CH" dirty="0"/>
-          </a:p>
-          <a:p>
-            <a:r>
-              <a:rPr lang="fr-CH" dirty="0"/>
-              <a:t>         Time of flight:  L</a:t>
-            </a:r>
-            <a:r>
-              <a:rPr lang="en-US" sz="1200" b="0" i="0" kern="1200" dirty="0" err="1">
-                <a:solidFill>
-                  <a:schemeClr val="tx1"/>
-                </a:solidFill>
-                <a:effectLst/>
-                <a:latin typeface="+mn-lt"/>
-                <a:ea typeface="+mn-ea"/>
-                <a:cs typeface="+mn-cs"/>
+              <a:t>      1. Wind tunnels (not practical)</a:t>
+            </a:r>
+          </a:p>
+          <a:p>
+            <a:pPr algn="l"/>
+            <a:r>
+              <a:rPr lang="en-US" dirty="0">
+                <a:solidFill>
+                  <a:schemeClr val="tx2"/>
+                </a:solidFill>
+                <a:latin typeface="Calibri Light" charset="0"/>
+                <a:ea typeface="Calibri Light" charset="0"/>
+                <a:cs typeface="Calibri Light" charset="0"/>
               </a:rPr>
-              <a:t>aser</a:t>
-            </a:r>
-            <a:r>
-              <a:rPr lang="en-US" sz="1200" b="0" i="0" kern="1200" dirty="0">
-                <a:solidFill>
-                  <a:schemeClr val="tx1"/>
-                </a:solidFill>
-                <a:effectLst/>
-                <a:latin typeface="+mn-lt"/>
-                <a:ea typeface="+mn-ea"/>
-                <a:cs typeface="+mn-cs"/>
+              <a:t>      2. BEMT (need shape)    </a:t>
+            </a:r>
+            <a:r>
+              <a:rPr lang="en-US" dirty="0">
+                <a:solidFill>
+                  <a:schemeClr val="tx2"/>
+                </a:solidFill>
+                <a:latin typeface="Calibri Light" charset="0"/>
+                <a:ea typeface="Calibri Light" charset="0"/>
+                <a:cs typeface="Calibri Light" charset="0"/>
+                <a:sym typeface="Wingdings" panose="05000000000000000000" pitchFamily="2" charset="2"/>
               </a:rPr>
-              <a:t> beam projected onto surface.  Collected by a sensor. </a:t>
-            </a:r>
-            <a:r>
-              <a:rPr lang="en-US" sz="1200" b="0" i="0" kern="1200" dirty="0" err="1">
-                <a:solidFill>
-                  <a:schemeClr val="tx1"/>
-                </a:solidFill>
-                <a:effectLst/>
-                <a:latin typeface="+mn-lt"/>
-                <a:ea typeface="+mn-ea"/>
-                <a:cs typeface="+mn-cs"/>
+              <a:t> not easily available. Not published by manufacturers</a:t>
+            </a:r>
+          </a:p>
+          <a:p>
+            <a:pPr algn="l"/>
+            <a:endParaRPr lang="en-US" dirty="0">
+              <a:solidFill>
+                <a:schemeClr val="tx2"/>
+              </a:solidFill>
+              <a:latin typeface="Calibri Light" charset="0"/>
+              <a:ea typeface="Calibri Light" charset="0"/>
+              <a:cs typeface="Calibri Light" charset="0"/>
+              <a:sym typeface="Wingdings" panose="05000000000000000000" pitchFamily="2" charset="2"/>
+            </a:endParaRPr>
+          </a:p>
+          <a:p>
+            <a:pPr algn="l"/>
+            <a:r>
+              <a:rPr lang="en-US" dirty="0">
+                <a:solidFill>
+                  <a:schemeClr val="tx2"/>
+                </a:solidFill>
+                <a:latin typeface="Calibri Light" charset="0"/>
+                <a:ea typeface="Calibri Light" charset="0"/>
+                <a:cs typeface="Calibri Light" charset="0"/>
+                <a:sym typeface="Wingdings" panose="05000000000000000000" pitchFamily="2" charset="2"/>
               </a:rPr>
-              <a:t>ToF</a:t>
-            </a:r>
-            <a:r>
-              <a:rPr lang="en-US" sz="1200" b="0" i="0" kern="1200" dirty="0">
-                <a:solidFill>
-                  <a:schemeClr val="tx1"/>
-                </a:solidFill>
-                <a:effectLst/>
-                <a:latin typeface="+mn-lt"/>
-                <a:ea typeface="+mn-ea"/>
-                <a:cs typeface="+mn-cs"/>
+              <a:t>NEED: propeller shape to understand performance of drone </a:t>
+            </a:r>
+          </a:p>
+          <a:p>
+            <a:pPr algn="l"/>
+            <a:endParaRPr lang="en-US" dirty="0">
+              <a:solidFill>
+                <a:schemeClr val="tx2"/>
+              </a:solidFill>
+              <a:latin typeface="Calibri Light" charset="0"/>
+              <a:ea typeface="Calibri Light" charset="0"/>
+              <a:cs typeface="Calibri Light" charset="0"/>
+              <a:sym typeface="Wingdings" panose="05000000000000000000" pitchFamily="2" charset="2"/>
+            </a:endParaRPr>
+          </a:p>
+          <a:p>
+            <a:pPr algn="l"/>
+            <a:r>
+              <a:rPr lang="en-US" dirty="0">
+                <a:solidFill>
+                  <a:schemeClr val="tx2"/>
+                </a:solidFill>
+                <a:latin typeface="Calibri Light" charset="0"/>
+                <a:ea typeface="Calibri Light" charset="0"/>
+                <a:cs typeface="Calibri Light" charset="0"/>
+                <a:sym typeface="Wingdings" panose="05000000000000000000" pitchFamily="2" charset="2"/>
               </a:rPr>
-              <a:t> of laser beam between its emission and reception provides geometrical information</a:t>
-            </a:r>
-          </a:p>
-          <a:p>
-            <a:endParaRPr lang="fr-CH" dirty="0"/>
-          </a:p>
-          <a:p>
-            <a:r>
-              <a:rPr lang="fr-CH" dirty="0"/>
-              <a:t>         Laser triangulation: </a:t>
-            </a:r>
-            <a:r>
-              <a:rPr lang="en-US" sz="1200" b="0" i="0" kern="1200" dirty="0">
-                <a:solidFill>
-                  <a:schemeClr val="tx1"/>
-                </a:solidFill>
-                <a:effectLst/>
-                <a:latin typeface="+mn-lt"/>
-                <a:ea typeface="+mn-ea"/>
-                <a:cs typeface="+mn-cs"/>
+              <a:t>IDEA: </a:t>
+            </a:r>
+          </a:p>
+          <a:p>
+            <a:pPr algn="l"/>
+            <a:r>
+              <a:rPr lang="en-US" dirty="0">
+                <a:solidFill>
+                  <a:schemeClr val="tx2"/>
+                </a:solidFill>
+                <a:latin typeface="Calibri Light" charset="0"/>
+                <a:ea typeface="Calibri Light" charset="0"/>
+                <a:cs typeface="Calibri Light" charset="0"/>
+                <a:sym typeface="Wingdings" panose="05000000000000000000" pitchFamily="2" charset="2"/>
               </a:rPr>
-              <a:t>Depending on  distance object, reflected light falls at angle on receiving element. Determining spot position, distance object-receiver computed</a:t>
-            </a:r>
-          </a:p>
-          <a:p>
-            <a:pPr marL="0" indent="0">
-              <a:buNone/>
-            </a:pPr>
-            <a:endParaRPr lang="fr-CH" dirty="0"/>
-          </a:p>
-          <a:p>
-            <a:pPr marL="0" indent="0">
-              <a:buNone/>
-            </a:pPr>
-            <a:endParaRPr lang="fr-CH" dirty="0"/>
-          </a:p>
-          <a:p>
-            <a:r>
-              <a:rPr lang="fr-CH" dirty="0"/>
-              <a:t>3. Non CP: </a:t>
-            </a:r>
-            <a:r>
-              <a:rPr lang="fr-CH" dirty="0" err="1"/>
-              <a:t>Photogrammetry</a:t>
-            </a:r>
-            <a:r>
-              <a:rPr lang="fr-CH" dirty="0"/>
-              <a:t>: r</a:t>
-            </a:r>
-            <a:r>
-              <a:rPr lang="en-US" sz="1200" b="0" i="0" kern="1200" dirty="0" err="1">
-                <a:solidFill>
-                  <a:schemeClr val="tx1"/>
-                </a:solidFill>
-                <a:effectLst/>
-                <a:latin typeface="+mn-lt"/>
-                <a:ea typeface="+mn-ea"/>
-                <a:cs typeface="+mn-cs"/>
+              <a:t>      3D scan propeller  obtain point cloud  of its surface  compute parameters and </a:t>
+            </a:r>
+            <a:r>
+              <a:rPr lang="en-US" dirty="0" err="1">
+                <a:solidFill>
+                  <a:schemeClr val="tx2"/>
+                </a:solidFill>
+                <a:latin typeface="Calibri Light" charset="0"/>
+                <a:ea typeface="Calibri Light" charset="0"/>
+                <a:cs typeface="Calibri Light" charset="0"/>
+                <a:sym typeface="Wingdings" panose="05000000000000000000" pitchFamily="2" charset="2"/>
               </a:rPr>
-              <a:t>econstructs</a:t>
-            </a:r>
-            <a:r>
-              <a:rPr lang="en-US" sz="1200" b="0" i="0" kern="1200" dirty="0">
-                <a:solidFill>
-                  <a:schemeClr val="tx1"/>
-                </a:solidFill>
-                <a:effectLst/>
-                <a:latin typeface="+mn-lt"/>
-                <a:ea typeface="+mn-ea"/>
-                <a:cs typeface="+mn-cs"/>
+              <a:t>aerofoil</a:t>
+            </a:r>
+            <a:r>
+              <a:rPr lang="en-US" dirty="0">
+                <a:solidFill>
+                  <a:schemeClr val="tx2"/>
+                </a:solidFill>
+                <a:latin typeface="Calibri Light" charset="0"/>
+                <a:ea typeface="Calibri Light" charset="0"/>
+                <a:cs typeface="Calibri Light" charset="0"/>
+                <a:sym typeface="Wingdings" panose="05000000000000000000" pitchFamily="2" charset="2"/>
               </a:rPr>
-              <a:t> a 3D model object from 2D digital pictures taken at different angles (computer vision + computational geometry </a:t>
-            </a:r>
-            <a:r>
-              <a:rPr lang="en-US" sz="1200" b="0" i="0" kern="1200" dirty="0" err="1">
-                <a:solidFill>
-                  <a:schemeClr val="tx1"/>
-                </a:solidFill>
-                <a:effectLst/>
-                <a:latin typeface="+mn-lt"/>
-                <a:ea typeface="+mn-ea"/>
-                <a:cs typeface="+mn-cs"/>
-              </a:rPr>
-              <a:t>algo</a:t>
-            </a:r>
-            <a:r>
-              <a:rPr lang="en-US" sz="1200" b="0" i="0" kern="1200" dirty="0">
-                <a:solidFill>
-                  <a:schemeClr val="tx1"/>
-                </a:solidFill>
-                <a:effectLst/>
-                <a:latin typeface="+mn-lt"/>
-                <a:ea typeface="+mn-ea"/>
-                <a:cs typeface="+mn-cs"/>
-              </a:rPr>
-              <a:t>)</a:t>
-            </a:r>
-          </a:p>
-          <a:p>
-            <a:pPr marL="0" indent="0">
-              <a:buNone/>
-            </a:pPr>
-            <a:endParaRPr lang="fr-CH" dirty="0"/>
+              <a:t> shape on based  enable to use BEMT</a:t>
+            </a:r>
           </a:p>
         </p:txBody>
       </p:sp>
@@ -18137,7 +18114,7 @@
     </p:spTree>
     <p:extLst>
       <p:ext uri="{BB962C8B-B14F-4D97-AF65-F5344CB8AC3E}">
-        <p14:creationId xmlns:p14="http://schemas.microsoft.com/office/powerpoint/2010/main" val="3591280580"/>
+        <p14:creationId xmlns:p14="http://schemas.microsoft.com/office/powerpoint/2010/main" val="46279433"/>
       </p:ext>
     </p:extLst>
   </p:cSld>
@@ -18193,19 +18170,27 @@
           <a:p>
             <a:r>
               <a:rPr lang="fr-CH" dirty="0"/>
-              <a:t>Once scanning data, </a:t>
+              <a:t>Need a scanning </a:t>
             </a:r>
             <a:r>
               <a:rPr lang="fr-CH" dirty="0" err="1"/>
-              <a:t>need</a:t>
+              <a:t>method</a:t>
             </a:r>
             <a:r>
               <a:rPr lang="fr-CH" dirty="0"/>
-              <a:t> to know how to </a:t>
+              <a:t> to </a:t>
             </a:r>
             <a:r>
               <a:rPr lang="fr-CH" dirty="0" err="1"/>
-              <a:t>parametrize</a:t>
+              <a:t>generate</a:t>
+            </a:r>
+            <a:r>
+              <a:rPr lang="fr-CH" dirty="0"/>
+              <a:t> point cloud. 5 main techniques to </a:t>
+            </a:r>
+            <a:r>
+              <a:rPr lang="fr-CH" dirty="0" err="1"/>
+              <a:t>choose</a:t>
             </a:r>
             <a:r>
               <a:rPr lang="fr-CH" dirty="0"/>
@@ -18213,7 +18198,7 @@
             </a:r>
             <a:r>
               <a:rPr lang="fr-CH" dirty="0" err="1"/>
-              <a:t>aerofoil</a:t>
+              <a:t>from</a:t>
             </a:r>
             <a:endParaRPr lang="fr-CH" dirty="0"/>
           </a:p>
@@ -18223,175 +18208,247 @@
           <a:p>
             <a:r>
               <a:rPr lang="fr-CH" dirty="0"/>
-              <a:t>Aerofoil = cross section</a:t>
-            </a:r>
-          </a:p>
-          <a:p>
+              <a:t>Contact : CMM: </a:t>
+            </a:r>
+            <a:r>
+              <a:rPr lang="en-US" sz="1200" b="0" i="0" kern="1200" dirty="0">
+                <a:solidFill>
+                  <a:schemeClr val="tx1"/>
+                </a:solidFill>
+                <a:effectLst/>
+                <a:latin typeface="+mn-lt"/>
+                <a:ea typeface="+mn-ea"/>
+                <a:cs typeface="+mn-cs"/>
+              </a:rPr>
+              <a:t>probe physically touches a firmly fixed object at several points and samples the different positions of the surface</a:t>
+            </a:r>
+          </a:p>
+          <a:p>
+            <a:pPr marL="228600" indent="-228600">
+              <a:buAutoNum type="arabicPeriod"/>
+            </a:pPr>
             <a:endParaRPr lang="fr-CH" dirty="0"/>
           </a:p>
           <a:p>
+            <a:pPr marL="228600" indent="-228600">
+              <a:buAutoNum type="arabicPeriod"/>
+            </a:pPr>
+            <a:endParaRPr lang="fr-CH" dirty="0"/>
+          </a:p>
+          <a:p>
+            <a:pPr marL="228600" indent="-228600">
+              <a:buAutoNum type="arabicPeriod"/>
+            </a:pPr>
+            <a:r>
+              <a:rPr lang="fr-CH" dirty="0"/>
+              <a:t>Non contact active  ----- </a:t>
+            </a:r>
+            <a:r>
+              <a:rPr lang="en-US" sz="1200" b="0" i="0" kern="1200" dirty="0">
+                <a:solidFill>
+                  <a:schemeClr val="tx1"/>
+                </a:solidFill>
+                <a:effectLst/>
+                <a:latin typeface="+mn-lt"/>
+                <a:ea typeface="+mn-ea"/>
+                <a:cs typeface="+mn-cs"/>
+              </a:rPr>
+              <a:t>rely on the emission of radiation or light. </a:t>
+            </a:r>
+            <a:endParaRPr lang="fr-CH" dirty="0"/>
+          </a:p>
+          <a:p>
+            <a:r>
+              <a:rPr lang="fr-CH" dirty="0"/>
+              <a:t>         </a:t>
+            </a:r>
+          </a:p>
+          <a:p>
+            <a:r>
+              <a:rPr lang="fr-CH" dirty="0"/>
+              <a:t>         </a:t>
+            </a:r>
             <a:r>
               <a:rPr lang="fr-CH" dirty="0" err="1"/>
-              <a:t>Many</a:t>
+              <a:t>Structured</a:t>
             </a:r>
             <a:r>
               <a:rPr lang="fr-CH" dirty="0"/>
-              <a:t> techniques </a:t>
+              <a:t> Light:      </a:t>
+            </a:r>
+            <a:r>
+              <a:rPr lang="en-US" sz="1200" b="0" i="0" kern="1200" dirty="0">
+                <a:solidFill>
+                  <a:schemeClr val="tx1"/>
+                </a:solidFill>
+                <a:effectLst/>
+                <a:latin typeface="+mn-lt"/>
+                <a:ea typeface="+mn-ea"/>
+                <a:cs typeface="+mn-cs"/>
+              </a:rPr>
+              <a:t>a pattern of light. Measuring deformation of pattern on the object: shape deduced</a:t>
+            </a:r>
+          </a:p>
+          <a:p>
+            <a:pPr marL="0" indent="0">
+              <a:buNone/>
+            </a:pPr>
+            <a:endParaRPr lang="fr-CH" dirty="0"/>
+          </a:p>
+          <a:p>
+            <a:r>
+              <a:rPr lang="fr-CH" dirty="0"/>
+              <a:t>         Time of flight:  L</a:t>
+            </a:r>
+            <a:r>
+              <a:rPr lang="en-US" sz="1200" b="0" i="0" kern="1200" dirty="0" err="1">
+                <a:solidFill>
+                  <a:schemeClr val="tx1"/>
+                </a:solidFill>
+                <a:effectLst/>
+                <a:latin typeface="+mn-lt"/>
+                <a:ea typeface="+mn-ea"/>
+                <a:cs typeface="+mn-cs"/>
+              </a:rPr>
+              <a:t>aser</a:t>
+            </a:r>
+            <a:r>
+              <a:rPr lang="en-US" sz="1200" b="0" i="0" kern="1200" dirty="0">
+                <a:solidFill>
+                  <a:schemeClr val="tx1"/>
+                </a:solidFill>
+                <a:effectLst/>
+                <a:latin typeface="+mn-lt"/>
+                <a:ea typeface="+mn-ea"/>
+                <a:cs typeface="+mn-cs"/>
+              </a:rPr>
+              <a:t> beam projected onto surface.  Collected by a sensor. </a:t>
+            </a:r>
+            <a:r>
+              <a:rPr lang="en-US" sz="1200" b="0" i="0" kern="1200" dirty="0" err="1">
+                <a:solidFill>
+                  <a:schemeClr val="tx1"/>
+                </a:solidFill>
+                <a:effectLst/>
+                <a:latin typeface="+mn-lt"/>
+                <a:ea typeface="+mn-ea"/>
+                <a:cs typeface="+mn-cs"/>
+              </a:rPr>
+              <a:t>ToF</a:t>
+            </a:r>
+            <a:r>
+              <a:rPr lang="en-US" sz="1200" b="0" i="0" kern="1200" dirty="0">
+                <a:solidFill>
+                  <a:schemeClr val="tx1"/>
+                </a:solidFill>
+                <a:effectLst/>
+                <a:latin typeface="+mn-lt"/>
+                <a:ea typeface="+mn-ea"/>
+                <a:cs typeface="+mn-cs"/>
+              </a:rPr>
+              <a:t> of laser beam between its emission and reception provides geometrical information</a:t>
+            </a:r>
+          </a:p>
+          <a:p>
+            <a:endParaRPr lang="fr-CH" dirty="0"/>
+          </a:p>
+          <a:p>
+            <a:r>
+              <a:rPr lang="fr-CH" dirty="0"/>
+              <a:t>         Laser triangulation: </a:t>
+            </a:r>
+            <a:r>
+              <a:rPr lang="en-US" sz="1200" b="0" i="0" kern="1200" dirty="0">
+                <a:solidFill>
+                  <a:schemeClr val="tx1"/>
+                </a:solidFill>
+                <a:effectLst/>
+                <a:latin typeface="+mn-lt"/>
+                <a:ea typeface="+mn-ea"/>
+                <a:cs typeface="+mn-cs"/>
+              </a:rPr>
+              <a:t>Depending on  distance object, reflected light falls at angle on receiving element. Determining spot position, distance object-receiver computed</a:t>
+            </a:r>
+          </a:p>
+          <a:p>
+            <a:pPr marL="0" indent="0">
+              <a:buNone/>
+            </a:pPr>
+            <a:endParaRPr lang="fr-CH" dirty="0"/>
+          </a:p>
+          <a:p>
+            <a:pPr marL="0" indent="0">
+              <a:buNone/>
+            </a:pPr>
+            <a:endParaRPr lang="fr-CH" dirty="0"/>
+          </a:p>
+          <a:p>
+            <a:r>
+              <a:rPr lang="fr-CH" dirty="0"/>
+              <a:t>3. Non CP: </a:t>
             </a:r>
             <a:r>
               <a:rPr lang="fr-CH" dirty="0" err="1"/>
-              <a:t>which</a:t>
+              <a:t>Photogrammetry</a:t>
             </a:r>
             <a:r>
               <a:rPr lang="fr-CH" dirty="0"/>
-              <a:t> uses </a:t>
-            </a:r>
-            <a:r>
-              <a:rPr lang="fr-CH" dirty="0" err="1"/>
-              <a:t>different</a:t>
-            </a:r>
-            <a:r>
-              <a:rPr lang="fr-CH" dirty="0"/>
-              <a:t> </a:t>
-            </a:r>
-            <a:r>
-              <a:rPr lang="fr-CH" dirty="0" err="1"/>
-              <a:t>features</a:t>
-            </a:r>
+              <a:t>: r</a:t>
+            </a:r>
+            <a:r>
+              <a:rPr lang="en-US" sz="1200" b="0" i="0" kern="1200" dirty="0" err="1">
+                <a:solidFill>
+                  <a:schemeClr val="tx1"/>
+                </a:solidFill>
+                <a:effectLst/>
+                <a:latin typeface="+mn-lt"/>
+                <a:ea typeface="+mn-ea"/>
+                <a:cs typeface="+mn-cs"/>
+              </a:rPr>
+              <a:t>econstructs</a:t>
+            </a:r>
+            <a:r>
+              <a:rPr lang="en-US" sz="1200" b="0" i="0" kern="1200" dirty="0">
+                <a:solidFill>
+                  <a:schemeClr val="tx1"/>
+                </a:solidFill>
+                <a:effectLst/>
+                <a:latin typeface="+mn-lt"/>
+                <a:ea typeface="+mn-ea"/>
+                <a:cs typeface="+mn-cs"/>
+              </a:rPr>
+              <a:t> a 3D model object from 2D digital pictures taken at different angles (computer vision + computational geometry </a:t>
+            </a:r>
+            <a:r>
+              <a:rPr lang="en-US" sz="1200" b="0" i="0" kern="1200" dirty="0" err="1">
+                <a:solidFill>
+                  <a:schemeClr val="tx1"/>
+                </a:solidFill>
+                <a:effectLst/>
+                <a:latin typeface="+mn-lt"/>
+                <a:ea typeface="+mn-ea"/>
+                <a:cs typeface="+mn-cs"/>
+              </a:rPr>
+              <a:t>algo</a:t>
+            </a:r>
+            <a:r>
+              <a:rPr lang="en-US" sz="1200" b="0" i="0" kern="1200" dirty="0">
+                <a:solidFill>
+                  <a:schemeClr val="tx1"/>
+                </a:solidFill>
+                <a:effectLst/>
+                <a:latin typeface="+mn-lt"/>
+                <a:ea typeface="+mn-ea"/>
+                <a:cs typeface="+mn-cs"/>
+              </a:rPr>
+              <a:t>)</a:t>
+            </a:r>
+          </a:p>
+          <a:p>
+            <a:pPr marL="0" indent="0">
+              <a:buNone/>
+            </a:pPr>
             <a:endParaRPr lang="fr-CH" dirty="0"/>
-          </a:p>
-          <a:p>
-            <a:r>
-              <a:rPr lang="fr-CH" dirty="0"/>
-              <a:t>    </a:t>
-            </a:r>
-            <a:r>
-              <a:rPr lang="fr-CH" dirty="0" err="1"/>
-              <a:t>Bezier</a:t>
-            </a:r>
-            <a:r>
-              <a:rPr lang="fr-CH" dirty="0"/>
-              <a:t>: </a:t>
-            </a:r>
-            <a:r>
-              <a:rPr lang="fr-CH" dirty="0" err="1"/>
-              <a:t>polynomials</a:t>
-            </a:r>
-            <a:r>
-              <a:rPr lang="fr-CH" dirty="0"/>
-              <a:t> </a:t>
-            </a:r>
-            <a:r>
-              <a:rPr lang="fr-CH" dirty="0" err="1"/>
-              <a:t>curves</a:t>
-            </a:r>
-            <a:endParaRPr lang="fr-CH" dirty="0"/>
-          </a:p>
-          <a:p>
-            <a:r>
-              <a:rPr lang="fr-CH" dirty="0"/>
-              <a:t>    Parsec </a:t>
-            </a:r>
-            <a:r>
-              <a:rPr lang="fr-CH" dirty="0" err="1"/>
-              <a:t>parameters</a:t>
-            </a:r>
-            <a:r>
-              <a:rPr lang="fr-CH" dirty="0"/>
-              <a:t>  -- </a:t>
-            </a:r>
-            <a:r>
-              <a:rPr lang="fr-CH" dirty="0" err="1"/>
-              <a:t>improved</a:t>
-            </a:r>
-            <a:endParaRPr lang="fr-CH" dirty="0"/>
-          </a:p>
-          <a:p>
-            <a:r>
-              <a:rPr lang="fr-CH" dirty="0"/>
-              <a:t>    </a:t>
-            </a:r>
-            <a:r>
-              <a:rPr lang="fr-CH" dirty="0" err="1"/>
-              <a:t>Less</a:t>
-            </a:r>
-            <a:r>
-              <a:rPr lang="fr-CH" dirty="0"/>
-              <a:t> </a:t>
-            </a:r>
-            <a:r>
-              <a:rPr lang="fr-CH" dirty="0" err="1"/>
-              <a:t>parameters</a:t>
-            </a:r>
-            <a:r>
-              <a:rPr lang="fr-CH" dirty="0"/>
-              <a:t>: IPG</a:t>
-            </a:r>
-          </a:p>
-          <a:p>
-            <a:endParaRPr lang="fr-CH" dirty="0"/>
-          </a:p>
-          <a:p>
-            <a:r>
-              <a:rPr lang="fr-CH" dirty="0"/>
-              <a:t>Will </a:t>
-            </a:r>
-            <a:r>
-              <a:rPr lang="fr-CH" dirty="0" err="1"/>
-              <a:t>try</a:t>
-            </a:r>
-            <a:r>
-              <a:rPr lang="fr-CH" dirty="0"/>
-              <a:t> </a:t>
-            </a:r>
-            <a:r>
-              <a:rPr lang="fr-CH" dirty="0" err="1"/>
-              <a:t>which</a:t>
-            </a:r>
-            <a:r>
-              <a:rPr lang="fr-CH" dirty="0"/>
-              <a:t> </a:t>
-            </a:r>
-            <a:r>
-              <a:rPr lang="fr-CH" dirty="0" err="1"/>
-              <a:t>is</a:t>
-            </a:r>
-            <a:r>
-              <a:rPr lang="fr-CH" dirty="0"/>
-              <a:t> best to </a:t>
-            </a:r>
-            <a:r>
-              <a:rPr lang="fr-CH" dirty="0" err="1"/>
-              <a:t>describe</a:t>
-            </a:r>
-            <a:r>
-              <a:rPr lang="fr-CH" dirty="0"/>
-              <a:t> </a:t>
-            </a:r>
-            <a:r>
-              <a:rPr lang="fr-CH" dirty="0" err="1"/>
-              <a:t>aerofoil</a:t>
-            </a:r>
-            <a:r>
-              <a:rPr lang="fr-CH" dirty="0"/>
-              <a:t> </a:t>
-            </a:r>
-            <a:r>
-              <a:rPr lang="fr-CH" dirty="0" err="1"/>
-              <a:t>obtained</a:t>
-            </a:r>
-            <a:r>
-              <a:rPr lang="fr-CH" dirty="0"/>
-              <a:t> </a:t>
-            </a:r>
-            <a:r>
-              <a:rPr lang="fr-CH" dirty="0" err="1"/>
-              <a:t>from</a:t>
-            </a:r>
-            <a:r>
-              <a:rPr lang="fr-CH" dirty="0"/>
-              <a:t> point cloud</a:t>
-            </a:r>
           </a:p>
         </p:txBody>
       </p:sp>
@@ -18443,7 +18500,7 @@
     </p:spTree>
     <p:extLst>
       <p:ext uri="{BB962C8B-B14F-4D97-AF65-F5344CB8AC3E}">
-        <p14:creationId xmlns:p14="http://schemas.microsoft.com/office/powerpoint/2010/main" val="2970658997"/>
+        <p14:creationId xmlns:p14="http://schemas.microsoft.com/office/powerpoint/2010/main" val="3591280580"/>
       </p:ext>
     </p:extLst>
   </p:cSld>
@@ -18499,11 +18556,19 @@
           <a:p>
             <a:r>
               <a:rPr lang="fr-CH" dirty="0"/>
-              <a:t>6 main </a:t>
+              <a:t>Once scanning data, </a:t>
             </a:r>
             <a:r>
               <a:rPr lang="fr-CH" dirty="0" err="1"/>
-              <a:t>steps</a:t>
+              <a:t>need</a:t>
+            </a:r>
+            <a:r>
+              <a:rPr lang="fr-CH" dirty="0"/>
+              <a:t> to know how to </a:t>
+            </a:r>
+            <a:r>
+              <a:rPr lang="fr-CH" dirty="0" err="1"/>
+              <a:t>parametrize</a:t>
             </a:r>
             <a:r>
               <a:rPr lang="fr-CH" dirty="0"/>
@@ -18511,9 +18576,185 @@
             </a:r>
             <a:r>
               <a:rPr lang="fr-CH" dirty="0" err="1"/>
-              <a:t>overview</a:t>
+              <a:t>aerofoil</a:t>
             </a:r>
             <a:endParaRPr lang="fr-CH" dirty="0"/>
+          </a:p>
+          <a:p>
+            <a:endParaRPr lang="fr-CH" dirty="0"/>
+          </a:p>
+          <a:p>
+            <a:r>
+              <a:rPr lang="fr-CH" dirty="0"/>
+              <a:t>Aerofoil = cross section</a:t>
+            </a:r>
+          </a:p>
+          <a:p>
+            <a:endParaRPr lang="fr-CH" dirty="0"/>
+          </a:p>
+          <a:p>
+            <a:r>
+              <a:rPr lang="fr-CH" dirty="0" err="1"/>
+              <a:t>Many</a:t>
+            </a:r>
+            <a:r>
+              <a:rPr lang="fr-CH" dirty="0"/>
+              <a:t> techniques </a:t>
+            </a:r>
+            <a:r>
+              <a:rPr lang="fr-CH" dirty="0" err="1"/>
+              <a:t>which</a:t>
+            </a:r>
+            <a:r>
+              <a:rPr lang="fr-CH" dirty="0"/>
+              <a:t> uses </a:t>
+            </a:r>
+            <a:r>
+              <a:rPr lang="fr-CH" dirty="0" err="1"/>
+              <a:t>different</a:t>
+            </a:r>
+            <a:r>
+              <a:rPr lang="fr-CH" dirty="0"/>
+              <a:t> </a:t>
+            </a:r>
+            <a:r>
+              <a:rPr lang="fr-CH" dirty="0" err="1"/>
+              <a:t>features</a:t>
+            </a:r>
+            <a:endParaRPr lang="fr-CH" dirty="0"/>
+          </a:p>
+          <a:p>
+            <a:r>
+              <a:rPr lang="fr-CH" dirty="0"/>
+              <a:t>    </a:t>
+            </a:r>
+            <a:r>
+              <a:rPr lang="fr-CH" dirty="0" err="1"/>
+              <a:t>Bezier</a:t>
+            </a:r>
+            <a:r>
+              <a:rPr lang="fr-CH" dirty="0"/>
+              <a:t>: </a:t>
+            </a:r>
+            <a:r>
+              <a:rPr lang="fr-CH" dirty="0" err="1"/>
+              <a:t>polynomials</a:t>
+            </a:r>
+            <a:r>
+              <a:rPr lang="fr-CH" dirty="0"/>
+              <a:t> </a:t>
+            </a:r>
+            <a:r>
+              <a:rPr lang="fr-CH" dirty="0" err="1"/>
+              <a:t>curves</a:t>
+            </a:r>
+            <a:endParaRPr lang="fr-CH" dirty="0"/>
+          </a:p>
+          <a:p>
+            <a:r>
+              <a:rPr lang="fr-CH" dirty="0"/>
+              <a:t>    Parsec </a:t>
+            </a:r>
+            <a:r>
+              <a:rPr lang="fr-CH" dirty="0" err="1"/>
+              <a:t>parameters</a:t>
+            </a:r>
+            <a:r>
+              <a:rPr lang="fr-CH" dirty="0"/>
+              <a:t>  -- </a:t>
+            </a:r>
+            <a:r>
+              <a:rPr lang="fr-CH" dirty="0" err="1"/>
+              <a:t>improved</a:t>
+            </a:r>
+            <a:endParaRPr lang="fr-CH" dirty="0"/>
+          </a:p>
+          <a:p>
+            <a:r>
+              <a:rPr lang="fr-CH" dirty="0"/>
+              <a:t>    </a:t>
+            </a:r>
+            <a:r>
+              <a:rPr lang="fr-CH" dirty="0" err="1"/>
+              <a:t>Less</a:t>
+            </a:r>
+            <a:r>
+              <a:rPr lang="fr-CH" dirty="0"/>
+              <a:t> </a:t>
+            </a:r>
+            <a:r>
+              <a:rPr lang="fr-CH" dirty="0" err="1"/>
+              <a:t>parameters</a:t>
+            </a:r>
+            <a:r>
+              <a:rPr lang="fr-CH" dirty="0"/>
+              <a:t>: IPG</a:t>
+            </a:r>
+          </a:p>
+          <a:p>
+            <a:endParaRPr lang="fr-CH" dirty="0"/>
+          </a:p>
+          <a:p>
+            <a:r>
+              <a:rPr lang="fr-CH" dirty="0"/>
+              <a:t>Will </a:t>
+            </a:r>
+            <a:r>
+              <a:rPr lang="fr-CH" dirty="0" err="1"/>
+              <a:t>try</a:t>
+            </a:r>
+            <a:r>
+              <a:rPr lang="fr-CH" dirty="0"/>
+              <a:t> </a:t>
+            </a:r>
+            <a:r>
+              <a:rPr lang="fr-CH" dirty="0" err="1"/>
+              <a:t>which</a:t>
+            </a:r>
+            <a:r>
+              <a:rPr lang="fr-CH" dirty="0"/>
+              <a:t> </a:t>
+            </a:r>
+            <a:r>
+              <a:rPr lang="fr-CH" dirty="0" err="1"/>
+              <a:t>is</a:t>
+            </a:r>
+            <a:r>
+              <a:rPr lang="fr-CH" dirty="0"/>
+              <a:t> best to </a:t>
+            </a:r>
+            <a:r>
+              <a:rPr lang="fr-CH" dirty="0" err="1"/>
+              <a:t>describe</a:t>
+            </a:r>
+            <a:r>
+              <a:rPr lang="fr-CH" dirty="0"/>
+              <a:t> </a:t>
+            </a:r>
+            <a:r>
+              <a:rPr lang="fr-CH" dirty="0" err="1"/>
+              <a:t>aerofoil</a:t>
+            </a:r>
+            <a:r>
+              <a:rPr lang="fr-CH" dirty="0"/>
+              <a:t> </a:t>
+            </a:r>
+            <a:r>
+              <a:rPr lang="fr-CH" dirty="0" err="1"/>
+              <a:t>obtained</a:t>
+            </a:r>
+            <a:r>
+              <a:rPr lang="fr-CH" dirty="0"/>
+              <a:t> </a:t>
+            </a:r>
+            <a:r>
+              <a:rPr lang="fr-CH" dirty="0" err="1"/>
+              <a:t>from</a:t>
+            </a:r>
+            <a:r>
+              <a:rPr lang="fr-CH" dirty="0"/>
+              <a:t> point cloud</a:t>
+            </a:r>
           </a:p>
         </p:txBody>
       </p:sp>
@@ -18565,7 +18806,7 @@
     </p:spTree>
     <p:extLst>
       <p:ext uri="{BB962C8B-B14F-4D97-AF65-F5344CB8AC3E}">
-        <p14:creationId xmlns:p14="http://schemas.microsoft.com/office/powerpoint/2010/main" val="568087619"/>
+        <p14:creationId xmlns:p14="http://schemas.microsoft.com/office/powerpoint/2010/main" val="2970658997"/>
       </p:ext>
     </p:extLst>
   </p:cSld>
@@ -18619,6 +18860,22 @@
           <a:bodyPr/>
           <a:lstStyle/>
           <a:p>
+            <a:r>
+              <a:rPr lang="fr-CH" dirty="0"/>
+              <a:t>6 main </a:t>
+            </a:r>
+            <a:r>
+              <a:rPr lang="fr-CH" dirty="0" err="1"/>
+              <a:t>steps</a:t>
+            </a:r>
+            <a:r>
+              <a:rPr lang="fr-CH" dirty="0"/>
+              <a:t> </a:t>
+            </a:r>
+            <a:r>
+              <a:rPr lang="fr-CH" dirty="0" err="1"/>
+              <a:t>overview</a:t>
+            </a:r>
             <a:endParaRPr lang="fr-CH" dirty="0"/>
           </a:p>
         </p:txBody>
@@ -18662,7 +18919,7 @@
           <a:p>
             <a:fld id="{2AB5D27E-6000-7E4B-A366-5EDBC4F15408}" type="slidenum">
               <a:rPr lang="fr-FR" smtClean="0"/>
-              <a:t>10</a:t>
+              <a:t>9</a:t>
             </a:fld>
             <a:endParaRPr lang="fr-FR"/>
           </a:p>
@@ -18671,7 +18928,7 @@
     </p:spTree>
     <p:extLst>
       <p:ext uri="{BB962C8B-B14F-4D97-AF65-F5344CB8AC3E}">
-        <p14:creationId xmlns:p14="http://schemas.microsoft.com/office/powerpoint/2010/main" val="386776984"/>
+        <p14:creationId xmlns:p14="http://schemas.microsoft.com/office/powerpoint/2010/main" val="568087619"/>
       </p:ext>
     </p:extLst>
   </p:cSld>
@@ -18823,7 +19080,7 @@
           <a:p>
             <a:fld id="{19338AA8-AB00-47F6-A52E-C02B380056E0}" type="datetime1">
               <a:rPr lang="fr-CH" smtClean="0"/>
-              <a:t>01.01.2019</a:t>
+              <a:t>10.01.2019</a:t>
             </a:fld>
             <a:endParaRPr lang="fr-CH"/>
           </a:p>
@@ -18996,7 +19253,7 @@
           <a:p>
             <a:fld id="{D43335B8-C336-4CA9-A908-7EF5938D9A90}" type="datetime1">
               <a:rPr lang="fr-CH" smtClean="0"/>
-              <a:t>01.01.2019</a:t>
+              <a:t>10.01.2019</a:t>
             </a:fld>
             <a:endParaRPr lang="fr-CH"/>
           </a:p>
@@ -19179,7 +19436,7 @@
           <a:p>
             <a:fld id="{E9F5A68A-FEC5-4141-851D-D49EC4A60C9A}" type="datetime1">
               <a:rPr lang="fr-CH" smtClean="0"/>
-              <a:t>01.01.2019</a:t>
+              <a:t>10.01.2019</a:t>
             </a:fld>
             <a:endParaRPr lang="fr-CH"/>
           </a:p>
@@ -19469,7 +19726,7 @@
           <a:p>
             <a:fld id="{ABFC9C46-D19E-49E5-8B8E-0F695CD54D36}" type="datetime1">
               <a:rPr lang="fr-CH" smtClean="0"/>
-              <a:t>01.01.2019</a:t>
+              <a:t>10.01.2019</a:t>
             </a:fld>
             <a:endParaRPr lang="fr-CH"/>
           </a:p>
@@ -19685,7 +19942,7 @@
           <a:p>
             <a:fld id="{ECE915BF-2EBA-40DA-ACA2-BAC9FEC6D45F}" type="datetime1">
               <a:rPr lang="fr-CH" smtClean="0"/>
-              <a:t>01.01.2019</a:t>
+              <a:t>10.01.2019</a:t>
             </a:fld>
             <a:endParaRPr lang="fr-CH"/>
           </a:p>
@@ -20031,7 +20288,7 @@
           <a:p>
             <a:fld id="{B2D84D36-6867-4F5B-BB5D-B0D445DDF8BD}" type="datetime1">
               <a:rPr lang="fr-CH" smtClean="0"/>
-              <a:t>01.01.2019</a:t>
+              <a:t>10.01.2019</a:t>
             </a:fld>
             <a:endParaRPr lang="fr-CH"/>
           </a:p>
@@ -20309,7 +20566,7 @@
           <a:p>
             <a:fld id="{B7D984B7-4139-41A1-9E72-D2C1ED32CB64}" type="datetime1">
               <a:rPr lang="fr-CH" smtClean="0"/>
-              <a:t>01.01.2019</a:t>
+              <a:t>10.01.2019</a:t>
             </a:fld>
             <a:endParaRPr lang="fr-CH"/>
           </a:p>
@@ -20696,7 +20953,7 @@
           <a:p>
             <a:fld id="{EED9AB75-468F-4F56-B100-B8CDEFB06ACD}" type="datetime1">
               <a:rPr lang="fr-CH" smtClean="0"/>
-              <a:t>01.01.2019</a:t>
+              <a:t>10.01.2019</a:t>
             </a:fld>
             <a:endParaRPr lang="fr-CH"/>
           </a:p>
@@ -20822,7 +21079,7 @@
           <a:p>
             <a:fld id="{863148C7-4AD7-42B4-8B0D-598027C721E9}" type="datetime1">
               <a:rPr lang="fr-CH" smtClean="0"/>
-              <a:t>01.01.2019</a:t>
+              <a:t>10.01.2019</a:t>
             </a:fld>
             <a:endParaRPr lang="fr-CH"/>
           </a:p>
@@ -20996,7 +21253,7 @@
           <a:p>
             <a:fld id="{EAE80EEB-C91E-4758-97FD-15EA38C590EF}" type="datetime1">
               <a:rPr lang="fr-CH" smtClean="0"/>
-              <a:t>01.01.2019</a:t>
+              <a:t>10.01.2019</a:t>
             </a:fld>
             <a:endParaRPr lang="fr-CH"/>
           </a:p>
@@ -21358,7 +21615,7 @@
           <a:p>
             <a:fld id="{E920EC88-CD5B-4B39-BDD8-88ECAABA00A7}" type="datetime1">
               <a:rPr lang="fr-CH" smtClean="0"/>
-              <a:t>01.01.2019</a:t>
+              <a:t>10.01.2019</a:t>
             </a:fld>
             <a:endParaRPr lang="fr-CH"/>
           </a:p>
@@ -21557,7 +21814,7 @@
           <a:p>
             <a:fld id="{2C5CE6D8-56FE-4D39-818C-789E032FD7AA}" type="datetime1">
               <a:rPr lang="fr-CH" smtClean="0"/>
-              <a:t>01.01.2019</a:t>
+              <a:t>10.01.2019</a:t>
             </a:fld>
             <a:endParaRPr lang="fr-CH"/>
           </a:p>
@@ -21916,7 +22173,7 @@
           <a:p>
             <a:fld id="{565683B9-504B-4A2E-9163-4465CD15713D}" type="datetime1">
               <a:rPr lang="fr-CH" smtClean="0"/>
-              <a:t>01.01.2019</a:t>
+              <a:t>10.01.2019</a:t>
             </a:fld>
             <a:endParaRPr lang="fr-CH"/>
           </a:p>
@@ -22089,7 +22346,7 @@
           <a:p>
             <a:fld id="{2BDC39BC-7B21-4CC6-B18E-B4312F709F5C}" type="datetime1">
               <a:rPr lang="fr-CH" smtClean="0"/>
-              <a:t>01.01.2019</a:t>
+              <a:t>10.01.2019</a:t>
             </a:fld>
             <a:endParaRPr lang="fr-CH"/>
           </a:p>
@@ -22348,7 +22605,7 @@
           <a:p>
             <a:fld id="{D3BBBA8E-B6E0-458F-A7BE-805B2A73F184}" type="datetime1">
               <a:rPr lang="fr-CH" smtClean="0"/>
-              <a:t>01.01.2019</a:t>
+              <a:t>10.01.2019</a:t>
             </a:fld>
             <a:endParaRPr lang="fr-CH"/>
           </a:p>
@@ -22602,7 +22859,7 @@
           <a:p>
             <a:fld id="{47546A20-D025-4B4F-BA62-48072654D13F}" type="datetime1">
               <a:rPr lang="fr-CH" smtClean="0"/>
-              <a:t>01.01.2019</a:t>
+              <a:t>10.01.2019</a:t>
             </a:fld>
             <a:endParaRPr lang="fr-CH"/>
           </a:p>
@@ -22837,7 +23094,7 @@
           <a:p>
             <a:fld id="{50D571F2-AAC6-456F-A5C1-0608A74F1AD6}" type="datetime1">
               <a:rPr lang="fr-CH" smtClean="0"/>
-              <a:t>01.01.2019</a:t>
+              <a:t>10.01.2019</a:t>
             </a:fld>
             <a:endParaRPr lang="fr-CH"/>
           </a:p>
@@ -23187,7 +23444,7 @@
           <a:p>
             <a:fld id="{358F3861-5E9E-4334-B9B9-957EDCADE37B}" type="datetime1">
               <a:rPr lang="fr-CH" smtClean="0"/>
-              <a:t>01.01.2019</a:t>
+              <a:t>10.01.2019</a:t>
             </a:fld>
             <a:endParaRPr lang="fr-CH"/>
           </a:p>
@@ -23308,7 +23565,7 @@
           <a:p>
             <a:fld id="{69E5D8CB-CDF8-4CA5-95E8-98509A6021AD}" type="datetime1">
               <a:rPr lang="fr-CH" smtClean="0"/>
-              <a:t>01.01.2019</a:t>
+              <a:t>10.01.2019</a:t>
             </a:fld>
             <a:endParaRPr lang="fr-CH"/>
           </a:p>
@@ -23429,7 +23686,7 @@
           <a:p>
             <a:fld id="{A2912718-0DE0-4AB4-9B81-3D2CAC5826B2}" type="datetime1">
               <a:rPr lang="fr-CH" smtClean="0"/>
-              <a:t>01.01.2019</a:t>
+              <a:t>10.01.2019</a:t>
             </a:fld>
             <a:endParaRPr lang="fr-CH"/>
           </a:p>
@@ -23716,7 +23973,7 @@
           <a:p>
             <a:fld id="{9600091B-D431-4E8B-B88F-8FCEC22C29AD}" type="datetime1">
               <a:rPr lang="fr-CH" smtClean="0"/>
-              <a:t>01.01.2019</a:t>
+              <a:t>10.01.2019</a:t>
             </a:fld>
             <a:endParaRPr lang="fr-CH"/>
           </a:p>
@@ -23983,7 +24240,7 @@
           <a:p>
             <a:fld id="{05E7242E-0C8F-4FC5-AC59-EE029740C7FF}" type="datetime1">
               <a:rPr lang="fr-CH" smtClean="0"/>
-              <a:t>01.01.2019</a:t>
+              <a:t>10.01.2019</a:t>
             </a:fld>
             <a:endParaRPr lang="fr-CH"/>
           </a:p>
@@ -24200,7 +24457,7 @@
           <a:p>
             <a:fld id="{65A64017-90F2-4A9A-A326-5496BE4062DB}" type="datetime1">
               <a:rPr lang="fr-CH" smtClean="0"/>
-              <a:t>01.01.2019</a:t>
+              <a:t>10.01.2019</a:t>
             </a:fld>
             <a:endParaRPr lang="fr-CH"/>
           </a:p>
@@ -24807,7 +25064,7 @@
           <a:p>
             <a:fld id="{FF2BCF66-79A0-45F1-9F59-486442163168}" type="datetime1">
               <a:rPr lang="fr-CH" smtClean="0"/>
-              <a:t>01.01.2019</a:t>
+              <a:t>10.01.2019</a:t>
             </a:fld>
             <a:endParaRPr lang="fr-CH"/>
           </a:p>
@@ -25902,6 +26159,423 @@
           <a:chExt cx="0" cy="0"/>
         </a:xfrm>
       </p:grpSpPr>
+      <p:pic>
+        <p:nvPicPr>
+          <p:cNvPr id="4" name="Image 3">
+            <a:extLst>
+              <a:ext uri="{FF2B5EF4-FFF2-40B4-BE49-F238E27FC236}">
+                <a16:creationId xmlns:a16="http://schemas.microsoft.com/office/drawing/2014/main" id="{C4C1D51C-2AC3-45CA-BB80-6B9DBD551AB3}"/>
+              </a:ext>
+            </a:extLst>
+          </p:cNvPr>
+          <p:cNvPicPr>
+            <a:picLocks noChangeAspect="1"/>
+          </p:cNvPicPr>
+          <p:nvPr/>
+        </p:nvPicPr>
+        <p:blipFill rotWithShape="1">
+          <a:blip r:embed="rId2">
+            <a:extLst>
+              <a:ext uri="{28A0092B-C50C-407E-A947-70E740481C1C}">
+                <a14:useLocalDpi xmlns:a14="http://schemas.microsoft.com/office/drawing/2010/main" val="0"/>
+              </a:ext>
+            </a:extLst>
+          </a:blip>
+          <a:srcRect l="12633" t="5581" r="3646" b="4544"/>
+          <a:stretch/>
+        </p:blipFill>
+        <p:spPr>
+          <a:xfrm>
+            <a:off x="6418053" y="1987040"/>
+            <a:ext cx="5297324" cy="3969219"/>
+          </a:xfrm>
+          <a:prstGeom prst="rect">
+            <a:avLst/>
+          </a:prstGeom>
+        </p:spPr>
+      </p:pic>
+      <p:sp>
+        <p:nvSpPr>
+          <p:cNvPr id="5" name="Slide Number Placeholder 4">
+            <a:extLst>
+              <a:ext uri="{FF2B5EF4-FFF2-40B4-BE49-F238E27FC236}">
+                <a16:creationId xmlns:a16="http://schemas.microsoft.com/office/drawing/2014/main" id="{8B06F4BC-244F-4D7A-A7C8-298E98CF5AEF}"/>
+              </a:ext>
+            </a:extLst>
+          </p:cNvPr>
+          <p:cNvSpPr>
+            <a:spLocks noGrp="1"/>
+          </p:cNvSpPr>
+          <p:nvPr>
+            <p:ph type="sldNum" sz="quarter" idx="12"/>
+          </p:nvPr>
+        </p:nvSpPr>
+        <p:spPr/>
+        <p:txBody>
+          <a:bodyPr/>
+          <a:lstStyle/>
+          <a:p>
+            <a:fld id="{C5BDCE95-9A2C-4CF6-AC2F-5E8F5B23B560}" type="slidenum">
+              <a:rPr lang="fr-CH" sz="1800" smtClean="0"/>
+              <a:t>10</a:t>
+            </a:fld>
+            <a:endParaRPr lang="fr-CH" sz="1800" dirty="0"/>
+          </a:p>
+        </p:txBody>
+      </p:sp>
+      <p:sp>
+        <p:nvSpPr>
+          <p:cNvPr id="6" name="Titre 1">
+            <a:extLst>
+              <a:ext uri="{FF2B5EF4-FFF2-40B4-BE49-F238E27FC236}">
+                <a16:creationId xmlns:a16="http://schemas.microsoft.com/office/drawing/2014/main" id="{6BC99EEE-8CEF-4FA8-A1F9-8D92D970C91F}"/>
+              </a:ext>
+            </a:extLst>
+          </p:cNvPr>
+          <p:cNvSpPr>
+            <a:spLocks noGrp="1"/>
+          </p:cNvSpPr>
+          <p:nvPr>
+            <p:ph type="title"/>
+          </p:nvPr>
+        </p:nvSpPr>
+        <p:spPr>
+          <a:xfrm>
+            <a:off x="1097280" y="-156845"/>
+            <a:ext cx="10115203" cy="1954680"/>
+          </a:xfrm>
+        </p:spPr>
+        <p:txBody>
+          <a:bodyPr>
+            <a:noAutofit/>
+          </a:bodyPr>
+          <a:lstStyle/>
+          <a:p>
+            <a:r>
+              <a:rPr lang="fr-CH" dirty="0">
+                <a:solidFill>
+                  <a:schemeClr val="accent2"/>
+                </a:solidFill>
+              </a:rPr>
+              <a:t>Methodology : </a:t>
+            </a:r>
+            <a:r>
+              <a:rPr lang="fr-CH" sz="3600" i="1" dirty="0">
+                <a:solidFill>
+                  <a:schemeClr val="tx2"/>
+                </a:solidFill>
+              </a:rPr>
+              <a:t>Algorithm</a:t>
+            </a:r>
+            <a:endParaRPr lang="fr-CH" sz="3600" dirty="0">
+              <a:solidFill>
+                <a:schemeClr val="accent1"/>
+              </a:solidFill>
+            </a:endParaRPr>
+          </a:p>
+        </p:txBody>
+      </p:sp>
+      <p:sp>
+        <p:nvSpPr>
+          <p:cNvPr id="8" name="ZoneTexte 6">
+            <a:extLst>
+              <a:ext uri="{FF2B5EF4-FFF2-40B4-BE49-F238E27FC236}">
+                <a16:creationId xmlns:a16="http://schemas.microsoft.com/office/drawing/2014/main" id="{D8100D07-3251-4F8D-8E96-8EAB381F464E}"/>
+              </a:ext>
+            </a:extLst>
+          </p:cNvPr>
+          <p:cNvSpPr txBox="1"/>
+          <p:nvPr/>
+        </p:nvSpPr>
+        <p:spPr>
+          <a:xfrm>
+            <a:off x="1097280" y="2919429"/>
+            <a:ext cx="8534400" cy="2028248"/>
+          </a:xfrm>
+          <a:prstGeom prst="rect">
+            <a:avLst/>
+          </a:prstGeom>
+          <a:noFill/>
+        </p:spPr>
+        <p:txBody>
+          <a:bodyPr wrap="square" rtlCol="0">
+            <a:spAutoFit/>
+          </a:bodyPr>
+          <a:lstStyle/>
+          <a:p>
+            <a:pPr>
+              <a:lnSpc>
+                <a:spcPct val="90000"/>
+              </a:lnSpc>
+              <a:spcBef>
+                <a:spcPts val="1000"/>
+              </a:spcBef>
+            </a:pPr>
+            <a:r>
+              <a:rPr lang="fr-FR" sz="2800" b="1" u="sng" dirty="0" err="1">
+                <a:solidFill>
+                  <a:schemeClr val="tx2"/>
+                </a:solidFill>
+                <a:latin typeface="Calibri Light" charset="0"/>
+                <a:ea typeface="Calibri Light" charset="0"/>
+                <a:cs typeface="Calibri Light" charset="0"/>
+              </a:rPr>
+              <a:t>Step</a:t>
+            </a:r>
+            <a:r>
+              <a:rPr lang="fr-FR" sz="2800" b="1" u="sng" dirty="0">
+                <a:solidFill>
+                  <a:schemeClr val="tx2"/>
+                </a:solidFill>
+                <a:latin typeface="Calibri Light" charset="0"/>
+                <a:ea typeface="Calibri Light" charset="0"/>
+                <a:cs typeface="Calibri Light" charset="0"/>
+              </a:rPr>
+              <a:t> 1:</a:t>
+            </a:r>
+            <a:r>
+              <a:rPr lang="fr-FR" sz="2800" b="1" dirty="0">
+                <a:solidFill>
+                  <a:schemeClr val="tx2"/>
+                </a:solidFill>
+                <a:latin typeface="Calibri Light" charset="0"/>
+                <a:ea typeface="Calibri Light" charset="0"/>
+                <a:cs typeface="Calibri Light" charset="0"/>
+              </a:rPr>
+              <a:t> </a:t>
+            </a:r>
+            <a:r>
+              <a:rPr lang="fr-FR" sz="2800" b="1" dirty="0" err="1">
+                <a:solidFill>
+                  <a:schemeClr val="tx2"/>
+                </a:solidFill>
+                <a:latin typeface="Calibri Light" charset="0"/>
+                <a:ea typeface="Calibri Light" charset="0"/>
+                <a:cs typeface="Calibri Light" charset="0"/>
+              </a:rPr>
+              <a:t>pre-processing</a:t>
+            </a:r>
+            <a:endParaRPr lang="fr-FR" sz="2800" b="1" dirty="0">
+              <a:solidFill>
+                <a:schemeClr val="tx2"/>
+              </a:solidFill>
+              <a:latin typeface="Calibri Light" charset="0"/>
+              <a:ea typeface="Calibri Light" charset="0"/>
+              <a:cs typeface="Calibri Light" charset="0"/>
+            </a:endParaRPr>
+          </a:p>
+          <a:p>
+            <a:pPr marL="1028700" lvl="1" indent="-571500">
+              <a:lnSpc>
+                <a:spcPct val="90000"/>
+              </a:lnSpc>
+              <a:spcBef>
+                <a:spcPts val="1000"/>
+              </a:spcBef>
+              <a:buFont typeface="Wingdings" charset="2"/>
+              <a:buChar char="§"/>
+            </a:pPr>
+            <a:r>
+              <a:rPr lang="fr-FR" sz="2800" dirty="0">
+                <a:solidFill>
+                  <a:schemeClr val="accent2"/>
+                </a:solidFill>
+                <a:latin typeface="Calibri Light" charset="0"/>
+                <a:ea typeface="Calibri Light" charset="0"/>
+                <a:cs typeface="Calibri Light" charset="0"/>
+              </a:rPr>
+              <a:t>STL to CSV</a:t>
+            </a:r>
+          </a:p>
+          <a:p>
+            <a:pPr marL="1028700" lvl="1" indent="-571500">
+              <a:lnSpc>
+                <a:spcPct val="90000"/>
+              </a:lnSpc>
+              <a:spcBef>
+                <a:spcPts val="1000"/>
+              </a:spcBef>
+              <a:buFont typeface="Wingdings" charset="2"/>
+              <a:buChar char="§"/>
+            </a:pPr>
+            <a:r>
+              <a:rPr lang="fr-FR" sz="2800" dirty="0">
+                <a:solidFill>
+                  <a:schemeClr val="accent2"/>
+                </a:solidFill>
+                <a:latin typeface="Calibri Light" charset="0"/>
+                <a:ea typeface="Calibri Light" charset="0"/>
+                <a:cs typeface="Calibri Light" charset="0"/>
+              </a:rPr>
+              <a:t>Principal direction</a:t>
+            </a:r>
+          </a:p>
+          <a:p>
+            <a:pPr marL="1028700" lvl="1" indent="-571500">
+              <a:lnSpc>
+                <a:spcPct val="90000"/>
+              </a:lnSpc>
+              <a:spcBef>
+                <a:spcPts val="1000"/>
+              </a:spcBef>
+              <a:buFont typeface="Wingdings" charset="2"/>
+              <a:buChar char="§"/>
+            </a:pPr>
+            <a:r>
+              <a:rPr lang="fr-FR" sz="2800" dirty="0" err="1">
+                <a:solidFill>
+                  <a:schemeClr val="accent2"/>
+                </a:solidFill>
+                <a:latin typeface="Calibri Light" charset="0"/>
+                <a:ea typeface="Calibri Light" charset="0"/>
+                <a:cs typeface="Calibri Light" charset="0"/>
+              </a:rPr>
+              <a:t>Centering</a:t>
+            </a:r>
+            <a:r>
+              <a:rPr lang="fr-FR" sz="2800" dirty="0">
+                <a:solidFill>
+                  <a:schemeClr val="accent2"/>
+                </a:solidFill>
+                <a:latin typeface="Calibri Light" charset="0"/>
+                <a:ea typeface="Calibri Light" charset="0"/>
+                <a:cs typeface="Calibri Light" charset="0"/>
+              </a:rPr>
+              <a:t> and </a:t>
+            </a:r>
+            <a:r>
+              <a:rPr lang="fr-FR" sz="2800" dirty="0" err="1">
+                <a:solidFill>
+                  <a:schemeClr val="accent2"/>
+                </a:solidFill>
+                <a:latin typeface="Calibri Light" charset="0"/>
+                <a:ea typeface="Calibri Light" charset="0"/>
+                <a:cs typeface="Calibri Light" charset="0"/>
+              </a:rPr>
+              <a:t>rotating</a:t>
+            </a:r>
+            <a:r>
+              <a:rPr lang="fr-FR" sz="2800" dirty="0">
+                <a:solidFill>
+                  <a:schemeClr val="accent2"/>
+                </a:solidFill>
+                <a:latin typeface="Calibri Light" charset="0"/>
+                <a:ea typeface="Calibri Light" charset="0"/>
+                <a:cs typeface="Calibri Light" charset="0"/>
+              </a:rPr>
+              <a:t> </a:t>
+            </a:r>
+          </a:p>
+        </p:txBody>
+      </p:sp>
+      <p:sp>
+        <p:nvSpPr>
+          <p:cNvPr id="7" name="ZoneTexte 18">
+            <a:extLst>
+              <a:ext uri="{FF2B5EF4-FFF2-40B4-BE49-F238E27FC236}">
+                <a16:creationId xmlns:a16="http://schemas.microsoft.com/office/drawing/2014/main" id="{1C416659-9A28-4649-ADF4-CF8D3709ACF2}"/>
+              </a:ext>
+            </a:extLst>
+          </p:cNvPr>
+          <p:cNvSpPr txBox="1"/>
+          <p:nvPr/>
+        </p:nvSpPr>
+        <p:spPr>
+          <a:xfrm>
+            <a:off x="6044946" y="5967342"/>
+            <a:ext cx="1835856" cy="492443"/>
+          </a:xfrm>
+          <a:prstGeom prst="rect">
+            <a:avLst/>
+          </a:prstGeom>
+          <a:noFill/>
+        </p:spPr>
+        <p:txBody>
+          <a:bodyPr wrap="square" rtlCol="0">
+            <a:spAutoFit/>
+          </a:bodyPr>
+          <a:lstStyle/>
+          <a:p>
+            <a:r>
+              <a:rPr lang="fr-CH" sz="1400" b="1" dirty="0"/>
+              <a:t>Fig.6:</a:t>
+            </a:r>
+            <a:r>
+              <a:rPr lang="fr-CH" sz="1400" dirty="0"/>
+              <a:t> Main directions</a:t>
+            </a:r>
+          </a:p>
+          <a:p>
+            <a:r>
+              <a:rPr lang="fr-CH" sz="1200" dirty="0"/>
+              <a:t> </a:t>
+            </a:r>
+          </a:p>
+        </p:txBody>
+      </p:sp>
+      <p:sp>
+        <p:nvSpPr>
+          <p:cNvPr id="10" name="Espace réservé du pied de page 6">
+            <a:extLst>
+              <a:ext uri="{FF2B5EF4-FFF2-40B4-BE49-F238E27FC236}">
+                <a16:creationId xmlns:a16="http://schemas.microsoft.com/office/drawing/2014/main" id="{FCAF6B1F-93FE-4815-8591-D3D71EA6C13D}"/>
+              </a:ext>
+            </a:extLst>
+          </p:cNvPr>
+          <p:cNvSpPr>
+            <a:spLocks noGrp="1"/>
+          </p:cNvSpPr>
+          <p:nvPr>
+            <p:ph type="ftr" sz="quarter" idx="11"/>
+          </p:nvPr>
+        </p:nvSpPr>
+        <p:spPr>
+          <a:xfrm>
+            <a:off x="3686185" y="6470868"/>
+            <a:ext cx="4822804" cy="365125"/>
+          </a:xfrm>
+        </p:spPr>
+        <p:txBody>
+          <a:bodyPr/>
+          <a:lstStyle/>
+          <a:p>
+            <a:r>
+              <a:rPr lang="fr-CH" sz="1100" dirty="0"/>
+              <a:t>EPFL-STI-LIS | 27.12.2018</a:t>
+            </a:r>
+          </a:p>
+        </p:txBody>
+      </p:sp>
+    </p:spTree>
+    <p:extLst>
+      <p:ext uri="{BB962C8B-B14F-4D97-AF65-F5344CB8AC3E}">
+        <p14:creationId xmlns:p14="http://schemas.microsoft.com/office/powerpoint/2010/main" val="2920325269"/>
+      </p:ext>
+    </p:extLst>
+  </p:cSld>
+  <p:clrMapOvr>
+    <a:masterClrMapping/>
+  </p:clrMapOvr>
+</p:sld>
+</file>
+
+<file path=ppt/slides/slide11.xml><?xml version="1.0" encoding="utf-8"?>
+<p:sld xmlns:a="http://schemas.openxmlformats.org/drawingml/2006/main" xmlns:r="http://schemas.openxmlformats.org/officeDocument/2006/relationships" xmlns:p="http://schemas.openxmlformats.org/presentationml/2006/main">
+  <p:cSld>
+    <p:spTree>
+      <p:nvGrpSpPr>
+        <p:cNvPr id="1" name=""/>
+        <p:cNvGrpSpPr/>
+        <p:nvPr/>
+      </p:nvGrpSpPr>
+      <p:grpSpPr>
+        <a:xfrm>
+          <a:off x="0" y="0"/>
+          <a:ext cx="0" cy="0"/>
+          <a:chOff x="0" y="0"/>
+          <a:chExt cx="0" cy="0"/>
+        </a:xfrm>
+      </p:grpSpPr>
       <p:sp>
         <p:nvSpPr>
           <p:cNvPr id="5" name="Slide Number Placeholder 4">
@@ -25925,7 +26599,7 @@
           <a:p>
             <a:fld id="{C5BDCE95-9A2C-4CF6-AC2F-5E8F5B23B560}" type="slidenum">
               <a:rPr lang="fr-CH" sz="1800" smtClean="0"/>
-              <a:t>10</a:t>
+              <a:t>11</a:t>
             </a:fld>
             <a:endParaRPr lang="fr-CH" sz="1800" dirty="0"/>
           </a:p>
@@ -26803,8 +27477,8 @@
           </a:fontRef>
         </p:style>
       </p:cxnSp>
-      <mc:AlternateContent xmlns:mc="http://schemas.openxmlformats.org/markup-compatibility/2006">
-        <mc:Choice xmlns:a14="http://schemas.microsoft.com/office/drawing/2010/main" Requires="a14">
+      <mc:AlternateContent xmlns:mc="http://schemas.openxmlformats.org/markup-compatibility/2006" xmlns:a14="http://schemas.microsoft.com/office/drawing/2010/main">
+        <mc:Choice Requires="a14">
           <p:sp>
             <p:nvSpPr>
               <p:cNvPr id="27" name="ZoneTexte 26">
@@ -26833,6 +27507,7 @@
               </a:bodyPr>
               <a:lstStyle/>
               <a:p>
+                <a:pPr/>
                 <a14:m>
                   <m:oMathPara xmlns:m="http://schemas.openxmlformats.org/officeDocument/2006/math">
                     <m:oMathParaPr>
@@ -26903,7 +27578,7 @@
             </p:txBody>
           </p:sp>
         </mc:Choice>
-        <mc:Fallback>
+        <mc:Fallback xmlns="">
           <p:sp>
             <p:nvSpPr>
               <p:cNvPr id="27" name="ZoneTexte 26">
@@ -26961,7 +27636,7 @@
 </p:sld>
 </file>
 
-<file path=ppt/slides/slide11.xml><?xml version="1.0" encoding="utf-8"?>
+<file path=ppt/slides/slide12.xml><?xml version="1.0" encoding="utf-8"?>
 <p:sld xmlns:a="http://schemas.openxmlformats.org/drawingml/2006/main" xmlns:r="http://schemas.openxmlformats.org/officeDocument/2006/relationships" xmlns:p="http://schemas.openxmlformats.org/presentationml/2006/main">
   <p:cSld>
     <p:spTree>
@@ -27001,7 +27676,7 @@
           <a:p>
             <a:fld id="{C5BDCE95-9A2C-4CF6-AC2F-5E8F5B23B560}" type="slidenum">
               <a:rPr lang="fr-CH" sz="1800" smtClean="0"/>
-              <a:t>11</a:t>
+              <a:t>12</a:t>
             </a:fld>
             <a:endParaRPr lang="fr-CH" sz="1800" dirty="0"/>
           </a:p>
@@ -27344,7 +28019,7 @@
 </p:sld>
 </file>
 
-<file path=ppt/slides/slide12.xml><?xml version="1.0" encoding="utf-8"?>
+<file path=ppt/slides/slide13.xml><?xml version="1.0" encoding="utf-8"?>
 <p:sld xmlns:a="http://schemas.openxmlformats.org/drawingml/2006/main" xmlns:r="http://schemas.openxmlformats.org/officeDocument/2006/relationships" xmlns:p="http://schemas.openxmlformats.org/presentationml/2006/main">
   <p:cSld>
     <p:spTree>
@@ -27384,7 +28059,7 @@
           <a:p>
             <a:fld id="{C5BDCE95-9A2C-4CF6-AC2F-5E8F5B23B560}" type="slidenum">
               <a:rPr lang="fr-CH" sz="1800" smtClean="0"/>
-              <a:t>12</a:t>
+              <a:t>13</a:t>
             </a:fld>
             <a:endParaRPr lang="fr-CH" sz="1800" dirty="0"/>
           </a:p>
@@ -27744,7 +28419,7 @@
 </p:sld>
 </file>
 
-<file path=ppt/slides/slide13.xml><?xml version="1.0" encoding="utf-8"?>
+<file path=ppt/slides/slide14.xml><?xml version="1.0" encoding="utf-8"?>
 <p:sld xmlns:a="http://schemas.openxmlformats.org/drawingml/2006/main" xmlns:r="http://schemas.openxmlformats.org/officeDocument/2006/relationships" xmlns:p="http://schemas.openxmlformats.org/presentationml/2006/main">
   <p:cSld>
     <p:spTree>
@@ -27784,7 +28459,7 @@
           <a:p>
             <a:fld id="{C5BDCE95-9A2C-4CF6-AC2F-5E8F5B23B560}" type="slidenum">
               <a:rPr lang="fr-CH" sz="1800" smtClean="0"/>
-              <a:t>13</a:t>
+              <a:t>14</a:t>
             </a:fld>
             <a:endParaRPr lang="fr-CH" sz="1800" dirty="0"/>
           </a:p>
@@ -28172,7 +28847,7 @@
 </p:sld>
 </file>
 
-<file path=ppt/slides/slide14.xml><?xml version="1.0" encoding="utf-8"?>
+<file path=ppt/slides/slide15.xml><?xml version="1.0" encoding="utf-8"?>
 <p:sld xmlns:a="http://schemas.openxmlformats.org/drawingml/2006/main" xmlns:r="http://schemas.openxmlformats.org/officeDocument/2006/relationships" xmlns:p="http://schemas.openxmlformats.org/presentationml/2006/main">
   <p:cSld>
     <p:spTree>
@@ -28247,7 +28922,7 @@
           <a:p>
             <a:fld id="{C5BDCE95-9A2C-4CF6-AC2F-5E8F5B23B560}" type="slidenum">
               <a:rPr lang="fr-CH" sz="1800" smtClean="0"/>
-              <a:t>14</a:t>
+              <a:t>15</a:t>
             </a:fld>
             <a:endParaRPr lang="fr-CH" sz="1800" dirty="0"/>
           </a:p>
@@ -28484,7 +29159,7 @@
 </p:sld>
 </file>
 
-<file path=ppt/slides/slide15.xml><?xml version="1.0" encoding="utf-8"?>
+<file path=ppt/slides/slide16.xml><?xml version="1.0" encoding="utf-8"?>
 <p:sld xmlns:a="http://schemas.openxmlformats.org/drawingml/2006/main" xmlns:r="http://schemas.openxmlformats.org/officeDocument/2006/relationships" xmlns:p="http://schemas.openxmlformats.org/presentationml/2006/main">
   <p:cSld>
     <p:spTree>
@@ -28559,7 +29234,7 @@
           <a:p>
             <a:fld id="{C5BDCE95-9A2C-4CF6-AC2F-5E8F5B23B560}" type="slidenum">
               <a:rPr lang="fr-CH" sz="1800" smtClean="0"/>
-              <a:t>15</a:t>
+              <a:t>16</a:t>
             </a:fld>
             <a:endParaRPr lang="fr-CH" sz="1800" dirty="0"/>
           </a:p>
@@ -29007,7 +29682,7 @@
 </p:sld>
 </file>
 
-<file path=ppt/slides/slide16.xml><?xml version="1.0" encoding="utf-8"?>
+<file path=ppt/slides/slide17.xml><?xml version="1.0" encoding="utf-8"?>
 <p:sld xmlns:a="http://schemas.openxmlformats.org/drawingml/2006/main" xmlns:r="http://schemas.openxmlformats.org/officeDocument/2006/relationships" xmlns:p="http://schemas.openxmlformats.org/presentationml/2006/main">
   <p:cSld>
     <p:spTree>
@@ -29100,7 +29775,7 @@
           <a:p>
             <a:fld id="{C5BDCE95-9A2C-4CF6-AC2F-5E8F5B23B560}" type="slidenum">
               <a:rPr lang="fr-CH" sz="1800" smtClean="0"/>
-              <a:t>16</a:t>
+              <a:t>17</a:t>
             </a:fld>
             <a:endParaRPr lang="fr-CH" sz="1800" dirty="0"/>
           </a:p>
@@ -29444,320 +30119,6 @@
 </p:sld>
 </file>
 
-<file path=ppt/slides/slide17.xml><?xml version="1.0" encoding="utf-8"?>
-<p:sld xmlns:a="http://schemas.openxmlformats.org/drawingml/2006/main" xmlns:r="http://schemas.openxmlformats.org/officeDocument/2006/relationships" xmlns:p="http://schemas.openxmlformats.org/presentationml/2006/main">
-  <p:cSld>
-    <p:spTree>
-      <p:nvGrpSpPr>
-        <p:cNvPr id="1" name=""/>
-        <p:cNvGrpSpPr/>
-        <p:nvPr/>
-      </p:nvGrpSpPr>
-      <p:grpSpPr>
-        <a:xfrm>
-          <a:off x="0" y="0"/>
-          <a:ext cx="0" cy="0"/>
-          <a:chOff x="0" y="0"/>
-          <a:chExt cx="0" cy="0"/>
-        </a:xfrm>
-      </p:grpSpPr>
-      <p:sp>
-        <p:nvSpPr>
-          <p:cNvPr id="2" name="Titre 1">
-            <a:extLst>
-              <a:ext uri="{FF2B5EF4-FFF2-40B4-BE49-F238E27FC236}">
-                <a16:creationId xmlns:a16="http://schemas.microsoft.com/office/drawing/2014/main" id="{E49E35EB-CAFC-4E9D-B0B8-EECC66E16618}"/>
-              </a:ext>
-            </a:extLst>
-          </p:cNvPr>
-          <p:cNvSpPr>
-            <a:spLocks noGrp="1"/>
-          </p:cNvSpPr>
-          <p:nvPr>
-            <p:ph type="title"/>
-          </p:nvPr>
-        </p:nvSpPr>
-        <p:spPr/>
-        <p:txBody>
-          <a:bodyPr/>
-          <a:lstStyle/>
-          <a:p>
-            <a:r>
-              <a:rPr lang="fr-CH" dirty="0" err="1">
-                <a:solidFill>
-                  <a:schemeClr val="accent2"/>
-                </a:solidFill>
-              </a:rPr>
-              <a:t>Results</a:t>
-            </a:r>
-            <a:r>
-              <a:rPr lang="fr-CH" dirty="0">
-                <a:solidFill>
-                  <a:schemeClr val="accent2"/>
-                </a:solidFill>
-              </a:rPr>
-              <a:t>: </a:t>
-            </a:r>
-            <a:r>
-              <a:rPr lang="fr-CH" i="1" dirty="0">
-                <a:solidFill>
-                  <a:schemeClr val="tx2"/>
-                </a:solidFill>
-              </a:rPr>
-              <a:t>X-Foil</a:t>
-            </a:r>
-            <a:endParaRPr lang="fr-CH" dirty="0">
-              <a:solidFill>
-                <a:schemeClr val="accent2"/>
-              </a:solidFill>
-            </a:endParaRPr>
-          </a:p>
-        </p:txBody>
-      </p:sp>
-      <p:sp>
-        <p:nvSpPr>
-          <p:cNvPr id="4" name="Espace réservé du numéro de diapositive 3">
-            <a:extLst>
-              <a:ext uri="{FF2B5EF4-FFF2-40B4-BE49-F238E27FC236}">
-                <a16:creationId xmlns:a16="http://schemas.microsoft.com/office/drawing/2014/main" id="{51C707EB-B8A2-48B1-9ADA-B86B56025B32}"/>
-              </a:ext>
-            </a:extLst>
-          </p:cNvPr>
-          <p:cNvSpPr>
-            <a:spLocks noGrp="1"/>
-          </p:cNvSpPr>
-          <p:nvPr>
-            <p:ph type="sldNum" sz="quarter" idx="12"/>
-          </p:nvPr>
-        </p:nvSpPr>
-        <p:spPr/>
-        <p:txBody>
-          <a:bodyPr/>
-          <a:lstStyle/>
-          <a:p>
-            <a:fld id="{C5BDCE95-9A2C-4CF6-AC2F-5E8F5B23B560}" type="slidenum">
-              <a:rPr lang="fr-CH" sz="1800" smtClean="0"/>
-              <a:t>17</a:t>
-            </a:fld>
-            <a:endParaRPr lang="fr-CH" sz="1800" dirty="0"/>
-          </a:p>
-        </p:txBody>
-      </p:sp>
-      <p:sp>
-        <p:nvSpPr>
-          <p:cNvPr id="7" name="ZoneTexte 6">
-            <a:extLst>
-              <a:ext uri="{FF2B5EF4-FFF2-40B4-BE49-F238E27FC236}">
-                <a16:creationId xmlns:a16="http://schemas.microsoft.com/office/drawing/2014/main" id="{518A5498-4FE9-4C4A-9CFD-F048C77C832A}"/>
-              </a:ext>
-            </a:extLst>
-          </p:cNvPr>
-          <p:cNvSpPr txBox="1"/>
-          <p:nvPr/>
-        </p:nvSpPr>
-        <p:spPr>
-          <a:xfrm>
-            <a:off x="1154789" y="2893043"/>
-            <a:ext cx="8534400" cy="1512209"/>
-          </a:xfrm>
-          <a:prstGeom prst="rect">
-            <a:avLst/>
-          </a:prstGeom>
-          <a:noFill/>
-        </p:spPr>
-        <p:txBody>
-          <a:bodyPr wrap="square" rtlCol="0">
-            <a:spAutoFit/>
-          </a:bodyPr>
-          <a:lstStyle/>
-          <a:p>
-            <a:pPr marL="457200" indent="-457200">
-              <a:lnSpc>
-                <a:spcPct val="90000"/>
-              </a:lnSpc>
-              <a:spcBef>
-                <a:spcPts val="1000"/>
-              </a:spcBef>
-              <a:buFont typeface="Wingdings" panose="05000000000000000000" pitchFamily="2" charset="2"/>
-              <a:buChar char="§"/>
-            </a:pPr>
-            <a:r>
-              <a:rPr lang="fr-FR" sz="2800" dirty="0">
-                <a:solidFill>
-                  <a:schemeClr val="tx2"/>
-                </a:solidFill>
-                <a:latin typeface="Calibri Light" charset="0"/>
-                <a:ea typeface="Calibri Light" charset="0"/>
-                <a:cs typeface="Calibri Light" charset="0"/>
-              </a:rPr>
-              <a:t>No convergence in </a:t>
-            </a:r>
-            <a:r>
-              <a:rPr lang="fr-FR" sz="2800" dirty="0" err="1">
-                <a:solidFill>
-                  <a:schemeClr val="tx2"/>
-                </a:solidFill>
-                <a:latin typeface="Calibri Light" charset="0"/>
-                <a:ea typeface="Calibri Light" charset="0"/>
-                <a:cs typeface="Calibri Light" charset="0"/>
-              </a:rPr>
-              <a:t>viscid</a:t>
-            </a:r>
-            <a:r>
-              <a:rPr lang="fr-FR" sz="2800" dirty="0">
-                <a:solidFill>
-                  <a:schemeClr val="tx2"/>
-                </a:solidFill>
-                <a:latin typeface="Calibri Light" charset="0"/>
-                <a:ea typeface="Calibri Light" charset="0"/>
-                <a:cs typeface="Calibri Light" charset="0"/>
-              </a:rPr>
-              <a:t> mode</a:t>
-            </a:r>
-          </a:p>
-          <a:p>
-            <a:pPr marL="457200" indent="-457200">
-              <a:lnSpc>
-                <a:spcPct val="90000"/>
-              </a:lnSpc>
-              <a:spcBef>
-                <a:spcPts val="1000"/>
-              </a:spcBef>
-              <a:buFont typeface="Wingdings" panose="05000000000000000000" pitchFamily="2" charset="2"/>
-              <a:buChar char="§"/>
-            </a:pPr>
-            <a:endParaRPr lang="fr-FR" sz="2800" dirty="0">
-              <a:solidFill>
-                <a:schemeClr val="tx2"/>
-              </a:solidFill>
-              <a:latin typeface="Calibri Light" charset="0"/>
-              <a:ea typeface="Calibri Light" charset="0"/>
-              <a:cs typeface="Calibri Light" charset="0"/>
-            </a:endParaRPr>
-          </a:p>
-          <a:p>
-            <a:pPr marL="457200" indent="-457200">
-              <a:lnSpc>
-                <a:spcPct val="90000"/>
-              </a:lnSpc>
-              <a:spcBef>
-                <a:spcPts val="1000"/>
-              </a:spcBef>
-              <a:buFont typeface="Wingdings" panose="05000000000000000000" pitchFamily="2" charset="2"/>
-              <a:buChar char="§"/>
-            </a:pPr>
-            <a:r>
-              <a:rPr lang="fr-FR" sz="2800" dirty="0" err="1">
-                <a:solidFill>
-                  <a:schemeClr val="tx2"/>
-                </a:solidFill>
-                <a:latin typeface="Calibri Light" charset="0"/>
-                <a:ea typeface="Calibri Light" charset="0"/>
-                <a:cs typeface="Calibri Light" charset="0"/>
-              </a:rPr>
-              <a:t>Could</a:t>
-            </a:r>
-            <a:r>
-              <a:rPr lang="fr-FR" sz="2800" dirty="0">
-                <a:solidFill>
-                  <a:schemeClr val="tx2"/>
-                </a:solidFill>
-                <a:latin typeface="Calibri Light" charset="0"/>
-                <a:ea typeface="Calibri Light" charset="0"/>
-                <a:cs typeface="Calibri Light" charset="0"/>
-              </a:rPr>
-              <a:t> not compare </a:t>
-            </a:r>
-            <a:r>
-              <a:rPr lang="fr-FR" sz="2800" dirty="0" err="1">
-                <a:solidFill>
-                  <a:schemeClr val="tx2"/>
-                </a:solidFill>
-                <a:latin typeface="Calibri Light" charset="0"/>
-                <a:ea typeface="Calibri Light" charset="0"/>
-                <a:cs typeface="Calibri Light" charset="0"/>
-              </a:rPr>
-              <a:t>with</a:t>
-            </a:r>
-            <a:r>
-              <a:rPr lang="fr-FR" sz="2800" dirty="0">
-                <a:solidFill>
-                  <a:schemeClr val="tx2"/>
-                </a:solidFill>
-                <a:latin typeface="Calibri Light" charset="0"/>
-                <a:ea typeface="Calibri Light" charset="0"/>
-                <a:cs typeface="Calibri Light" charset="0"/>
-              </a:rPr>
-              <a:t> real </a:t>
-            </a:r>
-            <a:r>
-              <a:rPr lang="fr-FR" sz="2800" dirty="0" err="1">
-                <a:solidFill>
-                  <a:schemeClr val="tx2"/>
-                </a:solidFill>
-                <a:latin typeface="Calibri Light" charset="0"/>
-                <a:ea typeface="Calibri Light" charset="0"/>
-                <a:cs typeface="Calibri Light" charset="0"/>
-              </a:rPr>
-              <a:t>parameters</a:t>
-            </a:r>
-            <a:endParaRPr lang="fr-FR" sz="2800" dirty="0">
-              <a:solidFill>
-                <a:schemeClr val="tx2"/>
-              </a:solidFill>
-              <a:latin typeface="Calibri Light" charset="0"/>
-              <a:ea typeface="Calibri Light" charset="0"/>
-              <a:cs typeface="Calibri Light" charset="0"/>
-            </a:endParaRPr>
-          </a:p>
-        </p:txBody>
-      </p:sp>
-      <p:sp>
-        <p:nvSpPr>
-          <p:cNvPr id="8" name="Espace réservé du pied de page 6">
-            <a:extLst>
-              <a:ext uri="{FF2B5EF4-FFF2-40B4-BE49-F238E27FC236}">
-                <a16:creationId xmlns:a16="http://schemas.microsoft.com/office/drawing/2014/main" id="{07966C66-B24E-4E12-A521-691C7531804B}"/>
-              </a:ext>
-            </a:extLst>
-          </p:cNvPr>
-          <p:cNvSpPr>
-            <a:spLocks noGrp="1"/>
-          </p:cNvSpPr>
-          <p:nvPr>
-            <p:ph type="ftr" sz="quarter" idx="11"/>
-          </p:nvPr>
-        </p:nvSpPr>
-        <p:spPr>
-          <a:xfrm>
-            <a:off x="3686185" y="6470868"/>
-            <a:ext cx="4822804" cy="365125"/>
-          </a:xfrm>
-        </p:spPr>
-        <p:txBody>
-          <a:bodyPr/>
-          <a:lstStyle/>
-          <a:p>
-            <a:r>
-              <a:rPr lang="fr-CH" sz="1100" dirty="0"/>
-              <a:t>EPFL-STI-LIS | 27.12.2018</a:t>
-            </a:r>
-          </a:p>
-        </p:txBody>
-      </p:sp>
-    </p:spTree>
-    <p:extLst>
-      <p:ext uri="{BB962C8B-B14F-4D97-AF65-F5344CB8AC3E}">
-        <p14:creationId xmlns:p14="http://schemas.microsoft.com/office/powerpoint/2010/main" val="276516479"/>
-      </p:ext>
-    </p:extLst>
-  </p:cSld>
-  <p:clrMapOvr>
-    <a:masterClrMapping/>
-  </p:clrMapOvr>
-</p:sld>
-</file>
-
 <file path=ppt/slides/slide18.xml><?xml version="1.0" encoding="utf-8"?>
 <p:sld xmlns:a="http://schemas.openxmlformats.org/drawingml/2006/main" xmlns:r="http://schemas.openxmlformats.org/officeDocument/2006/relationships" xmlns:p="http://schemas.openxmlformats.org/presentationml/2006/main">
   <p:cSld>
@@ -29797,13 +30158,34 @@
           <a:lstStyle/>
           <a:p>
             <a:r>
+              <a:rPr lang="fr-CH" dirty="0" err="1">
+                <a:solidFill>
+                  <a:schemeClr val="accent2"/>
+                </a:solidFill>
+              </a:rPr>
+              <a:t>Results</a:t>
+            </a:r>
+            <a:r>
               <a:rPr lang="fr-CH" dirty="0">
                 <a:solidFill>
                   <a:schemeClr val="accent2"/>
                 </a:solidFill>
               </a:rPr>
-              <a:t>Discussion</a:t>
-            </a:r>
+              <a:t>: </a:t>
+            </a:r>
+            <a:r>
+              <a:rPr lang="fr-CH" i="1" dirty="0">
+                <a:solidFill>
+                  <a:schemeClr val="tx2"/>
+                </a:solidFill>
+              </a:rPr>
+              <a:t>X-Foil</a:t>
+            </a:r>
+            <a:endParaRPr lang="fr-CH" dirty="0">
+              <a:solidFill>
+                <a:schemeClr val="accent2"/>
+              </a:solidFill>
+            </a:endParaRPr>
           </a:p>
         </p:txBody>
       </p:sp>
@@ -29850,8 +30232,8 @@
         </p:nvSpPr>
         <p:spPr>
           <a:xfrm>
-            <a:off x="1051272" y="2036168"/>
-            <a:ext cx="8534400" cy="2544286"/>
+            <a:off x="1154789" y="2893043"/>
+            <a:ext cx="8534400" cy="1512209"/>
           </a:xfrm>
           <a:prstGeom prst="rect">
             <a:avLst/>
@@ -29875,7 +30257,7 @@
               <a:buChar char="§"/>
             </a:pPr>
             <a:r>
-              <a:rPr lang="fr-FR" sz="2800" dirty="0" err="1">
+              <a:rPr lang="fr-FR" sz="2800" dirty="0">
                 <a:solidFill>
                   <a:schemeClr val="tx2"/>
                 </a:solidFill>
@@ -29883,10 +30265,10 @@
                 <a:ea typeface="Calibri Light" charset="0"/>
                 <a:cs typeface="Calibri Light" charset="0"/>
               </a:rPr>
-              <a:t>Function</a:t>
-            </a:r>
-            <a:r>
-              <a:rPr lang="fr-FR" sz="2800" dirty="0">
+              <a:t>No convergence in </a:t>
+            </a:r>
+            <a:r>
+              <a:rPr lang="fr-FR" sz="2800" dirty="0" err="1">
                 <a:solidFill>
                   <a:schemeClr val="tx2"/>
                 </a:solidFill>
@@ -29894,10 +30276,10 @@
                 <a:ea typeface="Calibri Light" charset="0"/>
                 <a:cs typeface="Calibri Light" charset="0"/>
               </a:rPr>
-              <a:t> </a:t>
-            </a:r>
-            <a:r>
-              <a:rPr lang="fr-FR" sz="2800" dirty="0" err="1">
+              <a:t>viscid</a:t>
+            </a:r>
+            <a:r>
+              <a:rPr lang="fr-FR" sz="2800" dirty="0">
                 <a:solidFill>
                   <a:schemeClr val="tx2"/>
                 </a:solidFill>
@@ -29905,16 +30287,8 @@
                 <a:ea typeface="Calibri Light" charset="0"/>
                 <a:cs typeface="Calibri Light" charset="0"/>
               </a:rPr>
-              <a:t>choice</a:t>
-            </a:r>
-            <a:endParaRPr lang="fr-FR" sz="2800" dirty="0">
-              <a:solidFill>
-                <a:schemeClr val="tx2"/>
-              </a:solidFill>
-              <a:latin typeface="Calibri Light" charset="0"/>
-              <a:ea typeface="Calibri Light" charset="0"/>
-              <a:cs typeface="Calibri Light" charset="0"/>
-            </a:endParaRPr>
+              <a:t> mode</a:t>
+            </a:r>
           </a:p>
           <a:p>
             <a:pPr marL="457200" indent="-457200">
@@ -29927,105 +30301,14 @@
               <a:buFont typeface="Wingdings" panose="05000000000000000000" pitchFamily="2" charset="2"/>
               <a:buChar char="§"/>
             </a:pPr>
-            <a:r>
-              <a:rPr lang="fr-FR" sz="2800" dirty="0">
-                <a:solidFill>
-                  <a:schemeClr val="tx2"/>
-                </a:solidFill>
-                <a:latin typeface="Calibri Light" charset="0"/>
-                <a:ea typeface="Calibri Light" charset="0"/>
-                <a:cs typeface="Calibri Light" charset="0"/>
-              </a:rPr>
-              <a:t>X-Foil not </a:t>
-            </a:r>
-            <a:r>
-              <a:rPr lang="fr-FR" sz="2800" dirty="0" err="1">
-                <a:solidFill>
-                  <a:schemeClr val="tx2"/>
-                </a:solidFill>
-                <a:latin typeface="Calibri Light" charset="0"/>
-                <a:ea typeface="Calibri Light" charset="0"/>
-                <a:cs typeface="Calibri Light" charset="0"/>
-              </a:rPr>
-              <a:t>converging</a:t>
-            </a:r>
-            <a:r>
-              <a:rPr lang="fr-FR" sz="2800" dirty="0">
-                <a:solidFill>
-                  <a:schemeClr val="tx2"/>
-                </a:solidFill>
-                <a:latin typeface="Calibri Light" charset="0"/>
-                <a:ea typeface="Calibri Light" charset="0"/>
-                <a:cs typeface="Calibri Light" charset="0"/>
-              </a:rPr>
-              <a:t>: </a:t>
-            </a:r>
-            <a:r>
-              <a:rPr lang="fr-FR" sz="2800" dirty="0" err="1">
-                <a:solidFill>
-                  <a:schemeClr val="tx2"/>
-                </a:solidFill>
-                <a:latin typeface="Calibri Light" charset="0"/>
-                <a:ea typeface="Calibri Light" charset="0"/>
-                <a:cs typeface="Calibri Light" charset="0"/>
-              </a:rPr>
-              <a:t>continuity</a:t>
-            </a:r>
-            <a:r>
-              <a:rPr lang="fr-FR" sz="2800" dirty="0">
-                <a:solidFill>
-                  <a:schemeClr val="tx2"/>
-                </a:solidFill>
-                <a:latin typeface="Calibri Light" charset="0"/>
-                <a:ea typeface="Calibri Light" charset="0"/>
-                <a:cs typeface="Calibri Light" charset="0"/>
-              </a:rPr>
-              <a:t> of </a:t>
-            </a:r>
-            <a:r>
-              <a:rPr lang="fr-FR" sz="2800" dirty="0" err="1">
-                <a:solidFill>
-                  <a:schemeClr val="tx2"/>
-                </a:solidFill>
-                <a:latin typeface="Calibri Light" charset="0"/>
-                <a:ea typeface="Calibri Light" charset="0"/>
-                <a:cs typeface="Calibri Light" charset="0"/>
-              </a:rPr>
-              <a:t>both</a:t>
-            </a:r>
-            <a:r>
-              <a:rPr lang="fr-FR" sz="2800" dirty="0">
-                <a:solidFill>
-                  <a:schemeClr val="tx2"/>
-                </a:solidFill>
-                <a:latin typeface="Calibri Light" charset="0"/>
-                <a:ea typeface="Calibri Light" charset="0"/>
-                <a:cs typeface="Calibri Light" charset="0"/>
-              </a:rPr>
-              <a:t> </a:t>
-            </a:r>
-            <a:r>
-              <a:rPr lang="fr-FR" sz="2800" dirty="0" err="1">
-                <a:solidFill>
-                  <a:schemeClr val="tx2"/>
-                </a:solidFill>
-                <a:latin typeface="Calibri Light" charset="0"/>
-                <a:ea typeface="Calibri Light" charset="0"/>
-                <a:cs typeface="Calibri Light" charset="0"/>
-              </a:rPr>
-              <a:t>curves</a:t>
-            </a:r>
-            <a:r>
-              <a:rPr lang="fr-FR" sz="2800" dirty="0">
-                <a:solidFill>
-                  <a:schemeClr val="tx2"/>
-                </a:solidFill>
-                <a:latin typeface="Calibri Light" charset="0"/>
-                <a:ea typeface="Calibri Light" charset="0"/>
-                <a:cs typeface="Calibri Light" charset="0"/>
-              </a:rPr>
-              <a:t> (?)</a:t>
-            </a:r>
+            <a:endParaRPr lang="fr-FR" sz="2800" dirty="0">
+              <a:solidFill>
+                <a:schemeClr val="tx2"/>
+              </a:solidFill>
+              <a:latin typeface="Calibri Light" charset="0"/>
+              <a:ea typeface="Calibri Light" charset="0"/>
+              <a:cs typeface="Calibri Light" charset="0"/>
+            </a:endParaRPr>
           </a:p>
           <a:p>
             <a:pPr marL="457200" indent="-457200">
@@ -30039,7 +30322,7 @@
               <a:buChar char="§"/>
             </a:pPr>
             <a:r>
-              <a:rPr lang="fr-FR" sz="2800" dirty="0">
+              <a:rPr lang="fr-FR" sz="2800" dirty="0" err="1">
                 <a:solidFill>
                   <a:schemeClr val="tx2"/>
                 </a:solidFill>
@@ -30047,10 +30330,10 @@
                 <a:ea typeface="Calibri Light" charset="0"/>
                 <a:cs typeface="Calibri Light" charset="0"/>
               </a:rPr>
-              <a:t>Scanning </a:t>
-            </a:r>
-            <a:r>
-              <a:rPr lang="fr-FR" sz="2800" dirty="0" err="1">
+              <a:t>Could</a:t>
+            </a:r>
+            <a:r>
+              <a:rPr lang="fr-FR" sz="2800" dirty="0">
                 <a:solidFill>
                   <a:schemeClr val="tx2"/>
                 </a:solidFill>
@@ -30058,7 +30341,40 @@
                 <a:ea typeface="Calibri Light" charset="0"/>
                 <a:cs typeface="Calibri Light" charset="0"/>
               </a:rPr>
-              <a:t>method</a:t>
+              <a:t> not compare </a:t>
+            </a:r>
+            <a:r>
+              <a:rPr lang="fr-FR" sz="2800" dirty="0" err="1">
+                <a:solidFill>
+                  <a:schemeClr val="tx2"/>
+                </a:solidFill>
+                <a:latin typeface="Calibri Light" charset="0"/>
+                <a:ea typeface="Calibri Light" charset="0"/>
+                <a:cs typeface="Calibri Light" charset="0"/>
+              </a:rPr>
+              <a:t>with</a:t>
+            </a:r>
+            <a:r>
+              <a:rPr lang="fr-FR" sz="2800" dirty="0">
+                <a:solidFill>
+                  <a:schemeClr val="tx2"/>
+                </a:solidFill>
+                <a:latin typeface="Calibri Light" charset="0"/>
+                <a:ea typeface="Calibri Light" charset="0"/>
+                <a:cs typeface="Calibri Light" charset="0"/>
+              </a:rPr>
+              <a:t> real </a:t>
+            </a:r>
+            <a:r>
+              <a:rPr lang="fr-FR" sz="2800" dirty="0" err="1">
+                <a:solidFill>
+                  <a:schemeClr val="tx2"/>
+                </a:solidFill>
+                <a:latin typeface="Calibri Light" charset="0"/>
+                <a:ea typeface="Calibri Light" charset="0"/>
+                <a:cs typeface="Calibri Light" charset="0"/>
+              </a:rPr>
+              <a:t>parameters</a:t>
             </a:r>
             <a:endParaRPr lang="fr-FR" sz="2800" dirty="0">
               <a:solidFill>
@@ -30069,60 +30385,6 @@
               <a:cs typeface="Calibri Light" charset="0"/>
             </a:endParaRPr>
           </a:p>
-          <a:p>
-            <a:pPr marL="1028700" lvl="1" indent="-571500">
-              <a:lnSpc>
-                <a:spcPct val="90000"/>
-              </a:lnSpc>
-              <a:spcBef>
-                <a:spcPts val="1000"/>
-              </a:spcBef>
-              <a:buFont typeface="Arial" panose="020B0604020202020204" pitchFamily="34" charset="0"/>
-              <a:buChar char="•"/>
-            </a:pPr>
-            <a:r>
-              <a:rPr lang="fr-FR" sz="2800" dirty="0">
-                <a:solidFill>
-                  <a:schemeClr val="accent2"/>
-                </a:solidFill>
-                <a:latin typeface="Calibri Light" charset="0"/>
-                <a:ea typeface="Calibri Light" charset="0"/>
-                <a:cs typeface="Calibri Light" charset="0"/>
-              </a:rPr>
-              <a:t>STL format</a:t>
-            </a:r>
-          </a:p>
-          <a:p>
-            <a:pPr marL="1028700" lvl="1" indent="-571500">
-              <a:lnSpc>
-                <a:spcPct val="90000"/>
-              </a:lnSpc>
-              <a:spcBef>
-                <a:spcPts val="1000"/>
-              </a:spcBef>
-              <a:buFont typeface="Arial" panose="020B0604020202020204" pitchFamily="34" charset="0"/>
-              <a:buChar char="•"/>
-            </a:pPr>
-            <a:r>
-              <a:rPr lang="fr-FR" sz="2800" dirty="0" err="1">
-                <a:solidFill>
-                  <a:schemeClr val="accent2"/>
-                </a:solidFill>
-                <a:latin typeface="Calibri Light" charset="0"/>
-                <a:ea typeface="Calibri Light" charset="0"/>
-                <a:cs typeface="Calibri Light" charset="0"/>
-              </a:rPr>
-              <a:t>Photogrammetry</a:t>
-            </a:r>
-            <a:endParaRPr lang="fr-FR" sz="2800" dirty="0">
-              <a:solidFill>
-                <a:schemeClr val="accent2"/>
-              </a:solidFill>
-              <a:latin typeface="Calibri Light" charset="0"/>
-              <a:ea typeface="Calibri Light" charset="0"/>
-              <a:cs typeface="Calibri Light" charset="0"/>
-            </a:endParaRPr>
-          </a:p>
         </p:txBody>
       </p:sp>
       <p:sp>
@@ -30130,7 +30392,7 @@
           <p:cNvPr id="8" name="Espace réservé du pied de page 6">
             <a:extLst>
               <a:ext uri="{FF2B5EF4-FFF2-40B4-BE49-F238E27FC236}">
-                <a16:creationId xmlns:a16="http://schemas.microsoft.com/office/drawing/2014/main" id="{7158F27D-9626-43DE-B33A-DAACAB8A60EA}"/>
+                <a16:creationId xmlns:a16="http://schemas.microsoft.com/office/drawing/2014/main" id="{07966C66-B24E-4E12-A521-691C7531804B}"/>
               </a:ext>
             </a:extLst>
           </p:cNvPr>
@@ -30161,7 +30423,7 @@
     </p:spTree>
     <p:extLst>
       <p:ext uri="{BB962C8B-B14F-4D97-AF65-F5344CB8AC3E}">
-        <p14:creationId xmlns:p14="http://schemas.microsoft.com/office/powerpoint/2010/main" val="3408156505"/>
+        <p14:creationId xmlns:p14="http://schemas.microsoft.com/office/powerpoint/2010/main" val="276516479"/>
       </p:ext>
     </p:extLst>
   </p:cSld>
@@ -30215,7 +30477,7 @@
                   <a:schemeClr val="accent2"/>
                 </a:solidFill>
               </a:rPr>
-              <a:t>Conclusion</a:t>
+              <a:t>Discussion</a:t>
             </a:r>
           </a:p>
         </p:txBody>
@@ -30263,7 +30525,7 @@
         </p:nvSpPr>
         <p:spPr>
           <a:xfrm>
-            <a:off x="1097280" y="2576355"/>
+            <a:off x="1051272" y="2036168"/>
             <a:ext cx="8534400" cy="2544286"/>
           </a:xfrm>
           <a:prstGeom prst="rect">
@@ -30288,7 +30550,7 @@
               <a:buChar char="§"/>
             </a:pPr>
             <a:r>
-              <a:rPr lang="fr-FR" sz="2800" dirty="0">
+              <a:rPr lang="fr-FR" sz="2800" dirty="0" err="1">
                 <a:solidFill>
                   <a:schemeClr val="tx2"/>
                 </a:solidFill>
@@ -30296,10 +30558,10 @@
                 <a:ea typeface="Calibri Light" charset="0"/>
                 <a:cs typeface="Calibri Light" charset="0"/>
               </a:rPr>
-              <a:t>Reverse engineering </a:t>
-            </a:r>
-            <a:r>
-              <a:rPr lang="fr-FR" sz="2800" dirty="0" err="1">
+              <a:t>Function</a:t>
+            </a:r>
+            <a:r>
+              <a:rPr lang="fr-FR" sz="2800" dirty="0">
                 <a:solidFill>
                   <a:schemeClr val="tx2"/>
                 </a:solidFill>
@@ -30307,7 +30569,18 @@
                 <a:ea typeface="Calibri Light" charset="0"/>
                 <a:cs typeface="Calibri Light" charset="0"/>
               </a:rPr>
-              <a:t>algorithm</a:t>
+              <a:t> </a:t>
+            </a:r>
+            <a:r>
+              <a:rPr lang="fr-FR" sz="2800" dirty="0" err="1">
+                <a:solidFill>
+                  <a:schemeClr val="tx2"/>
+                </a:solidFill>
+                <a:latin typeface="Calibri Light" charset="0"/>
+                <a:ea typeface="Calibri Light" charset="0"/>
+                <a:cs typeface="Calibri Light" charset="0"/>
+              </a:rPr>
+              <a:t>choice</a:t>
             </a:r>
             <a:endParaRPr lang="fr-FR" sz="2800" dirty="0">
               <a:solidFill>
@@ -30330,7 +30603,7 @@
               <a:buChar char="§"/>
             </a:pPr>
             <a:r>
-              <a:rPr lang="fr-FR" sz="2800" dirty="0" err="1">
+              <a:rPr lang="fr-FR" sz="2800" dirty="0">
                 <a:solidFill>
                   <a:schemeClr val="tx2"/>
                 </a:solidFill>
@@ -30338,7 +30611,62 @@
                 <a:ea typeface="Calibri Light" charset="0"/>
                 <a:cs typeface="Calibri Light" charset="0"/>
               </a:rPr>
-              <a:t>Propeller</a:t>
+              <a:t>X-Foil not </a:t>
+            </a:r>
+            <a:r>
+              <a:rPr lang="fr-FR" sz="2800" dirty="0" err="1">
+                <a:solidFill>
+                  <a:schemeClr val="tx2"/>
+                </a:solidFill>
+                <a:latin typeface="Calibri Light" charset="0"/>
+                <a:ea typeface="Calibri Light" charset="0"/>
+                <a:cs typeface="Calibri Light" charset="0"/>
+              </a:rPr>
+              <a:t>converging</a:t>
+            </a:r>
+            <a:r>
+              <a:rPr lang="fr-FR" sz="2800" dirty="0">
+                <a:solidFill>
+                  <a:schemeClr val="tx2"/>
+                </a:solidFill>
+                <a:latin typeface="Calibri Light" charset="0"/>
+                <a:ea typeface="Calibri Light" charset="0"/>
+                <a:cs typeface="Calibri Light" charset="0"/>
+              </a:rPr>
+              <a:t>: </a:t>
+            </a:r>
+            <a:r>
+              <a:rPr lang="fr-FR" sz="2800" dirty="0" err="1">
+                <a:solidFill>
+                  <a:schemeClr val="tx2"/>
+                </a:solidFill>
+                <a:latin typeface="Calibri Light" charset="0"/>
+                <a:ea typeface="Calibri Light" charset="0"/>
+                <a:cs typeface="Calibri Light" charset="0"/>
+              </a:rPr>
+              <a:t>continuity</a:t>
+            </a:r>
+            <a:r>
+              <a:rPr lang="fr-FR" sz="2800" dirty="0">
+                <a:solidFill>
+                  <a:schemeClr val="tx2"/>
+                </a:solidFill>
+                <a:latin typeface="Calibri Light" charset="0"/>
+                <a:ea typeface="Calibri Light" charset="0"/>
+                <a:cs typeface="Calibri Light" charset="0"/>
+              </a:rPr>
+              <a:t> of </a:t>
+            </a:r>
+            <a:r>
+              <a:rPr lang="fr-FR" sz="2800" dirty="0" err="1">
+                <a:solidFill>
+                  <a:schemeClr val="tx2"/>
+                </a:solidFill>
+                <a:latin typeface="Calibri Light" charset="0"/>
+                <a:ea typeface="Calibri Light" charset="0"/>
+                <a:cs typeface="Calibri Light" charset="0"/>
+              </a:rPr>
+              <a:t>both</a:t>
             </a:r>
             <a:r>
               <a:rPr lang="fr-FR" sz="2800" dirty="0">
@@ -30360,7 +30688,7 @@
                 <a:ea typeface="Calibri Light" charset="0"/>
                 <a:cs typeface="Calibri Light" charset="0"/>
               </a:rPr>
-              <a:t>shape</a:t>
+              <a:t>curves</a:t>
             </a:r>
             <a:r>
               <a:rPr lang="fr-FR" sz="2800" dirty="0">
@@ -30371,10 +30699,22 @@
                 <a:ea typeface="Calibri Light" charset="0"/>
                 <a:cs typeface="Calibri Light" charset="0"/>
               </a:rPr>
-              <a:t> for drone performance </a:t>
-            </a:r>
-            <a:r>
-              <a:rPr lang="fr-FR" sz="2800" dirty="0" err="1">
+              <a:t> (?)</a:t>
+            </a:r>
+          </a:p>
+          <a:p>
+            <a:pPr marL="457200" indent="-457200">
+              <a:lnSpc>
+                <a:spcPct val="90000"/>
+              </a:lnSpc>
+              <a:spcBef>
+                <a:spcPts val="1000"/>
+              </a:spcBef>
+              <a:buFont typeface="Wingdings" panose="05000000000000000000" pitchFamily="2" charset="2"/>
+              <a:buChar char="§"/>
+            </a:pPr>
+            <a:r>
+              <a:rPr lang="fr-FR" sz="2800" dirty="0">
                 <a:solidFill>
                   <a:schemeClr val="tx2"/>
                 </a:solidFill>
@@ -30382,7 +30722,18 @@
                 <a:ea typeface="Calibri Light" charset="0"/>
                 <a:cs typeface="Calibri Light" charset="0"/>
               </a:rPr>
-              <a:t>analysis</a:t>
+              <a:t>Scanning </a:t>
+            </a:r>
+            <a:r>
+              <a:rPr lang="fr-FR" sz="2800" dirty="0" err="1">
+                <a:solidFill>
+                  <a:schemeClr val="tx2"/>
+                </a:solidFill>
+                <a:latin typeface="Calibri Light" charset="0"/>
+                <a:ea typeface="Calibri Light" charset="0"/>
+                <a:cs typeface="Calibri Light" charset="0"/>
+              </a:rPr>
+              <a:t>method</a:t>
             </a:r>
             <a:endParaRPr lang="fr-FR" sz="2800" dirty="0">
               <a:solidFill>
@@ -30413,29 +30764,7 @@
                 <a:ea typeface="Calibri Light" charset="0"/>
                 <a:cs typeface="Calibri Light" charset="0"/>
               </a:rPr>
-              <a:t>Aerofoil </a:t>
-            </a:r>
-            <a:r>
-              <a:rPr lang="fr-FR" sz="2800" dirty="0" err="1">
-                <a:solidFill>
-                  <a:schemeClr val="accent2"/>
-                </a:solidFill>
-                <a:latin typeface="Calibri Light" charset="0"/>
-                <a:ea typeface="Calibri Light" charset="0"/>
-                <a:cs typeface="Calibri Light" charset="0"/>
-              </a:rPr>
-              <a:t>shape</a:t>
-            </a:r>
-            <a:r>
-              <a:rPr lang="fr-FR" sz="2800" dirty="0">
-                <a:solidFill>
-                  <a:schemeClr val="accent2"/>
-                </a:solidFill>
-                <a:latin typeface="Calibri Light" charset="0"/>
-                <a:ea typeface="Calibri Light" charset="0"/>
-                <a:cs typeface="Calibri Light" charset="0"/>
-              </a:rPr>
-              <a:t> </a:t>
+              <a:t>STL format</a:t>
             </a:r>
           </a:p>
           <a:p>
@@ -30458,7 +30787,7 @@
                 <a:ea typeface="Calibri Light" charset="0"/>
                 <a:cs typeface="Calibri Light" charset="0"/>
               </a:rPr>
-              <a:t>Parameters</a:t>
+              <a:t>Photogrammetry</a:t>
             </a:r>
             <a:endParaRPr lang="fr-FR" sz="2800" dirty="0">
               <a:solidFill>
@@ -30469,40 +30798,6 @@
               <a:cs typeface="Calibri Light" charset="0"/>
             </a:endParaRPr>
           </a:p>
-          <a:p>
-            <a:pPr marL="1028700" lvl="1" indent="-571500">
-              <a:lnSpc>
-                <a:spcPct val="90000"/>
-              </a:lnSpc>
-              <a:spcBef>
-                <a:spcPts val="1000"/>
-              </a:spcBef>
-              <a:buFont typeface="Arial" panose="020B0604020202020204" pitchFamily="34" charset="0"/>
-              <a:buChar char="•"/>
-            </a:pPr>
-            <a:r>
-              <a:rPr lang="fr-FR" sz="2800" dirty="0" err="1">
-                <a:solidFill>
-                  <a:schemeClr val="accent2"/>
-                </a:solidFill>
-                <a:latin typeface="Calibri Light" charset="0"/>
-                <a:ea typeface="Calibri Light" charset="0"/>
-                <a:cs typeface="Calibri Light" charset="0"/>
-              </a:rPr>
-              <a:t>Xfoil</a:t>
-            </a:r>
-            <a:r>
-              <a:rPr lang="fr-FR" sz="2800" dirty="0">
-                <a:solidFill>
-                  <a:schemeClr val="accent2"/>
-                </a:solidFill>
-                <a:latin typeface="Calibri Light" charset="0"/>
-                <a:ea typeface="Calibri Light" charset="0"/>
-                <a:cs typeface="Calibri Light" charset="0"/>
-              </a:rPr>
-              <a:t> </a:t>
-            </a:r>
-          </a:p>
         </p:txBody>
       </p:sp>
       <p:sp>
@@ -30510,7 +30805,7 @@
           <p:cNvPr id="8" name="Espace réservé du pied de page 6">
             <a:extLst>
               <a:ext uri="{FF2B5EF4-FFF2-40B4-BE49-F238E27FC236}">
-                <a16:creationId xmlns:a16="http://schemas.microsoft.com/office/drawing/2014/main" id="{B03A7A94-7B3E-4F1A-9444-B9136A395091}"/>
+                <a16:creationId xmlns:a16="http://schemas.microsoft.com/office/drawing/2014/main" id="{7158F27D-9626-43DE-B33A-DAACAB8A60EA}"/>
               </a:ext>
             </a:extLst>
           </p:cNvPr>
@@ -30538,46 +30833,10 @@
           </a:p>
         </p:txBody>
       </p:sp>
-      <p:pic>
-        <p:nvPicPr>
-          <p:cNvPr id="5" name="Image 4">
-            <a:extLst>
-              <a:ext uri="{FF2B5EF4-FFF2-40B4-BE49-F238E27FC236}">
-                <a16:creationId xmlns:a16="http://schemas.microsoft.com/office/drawing/2014/main" id="{5E000A09-EDFA-4B38-9205-4279815E1C57}"/>
-              </a:ext>
-            </a:extLst>
-          </p:cNvPr>
-          <p:cNvPicPr>
-            <a:picLocks noChangeAspect="1"/>
-          </p:cNvPicPr>
-          <p:nvPr/>
-        </p:nvPicPr>
-        <p:blipFill>
-          <a:blip r:embed="rId3">
-            <a:extLst>
-              <a:ext uri="{28A0092B-C50C-407E-A947-70E740481C1C}">
-                <a14:useLocalDpi xmlns:a14="http://schemas.microsoft.com/office/drawing/2010/main" val="0"/>
-              </a:ext>
-            </a:extLst>
-          </a:blip>
-          <a:stretch>
-            <a:fillRect/>
-          </a:stretch>
-        </p:blipFill>
-        <p:spPr>
-          <a:xfrm>
-            <a:off x="6981645" y="3628323"/>
-            <a:ext cx="4911059" cy="2611606"/>
-          </a:xfrm>
-          <a:prstGeom prst="rect">
-            <a:avLst/>
-          </a:prstGeom>
-        </p:spPr>
-      </p:pic>
     </p:spTree>
     <p:extLst>
       <p:ext uri="{BB962C8B-B14F-4D97-AF65-F5344CB8AC3E}">
-        <p14:creationId xmlns:p14="http://schemas.microsoft.com/office/powerpoint/2010/main" val="2746624243"/>
+        <p14:creationId xmlns:p14="http://schemas.microsoft.com/office/powerpoint/2010/main" val="3408156505"/>
       </p:ext>
     </p:extLst>
   </p:cSld>
@@ -31103,6 +31362,422 @@
           <p:cNvPr id="2" name="Titre 1">
             <a:extLst>
               <a:ext uri="{FF2B5EF4-FFF2-40B4-BE49-F238E27FC236}">
+                <a16:creationId xmlns:a16="http://schemas.microsoft.com/office/drawing/2014/main" id="{E49E35EB-CAFC-4E9D-B0B8-EECC66E16618}"/>
+              </a:ext>
+            </a:extLst>
+          </p:cNvPr>
+          <p:cNvSpPr>
+            <a:spLocks noGrp="1"/>
+          </p:cNvSpPr>
+          <p:nvPr>
+            <p:ph type="title"/>
+          </p:nvPr>
+        </p:nvSpPr>
+        <p:spPr/>
+        <p:txBody>
+          <a:bodyPr/>
+          <a:lstStyle/>
+          <a:p>
+            <a:r>
+              <a:rPr lang="fr-CH" dirty="0">
+                <a:solidFill>
+                  <a:schemeClr val="accent2"/>
+                </a:solidFill>
+              </a:rPr>
+              <a:t>Conclusion</a:t>
+            </a:r>
+          </a:p>
+        </p:txBody>
+      </p:sp>
+      <p:sp>
+        <p:nvSpPr>
+          <p:cNvPr id="4" name="Espace réservé du numéro de diapositive 3">
+            <a:extLst>
+              <a:ext uri="{FF2B5EF4-FFF2-40B4-BE49-F238E27FC236}">
+                <a16:creationId xmlns:a16="http://schemas.microsoft.com/office/drawing/2014/main" id="{51C707EB-B8A2-48B1-9ADA-B86B56025B32}"/>
+              </a:ext>
+            </a:extLst>
+          </p:cNvPr>
+          <p:cNvSpPr>
+            <a:spLocks noGrp="1"/>
+          </p:cNvSpPr>
+          <p:nvPr>
+            <p:ph type="sldNum" sz="quarter" idx="12"/>
+          </p:nvPr>
+        </p:nvSpPr>
+        <p:spPr/>
+        <p:txBody>
+          <a:bodyPr/>
+          <a:lstStyle/>
+          <a:p>
+            <a:fld id="{C5BDCE95-9A2C-4CF6-AC2F-5E8F5B23B560}" type="slidenum">
+              <a:rPr lang="fr-CH" sz="1800" smtClean="0"/>
+              <a:t>20</a:t>
+            </a:fld>
+            <a:endParaRPr lang="fr-CH" sz="1800" dirty="0"/>
+          </a:p>
+        </p:txBody>
+      </p:sp>
+      <p:sp>
+        <p:nvSpPr>
+          <p:cNvPr id="7" name="ZoneTexte 6">
+            <a:extLst>
+              <a:ext uri="{FF2B5EF4-FFF2-40B4-BE49-F238E27FC236}">
+                <a16:creationId xmlns:a16="http://schemas.microsoft.com/office/drawing/2014/main" id="{518A5498-4FE9-4C4A-9CFD-F048C77C832A}"/>
+              </a:ext>
+            </a:extLst>
+          </p:cNvPr>
+          <p:cNvSpPr txBox="1"/>
+          <p:nvPr/>
+        </p:nvSpPr>
+        <p:spPr>
+          <a:xfrm>
+            <a:off x="1097280" y="2576355"/>
+            <a:ext cx="8534400" cy="2544286"/>
+          </a:xfrm>
+          <a:prstGeom prst="rect">
+            <a:avLst/>
+          </a:prstGeom>
+          <a:noFill/>
+        </p:spPr>
+        <p:txBody>
+          <a:bodyPr wrap="square" rtlCol="0">
+            <a:spAutoFit/>
+          </a:bodyPr>
+          <a:lstStyle/>
+          <a:p>
+            <a:pPr marL="457200" indent="-457200">
+              <a:lnSpc>
+                <a:spcPct val="90000"/>
+              </a:lnSpc>
+              <a:spcBef>
+                <a:spcPts val="1000"/>
+              </a:spcBef>
+              <a:buFont typeface="Wingdings" panose="05000000000000000000" pitchFamily="2" charset="2"/>
+              <a:buChar char="§"/>
+            </a:pPr>
+            <a:r>
+              <a:rPr lang="fr-FR" sz="2800" dirty="0">
+                <a:solidFill>
+                  <a:schemeClr val="tx2"/>
+                </a:solidFill>
+                <a:latin typeface="Calibri Light" charset="0"/>
+                <a:ea typeface="Calibri Light" charset="0"/>
+                <a:cs typeface="Calibri Light" charset="0"/>
+              </a:rPr>
+              <a:t>Reverse engineering </a:t>
+            </a:r>
+            <a:r>
+              <a:rPr lang="fr-FR" sz="2800" dirty="0" err="1">
+                <a:solidFill>
+                  <a:schemeClr val="tx2"/>
+                </a:solidFill>
+                <a:latin typeface="Calibri Light" charset="0"/>
+                <a:ea typeface="Calibri Light" charset="0"/>
+                <a:cs typeface="Calibri Light" charset="0"/>
+              </a:rPr>
+              <a:t>algorithm</a:t>
+            </a:r>
+            <a:endParaRPr lang="fr-FR" sz="2800" dirty="0">
+              <a:solidFill>
+                <a:schemeClr val="tx2"/>
+              </a:solidFill>
+              <a:latin typeface="Calibri Light" charset="0"/>
+              <a:ea typeface="Calibri Light" charset="0"/>
+              <a:cs typeface="Calibri Light" charset="0"/>
+            </a:endParaRPr>
+          </a:p>
+          <a:p>
+            <a:pPr marL="457200" indent="-457200">
+              <a:lnSpc>
+                <a:spcPct val="90000"/>
+              </a:lnSpc>
+              <a:spcBef>
+                <a:spcPts val="1000"/>
+              </a:spcBef>
+              <a:buFont typeface="Wingdings" panose="05000000000000000000" pitchFamily="2" charset="2"/>
+              <a:buChar char="§"/>
+            </a:pPr>
+            <a:r>
+              <a:rPr lang="fr-FR" sz="2800" dirty="0" err="1">
+                <a:solidFill>
+                  <a:schemeClr val="tx2"/>
+                </a:solidFill>
+                <a:latin typeface="Calibri Light" charset="0"/>
+                <a:ea typeface="Calibri Light" charset="0"/>
+                <a:cs typeface="Calibri Light" charset="0"/>
+              </a:rPr>
+              <a:t>Propeller</a:t>
+            </a:r>
+            <a:r>
+              <a:rPr lang="fr-FR" sz="2800" dirty="0">
+                <a:solidFill>
+                  <a:schemeClr val="tx2"/>
+                </a:solidFill>
+                <a:latin typeface="Calibri Light" charset="0"/>
+                <a:ea typeface="Calibri Light" charset="0"/>
+                <a:cs typeface="Calibri Light" charset="0"/>
+              </a:rPr>
+              <a:t> </a:t>
+            </a:r>
+            <a:r>
+              <a:rPr lang="fr-FR" sz="2800" dirty="0" err="1">
+                <a:solidFill>
+                  <a:schemeClr val="tx2"/>
+                </a:solidFill>
+                <a:latin typeface="Calibri Light" charset="0"/>
+                <a:ea typeface="Calibri Light" charset="0"/>
+                <a:cs typeface="Calibri Light" charset="0"/>
+              </a:rPr>
+              <a:t>shape</a:t>
+            </a:r>
+            <a:r>
+              <a:rPr lang="fr-FR" sz="2800" dirty="0">
+                <a:solidFill>
+                  <a:schemeClr val="tx2"/>
+                </a:solidFill>
+                <a:latin typeface="Calibri Light" charset="0"/>
+                <a:ea typeface="Calibri Light" charset="0"/>
+                <a:cs typeface="Calibri Light" charset="0"/>
+              </a:rPr>
+              <a:t> for drone performance </a:t>
+            </a:r>
+            <a:r>
+              <a:rPr lang="fr-FR" sz="2800" dirty="0" err="1">
+                <a:solidFill>
+                  <a:schemeClr val="tx2"/>
+                </a:solidFill>
+                <a:latin typeface="Calibri Light" charset="0"/>
+                <a:ea typeface="Calibri Light" charset="0"/>
+                <a:cs typeface="Calibri Light" charset="0"/>
+              </a:rPr>
+              <a:t>analysis</a:t>
+            </a:r>
+            <a:endParaRPr lang="fr-FR" sz="2800" dirty="0">
+              <a:solidFill>
+                <a:schemeClr val="tx2"/>
+              </a:solidFill>
+              <a:latin typeface="Calibri Light" charset="0"/>
+              <a:ea typeface="Calibri Light" charset="0"/>
+              <a:cs typeface="Calibri Light" charset="0"/>
+            </a:endParaRPr>
+          </a:p>
+          <a:p>
+            <a:pPr marL="1028700" lvl="1" indent="-571500">
+              <a:lnSpc>
+                <a:spcPct val="90000"/>
+              </a:lnSpc>
+              <a:spcBef>
+                <a:spcPts val="1000"/>
+              </a:spcBef>
+              <a:buFont typeface="Arial" panose="020B0604020202020204" pitchFamily="34" charset="0"/>
+              <a:buChar char="•"/>
+            </a:pPr>
+            <a:r>
+              <a:rPr lang="fr-FR" sz="2800" dirty="0">
+                <a:solidFill>
+                  <a:schemeClr val="accent2"/>
+                </a:solidFill>
+                <a:latin typeface="Calibri Light" charset="0"/>
+                <a:ea typeface="Calibri Light" charset="0"/>
+                <a:cs typeface="Calibri Light" charset="0"/>
+              </a:rPr>
+              <a:t>Aerofoil </a:t>
+            </a:r>
+            <a:r>
+              <a:rPr lang="fr-FR" sz="2800" dirty="0" err="1">
+                <a:solidFill>
+                  <a:schemeClr val="accent2"/>
+                </a:solidFill>
+                <a:latin typeface="Calibri Light" charset="0"/>
+                <a:ea typeface="Calibri Light" charset="0"/>
+                <a:cs typeface="Calibri Light" charset="0"/>
+              </a:rPr>
+              <a:t>shape</a:t>
+            </a:r>
+            <a:r>
+              <a:rPr lang="fr-FR" sz="2800" dirty="0">
+                <a:solidFill>
+                  <a:schemeClr val="accent2"/>
+                </a:solidFill>
+                <a:latin typeface="Calibri Light" charset="0"/>
+                <a:ea typeface="Calibri Light" charset="0"/>
+                <a:cs typeface="Calibri Light" charset="0"/>
+              </a:rPr>
+              <a:t> </a:t>
+            </a:r>
+          </a:p>
+          <a:p>
+            <a:pPr marL="1028700" lvl="1" indent="-571500">
+              <a:lnSpc>
+                <a:spcPct val="90000"/>
+              </a:lnSpc>
+              <a:spcBef>
+                <a:spcPts val="1000"/>
+              </a:spcBef>
+              <a:buFont typeface="Arial" panose="020B0604020202020204" pitchFamily="34" charset="0"/>
+              <a:buChar char="•"/>
+            </a:pPr>
+            <a:r>
+              <a:rPr lang="fr-FR" sz="2800" dirty="0" err="1">
+                <a:solidFill>
+                  <a:schemeClr val="accent2"/>
+                </a:solidFill>
+                <a:latin typeface="Calibri Light" charset="0"/>
+                <a:ea typeface="Calibri Light" charset="0"/>
+                <a:cs typeface="Calibri Light" charset="0"/>
+              </a:rPr>
+              <a:t>Parameters</a:t>
+            </a:r>
+            <a:endParaRPr lang="fr-FR" sz="2800" dirty="0">
+              <a:solidFill>
+                <a:schemeClr val="accent2"/>
+              </a:solidFill>
+              <a:latin typeface="Calibri Light" charset="0"/>
+              <a:ea typeface="Calibri Light" charset="0"/>
+              <a:cs typeface="Calibri Light" charset="0"/>
+            </a:endParaRPr>
+          </a:p>
+          <a:p>
+            <a:pPr marL="1028700" lvl="1" indent="-571500">
+              <a:lnSpc>
+                <a:spcPct val="90000"/>
+              </a:lnSpc>
+              <a:spcBef>
+                <a:spcPts val="1000"/>
+              </a:spcBef>
+              <a:buFont typeface="Arial" panose="020B0604020202020204" pitchFamily="34" charset="0"/>
+              <a:buChar char="•"/>
+            </a:pPr>
+            <a:r>
+              <a:rPr lang="fr-FR" sz="2800" dirty="0" err="1">
+                <a:solidFill>
+                  <a:schemeClr val="accent2"/>
+                </a:solidFill>
+                <a:latin typeface="Calibri Light" charset="0"/>
+                <a:ea typeface="Calibri Light" charset="0"/>
+                <a:cs typeface="Calibri Light" charset="0"/>
+              </a:rPr>
+              <a:t>Xfoil</a:t>
+            </a:r>
+            <a:r>
+              <a:rPr lang="fr-FR" sz="2800" dirty="0">
+                <a:solidFill>
+                  <a:schemeClr val="accent2"/>
+                </a:solidFill>
+                <a:latin typeface="Calibri Light" charset="0"/>
+                <a:ea typeface="Calibri Light" charset="0"/>
+                <a:cs typeface="Calibri Light" charset="0"/>
+              </a:rPr>
+              <a:t> </a:t>
+            </a:r>
+          </a:p>
+        </p:txBody>
+      </p:sp>
+      <p:sp>
+        <p:nvSpPr>
+          <p:cNvPr id="8" name="Espace réservé du pied de page 6">
+            <a:extLst>
+              <a:ext uri="{FF2B5EF4-FFF2-40B4-BE49-F238E27FC236}">
+                <a16:creationId xmlns:a16="http://schemas.microsoft.com/office/drawing/2014/main" id="{B03A7A94-7B3E-4F1A-9444-B9136A395091}"/>
+              </a:ext>
+            </a:extLst>
+          </p:cNvPr>
+          <p:cNvSpPr>
+            <a:spLocks noGrp="1"/>
+          </p:cNvSpPr>
+          <p:nvPr>
+            <p:ph type="ftr" sz="quarter" idx="11"/>
+          </p:nvPr>
+        </p:nvSpPr>
+        <p:spPr>
+          <a:xfrm>
+            <a:off x="3686185" y="6470868"/>
+            <a:ext cx="4822804" cy="365125"/>
+          </a:xfrm>
+        </p:spPr>
+        <p:txBody>
+          <a:bodyPr/>
+          <a:lstStyle/>
+          <a:p>
+            <a:r>
+              <a:rPr lang="fr-CH" sz="1100" dirty="0"/>
+              <a:t>EPFL-STI-LIS | 27.12.2018</a:t>
+            </a:r>
+          </a:p>
+        </p:txBody>
+      </p:sp>
+      <p:pic>
+        <p:nvPicPr>
+          <p:cNvPr id="5" name="Image 4">
+            <a:extLst>
+              <a:ext uri="{FF2B5EF4-FFF2-40B4-BE49-F238E27FC236}">
+                <a16:creationId xmlns:a16="http://schemas.microsoft.com/office/drawing/2014/main" id="{5E000A09-EDFA-4B38-9205-4279815E1C57}"/>
+              </a:ext>
+            </a:extLst>
+          </p:cNvPr>
+          <p:cNvPicPr>
+            <a:picLocks noChangeAspect="1"/>
+          </p:cNvPicPr>
+          <p:nvPr/>
+        </p:nvPicPr>
+        <p:blipFill>
+          <a:blip r:embed="rId3">
+            <a:extLst>
+              <a:ext uri="{28A0092B-C50C-407E-A947-70E740481C1C}">
+                <a14:useLocalDpi xmlns:a14="http://schemas.microsoft.com/office/drawing/2010/main" val="0"/>
+              </a:ext>
+            </a:extLst>
+          </a:blip>
+          <a:stretch>
+            <a:fillRect/>
+          </a:stretch>
+        </p:blipFill>
+        <p:spPr>
+          <a:xfrm>
+            <a:off x="6981645" y="3628323"/>
+            <a:ext cx="4911059" cy="2611606"/>
+          </a:xfrm>
+          <a:prstGeom prst="rect">
+            <a:avLst/>
+          </a:prstGeom>
+        </p:spPr>
+      </p:pic>
+    </p:spTree>
+    <p:extLst>
+      <p:ext uri="{BB962C8B-B14F-4D97-AF65-F5344CB8AC3E}">
+        <p14:creationId xmlns:p14="http://schemas.microsoft.com/office/powerpoint/2010/main" val="2746624243"/>
+      </p:ext>
+    </p:extLst>
+  </p:cSld>
+  <p:clrMapOvr>
+    <a:masterClrMapping/>
+  </p:clrMapOvr>
+</p:sld>
+</file>
+
+<file path=ppt/slides/slide21.xml><?xml version="1.0" encoding="utf-8"?>
+<p:sld xmlns:a="http://schemas.openxmlformats.org/drawingml/2006/main" xmlns:r="http://schemas.openxmlformats.org/officeDocument/2006/relationships" xmlns:p="http://schemas.openxmlformats.org/presentationml/2006/main">
+  <p:cSld>
+    <p:spTree>
+      <p:nvGrpSpPr>
+        <p:cNvPr id="1" name=""/>
+        <p:cNvGrpSpPr/>
+        <p:nvPr/>
+      </p:nvGrpSpPr>
+      <p:grpSpPr>
+        <a:xfrm>
+          <a:off x="0" y="0"/>
+          <a:ext cx="0" cy="0"/>
+          <a:chOff x="0" y="0"/>
+          <a:chExt cx="0" cy="0"/>
+        </a:xfrm>
+      </p:grpSpPr>
+      <p:sp>
+        <p:nvSpPr>
+          <p:cNvPr id="2" name="Titre 1">
+            <a:extLst>
+              <a:ext uri="{FF2B5EF4-FFF2-40B4-BE49-F238E27FC236}">
                 <a16:creationId xmlns:a16="http://schemas.microsoft.com/office/drawing/2014/main" id="{54CC8D60-5090-407B-862A-AC95EFBC9052}"/>
               </a:ext>
             </a:extLst>
@@ -31198,7 +31873,7 @@
           <a:p>
             <a:fld id="{C5BDCE95-9A2C-4CF6-AC2F-5E8F5B23B560}" type="slidenum">
               <a:rPr lang="fr-CH" sz="1800" smtClean="0"/>
-              <a:t>20</a:t>
+              <a:t>21</a:t>
             </a:fld>
             <a:endParaRPr lang="fr-CH" sz="1800" dirty="0"/>
           </a:p>
@@ -31250,7 +31925,7 @@
 </p:sld>
 </file>
 
-<file path=ppt/slides/slide21.xml><?xml version="1.0" encoding="utf-8"?>
+<file path=ppt/slides/slide22.xml><?xml version="1.0" encoding="utf-8"?>
 <p:sld xmlns:a="http://schemas.openxmlformats.org/drawingml/2006/main" xmlns:r="http://schemas.openxmlformats.org/officeDocument/2006/relationships" xmlns:p="http://schemas.openxmlformats.org/presentationml/2006/main">
   <p:cSld>
     <p:spTree>
@@ -31290,7 +31965,7 @@
           <a:p>
             <a:fld id="{C5BDCE95-9A2C-4CF6-AC2F-5E8F5B23B560}" type="slidenum">
               <a:rPr lang="fr-CH" sz="1800" smtClean="0"/>
-              <a:t>21</a:t>
+              <a:t>22</a:t>
             </a:fld>
             <a:endParaRPr lang="fr-CH" sz="1800" dirty="0"/>
           </a:p>
@@ -32473,7 +33148,7 @@
 </p:sld>
 </file>
 
-<file path=ppt/slides/slide22.xml><?xml version="1.0" encoding="utf-8"?>
+<file path=ppt/slides/slide23.xml><?xml version="1.0" encoding="utf-8"?>
 <p:sld xmlns:a="http://schemas.openxmlformats.org/drawingml/2006/main" xmlns:r="http://schemas.openxmlformats.org/officeDocument/2006/relationships" xmlns:p="http://schemas.openxmlformats.org/presentationml/2006/main">
   <p:cSld>
     <p:spTree>
@@ -32514,7 +33189,7 @@
             <a:fld id="{C5BDCE95-9A2C-4CF6-AC2F-5E8F5B23B560}" type="slidenum">
               <a:rPr lang="fr-CH" sz="1800"/>
               <a:pPr/>
-              <a:t>22</a:t>
+              <a:t>23</a:t>
             </a:fld>
             <a:endParaRPr lang="fr-CH" sz="1800"/>
           </a:p>
@@ -33462,8 +34137,8 @@
           </a:p>
         </p:txBody>
       </p:sp>
-      <mc:AlternateContent xmlns:mc="http://schemas.openxmlformats.org/markup-compatibility/2006">
-        <mc:Choice xmlns:a14="http://schemas.microsoft.com/office/drawing/2010/main" Requires="a14">
+      <mc:AlternateContent xmlns:mc="http://schemas.openxmlformats.org/markup-compatibility/2006" xmlns:a14="http://schemas.microsoft.com/office/drawing/2010/main">
+        <mc:Choice Requires="a14">
           <p:sp>
             <p:nvSpPr>
               <p:cNvPr id="19" name="ZoneTexte 6">
@@ -33864,7 +34539,7 @@
             </p:txBody>
           </p:sp>
         </mc:Choice>
-        <mc:Fallback>
+        <mc:Fallback xmlns="">
           <p:sp>
             <p:nvSpPr>
               <p:cNvPr id="19" name="ZoneTexte 6">
@@ -34584,6 +35259,1225 @@
           <p:cNvPr id="4" name="Slide Number Placeholder 3">
             <a:extLst>
               <a:ext uri="{FF2B5EF4-FFF2-40B4-BE49-F238E27FC236}">
+                <a16:creationId xmlns:a16="http://schemas.microsoft.com/office/drawing/2014/main" id="{635296C1-CBBB-46A4-929E-B3BD41BFB50B}"/>
+              </a:ext>
+            </a:extLst>
+          </p:cNvPr>
+          <p:cNvSpPr>
+            <a:spLocks noGrp="1"/>
+          </p:cNvSpPr>
+          <p:nvPr>
+            <p:ph type="sldNum" sz="quarter" idx="12"/>
+          </p:nvPr>
+        </p:nvSpPr>
+        <p:spPr/>
+        <p:txBody>
+          <a:bodyPr/>
+          <a:lstStyle/>
+          <a:p>
+            <a:fld id="{C5BDCE95-9A2C-4CF6-AC2F-5E8F5B23B560}" type="slidenum">
+              <a:rPr lang="fr-CH" sz="1800" smtClean="0"/>
+              <a:t>5</a:t>
+            </a:fld>
+            <a:endParaRPr lang="fr-CH" sz="1800" dirty="0"/>
+          </a:p>
+        </p:txBody>
+      </p:sp>
+      <p:sp>
+        <p:nvSpPr>
+          <p:cNvPr id="17" name="Titre 1">
+            <a:extLst>
+              <a:ext uri="{FF2B5EF4-FFF2-40B4-BE49-F238E27FC236}">
+                <a16:creationId xmlns:a16="http://schemas.microsoft.com/office/drawing/2014/main" id="{71E17682-88E0-411A-AB36-B0AC7D07E34C}"/>
+              </a:ext>
+            </a:extLst>
+          </p:cNvPr>
+          <p:cNvSpPr txBox="1">
+            <a:spLocks/>
+          </p:cNvSpPr>
+          <p:nvPr/>
+        </p:nvSpPr>
+        <p:spPr>
+          <a:xfrm>
+            <a:off x="1154083" y="270882"/>
+            <a:ext cx="10058400" cy="1450757"/>
+          </a:xfrm>
+          <a:prstGeom prst="rect">
+            <a:avLst/>
+          </a:prstGeom>
+        </p:spPr>
+        <p:txBody>
+          <a:bodyPr vert="horz" lIns="91440" tIns="45720" rIns="91440" bIns="45720" rtlCol="0" anchor="b">
+            <a:normAutofit/>
+          </a:bodyPr>
+          <a:lstStyle>
+            <a:lvl1pPr algn="l" defTabSz="914400" rtl="0" eaLnBrk="1" latinLnBrk="0" hangingPunct="1">
+              <a:lnSpc>
+                <a:spcPct val="85000"/>
+              </a:lnSpc>
+              <a:spcBef>
+                <a:spcPct val="0"/>
+              </a:spcBef>
+              <a:buNone/>
+              <a:defRPr sz="4800" kern="1200" spc="-50" baseline="0">
+                <a:solidFill>
+                  <a:schemeClr val="tx1">
+                    <a:lumMod val="75000"/>
+                    <a:lumOff val="25000"/>
+                  </a:schemeClr>
+                </a:solidFill>
+                <a:latin typeface="+mj-lt"/>
+                <a:ea typeface="+mj-ea"/>
+                <a:cs typeface="+mj-cs"/>
+              </a:defRPr>
+            </a:lvl1pPr>
+          </a:lstStyle>
+          <a:p>
+            <a:r>
+              <a:rPr lang="fr-CH" dirty="0">
+                <a:solidFill>
+                  <a:schemeClr val="accent2"/>
+                </a:solidFill>
+              </a:rPr>
+              <a:t>Introduction: </a:t>
+            </a:r>
+            <a:r>
+              <a:rPr lang="fr-CH" i="1" dirty="0">
+                <a:solidFill>
+                  <a:schemeClr val="tx2"/>
+                </a:solidFill>
+              </a:rPr>
+              <a:t>Initial concepts</a:t>
+            </a:r>
+            <a:endParaRPr lang="fr-FR" sz="4000" dirty="0"/>
+          </a:p>
+        </p:txBody>
+      </p:sp>
+      <p:pic>
+        <p:nvPicPr>
+          <p:cNvPr id="10" name="Picture 8" descr="A close up of a knife&#10;&#10;Description generated with very high confidence">
+            <a:extLst>
+              <a:ext uri="{FF2B5EF4-FFF2-40B4-BE49-F238E27FC236}">
+                <a16:creationId xmlns:a16="http://schemas.microsoft.com/office/drawing/2014/main" id="{9F50D7BC-1844-47D0-92D3-F540F9C415C9}"/>
+              </a:ext>
+            </a:extLst>
+          </p:cNvPr>
+          <p:cNvPicPr>
+            <a:picLocks noChangeAspect="1"/>
+          </p:cNvPicPr>
+          <p:nvPr/>
+        </p:nvPicPr>
+        <p:blipFill>
+          <a:blip r:embed="rId3">
+            <a:extLst>
+              <a:ext uri="{28A0092B-C50C-407E-A947-70E740481C1C}">
+                <a14:useLocalDpi xmlns:a14="http://schemas.microsoft.com/office/drawing/2010/main" val="0"/>
+              </a:ext>
+            </a:extLst>
+          </a:blip>
+          <a:stretch>
+            <a:fillRect/>
+          </a:stretch>
+        </p:blipFill>
+        <p:spPr>
+          <a:xfrm>
+            <a:off x="10585201" y="315105"/>
+            <a:ext cx="576749" cy="1329726"/>
+          </a:xfrm>
+          <a:prstGeom prst="rect">
+            <a:avLst/>
+          </a:prstGeom>
+        </p:spPr>
+      </p:pic>
+      <p:cxnSp>
+        <p:nvCxnSpPr>
+          <p:cNvPr id="11" name="Straight Connector 14">
+            <a:extLst>
+              <a:ext uri="{FF2B5EF4-FFF2-40B4-BE49-F238E27FC236}">
+                <a16:creationId xmlns:a16="http://schemas.microsoft.com/office/drawing/2014/main" id="{A0A6DBDB-8A8F-49BD-8399-D8C73BCE11C7}"/>
+              </a:ext>
+            </a:extLst>
+          </p:cNvPr>
+          <p:cNvCxnSpPr>
+            <a:cxnSpLocks/>
+          </p:cNvCxnSpPr>
+          <p:nvPr/>
+        </p:nvCxnSpPr>
+        <p:spPr>
+          <a:xfrm>
+            <a:off x="10625778" y="606304"/>
+            <a:ext cx="377682" cy="0"/>
+          </a:xfrm>
+          <a:prstGeom prst="line">
+            <a:avLst/>
+          </a:prstGeom>
+          <a:ln w="28575">
+            <a:solidFill>
+              <a:srgbClr val="C00000"/>
+            </a:solidFill>
+          </a:ln>
+        </p:spPr>
+        <p:style>
+          <a:lnRef idx="1">
+            <a:schemeClr val="accent3"/>
+          </a:lnRef>
+          <a:fillRef idx="0">
+            <a:schemeClr val="accent3"/>
+          </a:fillRef>
+          <a:effectRef idx="0">
+            <a:schemeClr val="accent3"/>
+          </a:effectRef>
+          <a:fontRef idx="minor">
+            <a:schemeClr val="tx1"/>
+          </a:fontRef>
+        </p:style>
+      </p:cxnSp>
+      <p:sp>
+        <p:nvSpPr>
+          <p:cNvPr id="13" name="Espace réservé du pied de page 6">
+            <a:extLst>
+              <a:ext uri="{FF2B5EF4-FFF2-40B4-BE49-F238E27FC236}">
+                <a16:creationId xmlns:a16="http://schemas.microsoft.com/office/drawing/2014/main" id="{381AA92F-369E-45FF-A802-130271FB32CC}"/>
+              </a:ext>
+            </a:extLst>
+          </p:cNvPr>
+          <p:cNvSpPr>
+            <a:spLocks noGrp="1"/>
+          </p:cNvSpPr>
+          <p:nvPr>
+            <p:ph type="ftr" sz="quarter" idx="11"/>
+          </p:nvPr>
+        </p:nvSpPr>
+        <p:spPr>
+          <a:xfrm>
+            <a:off x="3686185" y="6470868"/>
+            <a:ext cx="4822804" cy="365125"/>
+          </a:xfrm>
+        </p:spPr>
+        <p:txBody>
+          <a:bodyPr/>
+          <a:lstStyle/>
+          <a:p>
+            <a:r>
+              <a:rPr lang="fr-CH" sz="1100" dirty="0"/>
+              <a:t>EPFL-STI-LIS | 27.12.2018</a:t>
+            </a:r>
+          </a:p>
+        </p:txBody>
+      </p:sp>
+      <p:sp>
+        <p:nvSpPr>
+          <p:cNvPr id="9" name="ZoneTexte 8">
+            <a:extLst>
+              <a:ext uri="{FF2B5EF4-FFF2-40B4-BE49-F238E27FC236}">
+                <a16:creationId xmlns:a16="http://schemas.microsoft.com/office/drawing/2014/main" id="{1ED97EA1-3476-42F5-93B4-CE3C944D8402}"/>
+              </a:ext>
+            </a:extLst>
+          </p:cNvPr>
+          <p:cNvSpPr txBox="1"/>
+          <p:nvPr/>
+        </p:nvSpPr>
+        <p:spPr>
+          <a:xfrm>
+            <a:off x="5791411" y="2830633"/>
+            <a:ext cx="1582267" cy="369332"/>
+          </a:xfrm>
+          <a:prstGeom prst="rect">
+            <a:avLst/>
+          </a:prstGeom>
+          <a:noFill/>
+        </p:spPr>
+        <p:txBody>
+          <a:bodyPr wrap="square" rtlCol="0">
+            <a:spAutoFit/>
+          </a:bodyPr>
+          <a:lstStyle/>
+          <a:p>
+            <a:r>
+              <a:rPr lang="en-GB" dirty="0">
+                <a:solidFill>
+                  <a:schemeClr val="accent6">
+                    <a:lumMod val="75000"/>
+                  </a:schemeClr>
+                </a:solidFill>
+              </a:rPr>
+              <a:t>Air velocity</a:t>
+            </a:r>
+          </a:p>
+        </p:txBody>
+      </p:sp>
+      <p:cxnSp>
+        <p:nvCxnSpPr>
+          <p:cNvPr id="12" name="Connecteur droit avec flèche 11">
+            <a:extLst>
+              <a:ext uri="{FF2B5EF4-FFF2-40B4-BE49-F238E27FC236}">
+                <a16:creationId xmlns:a16="http://schemas.microsoft.com/office/drawing/2014/main" id="{50D01ADB-7BE3-4313-9FE8-228437242734}"/>
+              </a:ext>
+            </a:extLst>
+          </p:cNvPr>
+          <p:cNvCxnSpPr>
+            <a:cxnSpLocks/>
+          </p:cNvCxnSpPr>
+          <p:nvPr/>
+        </p:nvCxnSpPr>
+        <p:spPr>
+          <a:xfrm>
+            <a:off x="2433300" y="4466876"/>
+            <a:ext cx="2714160" cy="1"/>
+          </a:xfrm>
+          <a:prstGeom prst="straightConnector1">
+            <a:avLst/>
+          </a:prstGeom>
+          <a:ln>
+            <a:tailEnd type="triangle"/>
+          </a:ln>
+        </p:spPr>
+        <p:style>
+          <a:lnRef idx="1">
+            <a:schemeClr val="dk1"/>
+          </a:lnRef>
+          <a:fillRef idx="0">
+            <a:schemeClr val="dk1"/>
+          </a:fillRef>
+          <a:effectRef idx="0">
+            <a:schemeClr val="dk1"/>
+          </a:effectRef>
+          <a:fontRef idx="minor">
+            <a:schemeClr val="tx1"/>
+          </a:fontRef>
+        </p:style>
+      </p:cxnSp>
+      <p:cxnSp>
+        <p:nvCxnSpPr>
+          <p:cNvPr id="14" name="Connecteur droit 13">
+            <a:extLst>
+              <a:ext uri="{FF2B5EF4-FFF2-40B4-BE49-F238E27FC236}">
+                <a16:creationId xmlns:a16="http://schemas.microsoft.com/office/drawing/2014/main" id="{1EF8C2B3-384C-494B-B534-BDFF97B94A87}"/>
+              </a:ext>
+            </a:extLst>
+          </p:cNvPr>
+          <p:cNvCxnSpPr>
+            <a:cxnSpLocks/>
+          </p:cNvCxnSpPr>
+          <p:nvPr/>
+        </p:nvCxnSpPr>
+        <p:spPr>
+          <a:xfrm flipV="1">
+            <a:off x="2433300" y="2771955"/>
+            <a:ext cx="2607421" cy="1694923"/>
+          </a:xfrm>
+          <a:prstGeom prst="line">
+            <a:avLst/>
+          </a:prstGeom>
+          <a:ln>
+            <a:prstDash val="dash"/>
+          </a:ln>
+        </p:spPr>
+        <p:style>
+          <a:lnRef idx="1">
+            <a:schemeClr val="dk1"/>
+          </a:lnRef>
+          <a:fillRef idx="0">
+            <a:schemeClr val="dk1"/>
+          </a:fillRef>
+          <a:effectRef idx="0">
+            <a:schemeClr val="dk1"/>
+          </a:effectRef>
+          <a:fontRef idx="minor">
+            <a:schemeClr val="tx1"/>
+          </a:fontRef>
+        </p:style>
+      </p:cxnSp>
+      <p:cxnSp>
+        <p:nvCxnSpPr>
+          <p:cNvPr id="15" name="Connecteur droit avec flèche 14">
+            <a:extLst>
+              <a:ext uri="{FF2B5EF4-FFF2-40B4-BE49-F238E27FC236}">
+                <a16:creationId xmlns:a16="http://schemas.microsoft.com/office/drawing/2014/main" id="{F24F8FB1-7F4F-4518-BD62-59803305A033}"/>
+              </a:ext>
+            </a:extLst>
+          </p:cNvPr>
+          <p:cNvCxnSpPr>
+            <a:cxnSpLocks/>
+          </p:cNvCxnSpPr>
+          <p:nvPr/>
+        </p:nvCxnSpPr>
+        <p:spPr>
+          <a:xfrm flipH="1">
+            <a:off x="3565470" y="3173009"/>
+            <a:ext cx="2232054" cy="1090383"/>
+          </a:xfrm>
+          <a:prstGeom prst="straightConnector1">
+            <a:avLst/>
+          </a:prstGeom>
+          <a:ln>
+            <a:solidFill>
+              <a:schemeClr val="accent6">
+                <a:lumMod val="75000"/>
+              </a:schemeClr>
+            </a:solidFill>
+            <a:tailEnd type="triangle"/>
+          </a:ln>
+        </p:spPr>
+        <p:style>
+          <a:lnRef idx="1">
+            <a:schemeClr val="accent1"/>
+          </a:lnRef>
+          <a:fillRef idx="0">
+            <a:schemeClr val="accent1"/>
+          </a:fillRef>
+          <a:effectRef idx="0">
+            <a:schemeClr val="accent1"/>
+          </a:effectRef>
+          <a:fontRef idx="minor">
+            <a:schemeClr val="tx1"/>
+          </a:fontRef>
+        </p:style>
+      </p:cxnSp>
+      <p:sp>
+        <p:nvSpPr>
+          <p:cNvPr id="16" name="Arc 15">
+            <a:extLst>
+              <a:ext uri="{FF2B5EF4-FFF2-40B4-BE49-F238E27FC236}">
+                <a16:creationId xmlns:a16="http://schemas.microsoft.com/office/drawing/2014/main" id="{56857D84-5492-4FE8-BA7D-9746EE9C80F3}"/>
+              </a:ext>
+            </a:extLst>
+          </p:cNvPr>
+          <p:cNvSpPr/>
+          <p:nvPr/>
+        </p:nvSpPr>
+        <p:spPr>
+          <a:xfrm>
+            <a:off x="2629619" y="4108363"/>
+            <a:ext cx="486033" cy="822841"/>
+          </a:xfrm>
+          <a:prstGeom prst="arc">
+            <a:avLst>
+              <a:gd name="adj1" fmla="val 16802209"/>
+              <a:gd name="adj2" fmla="val 20910229"/>
+            </a:avLst>
+          </a:prstGeom>
+          <a:ln w="19050">
+            <a:solidFill>
+              <a:srgbClr val="DA1313"/>
+            </a:solidFill>
+          </a:ln>
+        </p:spPr>
+        <p:style>
+          <a:lnRef idx="1">
+            <a:schemeClr val="accent1"/>
+          </a:lnRef>
+          <a:fillRef idx="0">
+            <a:schemeClr val="accent1"/>
+          </a:fillRef>
+          <a:effectRef idx="0">
+            <a:schemeClr val="accent1"/>
+          </a:effectRef>
+          <a:fontRef idx="minor">
+            <a:schemeClr val="tx1"/>
+          </a:fontRef>
+        </p:style>
+        <p:txBody>
+          <a:bodyPr rtlCol="0" anchor="ctr"/>
+          <a:lstStyle/>
+          <a:p>
+            <a:pPr algn="ctr"/>
+            <a:endParaRPr lang="en-GB"/>
+          </a:p>
+        </p:txBody>
+      </p:sp>
+      <p:sp>
+        <p:nvSpPr>
+          <p:cNvPr id="18" name="Arc 17">
+            <a:extLst>
+              <a:ext uri="{FF2B5EF4-FFF2-40B4-BE49-F238E27FC236}">
+                <a16:creationId xmlns:a16="http://schemas.microsoft.com/office/drawing/2014/main" id="{92382C2D-27ED-445D-B9F0-75C2CC98C172}"/>
+              </a:ext>
+            </a:extLst>
+          </p:cNvPr>
+          <p:cNvSpPr/>
+          <p:nvPr/>
+        </p:nvSpPr>
+        <p:spPr>
+          <a:xfrm>
+            <a:off x="3790154" y="4030844"/>
+            <a:ext cx="486033" cy="872064"/>
+          </a:xfrm>
+          <a:prstGeom prst="arc">
+            <a:avLst>
+              <a:gd name="adj1" fmla="val 16327176"/>
+              <a:gd name="adj2" fmla="val 67882"/>
+            </a:avLst>
+          </a:prstGeom>
+          <a:ln w="19050">
+            <a:solidFill>
+              <a:srgbClr val="00B050"/>
+            </a:solidFill>
+          </a:ln>
+        </p:spPr>
+        <p:style>
+          <a:lnRef idx="1">
+            <a:schemeClr val="accent1"/>
+          </a:lnRef>
+          <a:fillRef idx="0">
+            <a:schemeClr val="accent1"/>
+          </a:fillRef>
+          <a:effectRef idx="0">
+            <a:schemeClr val="accent1"/>
+          </a:effectRef>
+          <a:fontRef idx="minor">
+            <a:schemeClr val="tx1"/>
+          </a:fontRef>
+        </p:style>
+        <p:txBody>
+          <a:bodyPr rtlCol="0" anchor="ctr"/>
+          <a:lstStyle/>
+          <a:p>
+            <a:pPr algn="ctr"/>
+            <a:endParaRPr lang="en-GB" dirty="0"/>
+          </a:p>
+        </p:txBody>
+      </p:sp>
+      <p:sp>
+        <p:nvSpPr>
+          <p:cNvPr id="20" name="ZoneTexte 19">
+            <a:extLst>
+              <a:ext uri="{FF2B5EF4-FFF2-40B4-BE49-F238E27FC236}">
+                <a16:creationId xmlns:a16="http://schemas.microsoft.com/office/drawing/2014/main" id="{15602A10-AFB8-44D5-9683-042F98BA65E6}"/>
+              </a:ext>
+            </a:extLst>
+          </p:cNvPr>
+          <p:cNvSpPr txBox="1"/>
+          <p:nvPr/>
+        </p:nvSpPr>
+        <p:spPr>
+          <a:xfrm>
+            <a:off x="3051830" y="4073608"/>
+            <a:ext cx="421227" cy="622279"/>
+          </a:xfrm>
+          <a:prstGeom prst="rect">
+            <a:avLst/>
+          </a:prstGeom>
+          <a:noFill/>
+        </p:spPr>
+        <p:txBody>
+          <a:bodyPr wrap="square" rtlCol="0">
+            <a:spAutoFit/>
+          </a:bodyPr>
+          <a:lstStyle/>
+          <a:p>
+            <a:r>
+              <a:rPr lang="el-GR" dirty="0">
+                <a:solidFill>
+                  <a:srgbClr val="C00000"/>
+                </a:solidFill>
+              </a:rPr>
+              <a:t>β</a:t>
+            </a:r>
+            <a:endParaRPr lang="en-GB" dirty="0">
+              <a:solidFill>
+                <a:srgbClr val="C00000"/>
+              </a:solidFill>
+            </a:endParaRPr>
+          </a:p>
+        </p:txBody>
+      </p:sp>
+      <p:sp>
+        <p:nvSpPr>
+          <p:cNvPr id="21" name="ZoneTexte 20">
+            <a:extLst>
+              <a:ext uri="{FF2B5EF4-FFF2-40B4-BE49-F238E27FC236}">
+                <a16:creationId xmlns:a16="http://schemas.microsoft.com/office/drawing/2014/main" id="{B92F96E2-5B12-4ACC-A791-A6BC5AA2667B}"/>
+              </a:ext>
+            </a:extLst>
+          </p:cNvPr>
+          <p:cNvSpPr txBox="1"/>
+          <p:nvPr/>
+        </p:nvSpPr>
+        <p:spPr>
+          <a:xfrm>
+            <a:off x="4234426" y="3990109"/>
+            <a:ext cx="421227" cy="622279"/>
+          </a:xfrm>
+          <a:prstGeom prst="rect">
+            <a:avLst/>
+          </a:prstGeom>
+          <a:noFill/>
+        </p:spPr>
+        <p:txBody>
+          <a:bodyPr wrap="square" rtlCol="0">
+            <a:spAutoFit/>
+          </a:bodyPr>
+          <a:lstStyle/>
+          <a:p>
+            <a:r>
+              <a:rPr lang="el-GR" dirty="0">
+                <a:solidFill>
+                  <a:srgbClr val="00B050"/>
+                </a:solidFill>
+              </a:rPr>
+              <a:t>φ</a:t>
+            </a:r>
+            <a:endParaRPr lang="en-GB" dirty="0">
+              <a:solidFill>
+                <a:srgbClr val="00B050"/>
+              </a:solidFill>
+            </a:endParaRPr>
+          </a:p>
+        </p:txBody>
+      </p:sp>
+      <p:sp>
+        <p:nvSpPr>
+          <p:cNvPr id="22" name="ZoneTexte 21">
+            <a:extLst>
+              <a:ext uri="{FF2B5EF4-FFF2-40B4-BE49-F238E27FC236}">
+                <a16:creationId xmlns:a16="http://schemas.microsoft.com/office/drawing/2014/main" id="{B922B39C-CFC9-414E-AB8A-62CB44D98388}"/>
+              </a:ext>
+            </a:extLst>
+          </p:cNvPr>
+          <p:cNvSpPr txBox="1"/>
+          <p:nvPr/>
+        </p:nvSpPr>
+        <p:spPr>
+          <a:xfrm>
+            <a:off x="5665219" y="3742856"/>
+            <a:ext cx="1425695" cy="622279"/>
+          </a:xfrm>
+          <a:prstGeom prst="rect">
+            <a:avLst/>
+          </a:prstGeom>
+          <a:noFill/>
+        </p:spPr>
+        <p:txBody>
+          <a:bodyPr wrap="square" rtlCol="0">
+            <a:spAutoFit/>
+          </a:bodyPr>
+          <a:lstStyle/>
+          <a:p>
+            <a:r>
+              <a:rPr lang="el-GR" dirty="0"/>
+              <a:t>α</a:t>
+            </a:r>
+            <a:r>
+              <a:rPr lang="fr-CH" dirty="0"/>
+              <a:t> = </a:t>
+            </a:r>
+            <a:r>
+              <a:rPr lang="el-GR" dirty="0">
+                <a:solidFill>
+                  <a:srgbClr val="C00000"/>
+                </a:solidFill>
+              </a:rPr>
+              <a:t>β</a:t>
+            </a:r>
+            <a:r>
+              <a:rPr lang="fr-CH" dirty="0">
+                <a:solidFill>
+                  <a:srgbClr val="C00000"/>
+                </a:solidFill>
+              </a:rPr>
+              <a:t> </a:t>
+            </a:r>
+            <a:r>
+              <a:rPr lang="fr-CH" dirty="0"/>
+              <a:t>-</a:t>
+            </a:r>
+            <a:r>
+              <a:rPr lang="fr-CH" dirty="0">
+                <a:solidFill>
+                  <a:srgbClr val="C00000"/>
+                </a:solidFill>
+              </a:rPr>
+              <a:t> </a:t>
+            </a:r>
+            <a:r>
+              <a:rPr lang="el-GR" dirty="0">
+                <a:solidFill>
+                  <a:srgbClr val="00B050"/>
+                </a:solidFill>
+              </a:rPr>
+              <a:t>φ</a:t>
+            </a:r>
+            <a:endParaRPr lang="en-GB" dirty="0">
+              <a:solidFill>
+                <a:srgbClr val="00B050"/>
+              </a:solidFill>
+            </a:endParaRPr>
+          </a:p>
+        </p:txBody>
+      </p:sp>
+      <p:pic>
+        <p:nvPicPr>
+          <p:cNvPr id="23" name="Picture 2" descr="aerofoil - definition - What is ?">
+            <a:extLst>
+              <a:ext uri="{FF2B5EF4-FFF2-40B4-BE49-F238E27FC236}">
+                <a16:creationId xmlns:a16="http://schemas.microsoft.com/office/drawing/2014/main" id="{19D6343E-3631-4EB2-9FE8-4A56C0982DF9}"/>
+              </a:ext>
+            </a:extLst>
+          </p:cNvPr>
+          <p:cNvPicPr>
+            <a:picLocks noChangeAspect="1" noChangeArrowheads="1"/>
+          </p:cNvPicPr>
+          <p:nvPr/>
+        </p:nvPicPr>
+        <p:blipFill>
+          <a:blip r:embed="rId4">
+            <a:extLst>
+              <a:ext uri="{28A0092B-C50C-407E-A947-70E740481C1C}">
+                <a14:useLocalDpi xmlns:a14="http://schemas.microsoft.com/office/drawing/2010/main" val="0"/>
+              </a:ext>
+            </a:extLst>
+          </a:blip>
+          <a:srcRect/>
+          <a:stretch>
+            <a:fillRect/>
+          </a:stretch>
+        </p:blipFill>
+        <p:spPr bwMode="auto">
+          <a:xfrm rot="20321905" flipH="1">
+            <a:off x="3078937" y="3217344"/>
+            <a:ext cx="1608672" cy="451762"/>
+          </a:xfrm>
+          <a:prstGeom prst="rect">
+            <a:avLst/>
+          </a:prstGeom>
+          <a:noFill/>
+          <a:extLst>
+            <a:ext uri="{909E8E84-426E-40DD-AFC4-6F175D3DCCD1}">
+              <a14:hiddenFill xmlns:a14="http://schemas.microsoft.com/office/drawing/2010/main">
+                <a:solidFill>
+                  <a:srgbClr val="FFFFFF"/>
+                </a:solidFill>
+              </a14:hiddenFill>
+            </a:ext>
+          </a:extLst>
+        </p:spPr>
+      </p:pic>
+      <p:sp>
+        <p:nvSpPr>
+          <p:cNvPr id="24" name="ZoneTexte 23">
+            <a:extLst>
+              <a:ext uri="{FF2B5EF4-FFF2-40B4-BE49-F238E27FC236}">
+                <a16:creationId xmlns:a16="http://schemas.microsoft.com/office/drawing/2014/main" id="{3000C39A-B83D-4FF5-9BD1-6E97B8D66378}"/>
+              </a:ext>
+            </a:extLst>
+          </p:cNvPr>
+          <p:cNvSpPr txBox="1"/>
+          <p:nvPr/>
+        </p:nvSpPr>
+        <p:spPr>
+          <a:xfrm>
+            <a:off x="3062216" y="4549651"/>
+            <a:ext cx="1118774" cy="369332"/>
+          </a:xfrm>
+          <a:prstGeom prst="rect">
+            <a:avLst/>
+          </a:prstGeom>
+          <a:noFill/>
+        </p:spPr>
+        <p:txBody>
+          <a:bodyPr wrap="square" rtlCol="0">
+            <a:spAutoFit/>
+          </a:bodyPr>
+          <a:lstStyle/>
+          <a:p>
+            <a:r>
+              <a:rPr lang="fr-CH" dirty="0"/>
+              <a:t>Rotation</a:t>
+            </a:r>
+            <a:endParaRPr lang="en-GB" dirty="0">
+              <a:solidFill>
+                <a:srgbClr val="00B050"/>
+              </a:solidFill>
+            </a:endParaRPr>
+          </a:p>
+        </p:txBody>
+      </p:sp>
+      <mc:AlternateContent xmlns:mc="http://schemas.openxmlformats.org/markup-compatibility/2006">
+        <mc:Choice xmlns:a14="http://schemas.microsoft.com/office/drawing/2010/main" Requires="a14">
+          <p:sp>
+            <p:nvSpPr>
+              <p:cNvPr id="2" name="ZoneTexte 1">
+                <a:extLst>
+                  <a:ext uri="{FF2B5EF4-FFF2-40B4-BE49-F238E27FC236}">
+                    <a16:creationId xmlns:a16="http://schemas.microsoft.com/office/drawing/2014/main" id="{29B4FB2A-1317-4AE2-B73D-2DD4F9EDB38A}"/>
+                  </a:ext>
+                </a:extLst>
+              </p:cNvPr>
+              <p:cNvSpPr txBox="1"/>
+              <p:nvPr/>
+            </p:nvSpPr>
+            <p:spPr>
+              <a:xfrm>
+                <a:off x="6993199" y="3484206"/>
+                <a:ext cx="4341909" cy="966162"/>
+              </a:xfrm>
+              <a:prstGeom prst="rect">
+                <a:avLst/>
+              </a:prstGeom>
+              <a:noFill/>
+            </p:spPr>
+            <p:txBody>
+              <a:bodyPr wrap="square" rtlCol="0">
+                <a:spAutoFit/>
+              </a:bodyPr>
+              <a:lstStyle/>
+              <a:p>
+                <a14:m>
+                  <m:oMath xmlns:m="http://schemas.openxmlformats.org/officeDocument/2006/math">
+                    <m:sSub>
+                      <m:sSubPr>
+                        <m:ctrlPr>
+                          <a:rPr lang="fr-CH" i="1" smtClean="0">
+                            <a:latin typeface="Cambria Math" panose="02040503050406030204" pitchFamily="18" charset="0"/>
+                          </a:rPr>
+                        </m:ctrlPr>
+                      </m:sSubPr>
+                      <m:e>
+                        <m:sSub>
+                          <m:sSubPr>
+                            <m:ctrlPr>
+                              <a:rPr lang="fr-CH" i="1">
+                                <a:latin typeface="Cambria Math" panose="02040503050406030204" pitchFamily="18" charset="0"/>
+                              </a:rPr>
+                            </m:ctrlPr>
+                          </m:sSubPr>
+                          <m:e>
+                            <m:r>
+                              <a:rPr lang="fr-CH" b="0" i="1" smtClean="0">
+                                <a:latin typeface="Cambria Math" panose="02040503050406030204" pitchFamily="18" charset="0"/>
+                              </a:rPr>
+                              <m:t> </m:t>
+                            </m:r>
+                            <m:r>
+                              <a:rPr lang="fr-CH" i="1">
+                                <a:latin typeface="Cambria Math" panose="02040503050406030204" pitchFamily="18" charset="0"/>
+                              </a:rPr>
+                              <m:t>𝐶</m:t>
+                            </m:r>
+                          </m:e>
+                          <m:sub>
+                            <m:r>
+                              <a:rPr lang="fr-CH" i="1">
+                                <a:latin typeface="Cambria Math" panose="02040503050406030204" pitchFamily="18" charset="0"/>
+                              </a:rPr>
+                              <m:t>𝐿</m:t>
+                            </m:r>
+                          </m:sub>
+                        </m:sSub>
+                        <m:r>
+                          <a:rPr lang="fr-CH" i="1">
+                            <a:latin typeface="Cambria Math" panose="02040503050406030204" pitchFamily="18" charset="0"/>
+                          </a:rPr>
+                          <m:t>=</m:t>
+                        </m:r>
+                        <m:r>
+                          <a:rPr lang="fr-CH" i="1">
+                            <a:latin typeface="Cambria Math" panose="02040503050406030204" pitchFamily="18" charset="0"/>
+                          </a:rPr>
+                          <m:t>𝑓</m:t>
+                        </m:r>
+                      </m:e>
+                      <m:sub>
+                        <m:r>
+                          <a:rPr lang="fr-CH" i="1">
+                            <a:latin typeface="Cambria Math" panose="02040503050406030204" pitchFamily="18" charset="0"/>
+                          </a:rPr>
+                          <m:t>1</m:t>
+                        </m:r>
+                      </m:sub>
+                    </m:sSub>
+                    <m:d>
+                      <m:dPr>
+                        <m:ctrlPr>
+                          <a:rPr lang="fr-CH" i="1">
+                            <a:latin typeface="Cambria Math" panose="02040503050406030204" pitchFamily="18" charset="0"/>
+                          </a:rPr>
+                        </m:ctrlPr>
+                      </m:dPr>
+                      <m:e>
+                        <m:r>
+                          <a:rPr lang="fr-CH" i="1">
+                            <a:latin typeface="Cambria Math" panose="02040503050406030204" pitchFamily="18" charset="0"/>
+                          </a:rPr>
+                          <m:t>𝛼</m:t>
+                        </m:r>
+                        <m:r>
+                          <a:rPr lang="fr-CH" i="1">
+                            <a:latin typeface="Cambria Math" panose="02040503050406030204" pitchFamily="18" charset="0"/>
+                          </a:rPr>
+                          <m:t>, </m:t>
+                        </m:r>
+                        <m:r>
+                          <a:rPr lang="fr-CH" i="1">
+                            <a:latin typeface="Cambria Math" panose="02040503050406030204" pitchFamily="18" charset="0"/>
+                          </a:rPr>
+                          <m:t>𝑅𝑒</m:t>
+                        </m:r>
+                      </m:e>
+                    </m:d>
+                  </m:oMath>
+                </a14:m>
+                <a:r>
+                  <a:rPr lang="fr-CH" i="1" dirty="0">
+                    <a:latin typeface="Cambria Math" panose="02040503050406030204" pitchFamily="18" charset="0"/>
+                  </a:rPr>
+                  <a:t>  </a:t>
+                </a:r>
+                <a:r>
+                  <a:rPr lang="fr-CH" dirty="0">
+                    <a:latin typeface="Cambria Math" panose="02040503050406030204" pitchFamily="18" charset="0"/>
+                  </a:rPr>
+                  <a:t>with </a:t>
+                </a:r>
+                <a14:m>
+                  <m:oMath xmlns:m="http://schemas.openxmlformats.org/officeDocument/2006/math">
+                    <m:sSub>
+                      <m:sSubPr>
+                        <m:ctrlPr>
+                          <a:rPr lang="fr-CH" i="1" smtClean="0">
+                            <a:latin typeface="Cambria Math" panose="02040503050406030204" pitchFamily="18" charset="0"/>
+                            <a:ea typeface="Cambria Math" panose="02040503050406030204" pitchFamily="18" charset="0"/>
+                          </a:rPr>
+                        </m:ctrlPr>
+                      </m:sSubPr>
+                      <m:e>
+                        <m:r>
+                          <a:rPr lang="fr-CH" b="0" i="1" smtClean="0">
+                            <a:latin typeface="Cambria Math" panose="02040503050406030204" pitchFamily="18" charset="0"/>
+                            <a:ea typeface="Cambria Math" panose="02040503050406030204" pitchFamily="18" charset="0"/>
+                          </a:rPr>
+                          <m:t>𝑓</m:t>
+                        </m:r>
+                      </m:e>
+                      <m:sub>
+                        <m:r>
+                          <a:rPr lang="fr-CH" b="0" i="1" smtClean="0">
+                            <a:latin typeface="Cambria Math" panose="02040503050406030204" pitchFamily="18" charset="0"/>
+                            <a:ea typeface="Cambria Math" panose="02040503050406030204" pitchFamily="18" charset="0"/>
+                          </a:rPr>
+                          <m:t>1</m:t>
+                        </m:r>
+                      </m:sub>
+                    </m:sSub>
+                    <m:r>
+                      <a:rPr lang="fr-CH" i="1" smtClean="0">
+                        <a:latin typeface="Cambria Math" panose="02040503050406030204" pitchFamily="18" charset="0"/>
+                        <a:ea typeface="Cambria Math" panose="02040503050406030204" pitchFamily="18" charset="0"/>
+                      </a:rPr>
+                      <m:t>∝</m:t>
+                    </m:r>
+                    <m:r>
+                      <a:rPr lang="fr-CH" b="0" i="1" smtClean="0">
+                        <a:latin typeface="Cambria Math" panose="02040503050406030204" pitchFamily="18" charset="0"/>
+                        <a:ea typeface="Cambria Math" panose="02040503050406030204" pitchFamily="18" charset="0"/>
+                      </a:rPr>
+                      <m:t>𝑎𝑒𝑟𝑜𝑓𝑜𝑖</m:t>
+                    </m:r>
+                    <m:sSub>
+                      <m:sSubPr>
+                        <m:ctrlPr>
+                          <a:rPr lang="fr-CH" b="0" i="1" smtClean="0">
+                            <a:latin typeface="Cambria Math" panose="02040503050406030204" pitchFamily="18" charset="0"/>
+                            <a:ea typeface="Cambria Math" panose="02040503050406030204" pitchFamily="18" charset="0"/>
+                          </a:rPr>
+                        </m:ctrlPr>
+                      </m:sSubPr>
+                      <m:e>
+                        <m:r>
+                          <a:rPr lang="fr-CH" b="0" i="1" smtClean="0">
+                            <a:latin typeface="Cambria Math" panose="02040503050406030204" pitchFamily="18" charset="0"/>
+                            <a:ea typeface="Cambria Math" panose="02040503050406030204" pitchFamily="18" charset="0"/>
+                          </a:rPr>
+                          <m:t>𝑙</m:t>
+                        </m:r>
+                      </m:e>
+                      <m:sub>
+                        <m:r>
+                          <a:rPr lang="fr-CH" b="0" i="1" smtClean="0">
+                            <a:latin typeface="Cambria Math" panose="02040503050406030204" pitchFamily="18" charset="0"/>
+                            <a:ea typeface="Cambria Math" panose="02040503050406030204" pitchFamily="18" charset="0"/>
+                          </a:rPr>
+                          <m:t>𝑠h𝑎𝑝𝑒</m:t>
+                        </m:r>
+                      </m:sub>
+                    </m:sSub>
+                  </m:oMath>
+                </a14:m>
+                <a:r>
+                  <a:rPr lang="fr-CH" dirty="0">
+                    <a:latin typeface="Cambria Math" panose="02040503050406030204" pitchFamily="18" charset="0"/>
+                  </a:rPr>
+                  <a:t> </a:t>
+                </a:r>
+                <a14:m>
+                  <m:oMath xmlns:m="http://schemas.openxmlformats.org/officeDocument/2006/math">
+                    <m:r>
+                      <a:rPr lang="fr-CH">
+                        <a:latin typeface="Cambria Math" panose="02040503050406030204" pitchFamily="18" charset="0"/>
+                      </a:rPr>
+                      <m:t> </m:t>
+                    </m:r>
+                    <m:sSub>
+                      <m:sSubPr>
+                        <m:ctrlPr>
+                          <a:rPr lang="fr-CH" i="1">
+                            <a:latin typeface="Cambria Math" panose="02040503050406030204" pitchFamily="18" charset="0"/>
+                          </a:rPr>
+                        </m:ctrlPr>
+                      </m:sSubPr>
+                      <m:e>
+                        <m:sSub>
+                          <m:sSubPr>
+                            <m:ctrlPr>
+                              <a:rPr lang="fr-CH" i="1">
+                                <a:latin typeface="Cambria Math" panose="02040503050406030204" pitchFamily="18" charset="0"/>
+                              </a:rPr>
+                            </m:ctrlPr>
+                          </m:sSubPr>
+                          <m:e>
+                            <m:r>
+                              <a:rPr lang="fr-CH" i="1">
+                                <a:latin typeface="Cambria Math" panose="02040503050406030204" pitchFamily="18" charset="0"/>
+                              </a:rPr>
+                              <m:t>𝐶</m:t>
+                            </m:r>
+                          </m:e>
+                          <m:sub>
+                            <m:r>
+                              <a:rPr lang="fr-CH" i="1">
+                                <a:latin typeface="Cambria Math" panose="02040503050406030204" pitchFamily="18" charset="0"/>
+                              </a:rPr>
+                              <m:t>𝐷</m:t>
+                            </m:r>
+                          </m:sub>
+                        </m:sSub>
+                        <m:r>
+                          <a:rPr lang="fr-CH" i="1">
+                            <a:latin typeface="Cambria Math" panose="02040503050406030204" pitchFamily="18" charset="0"/>
+                          </a:rPr>
+                          <m:t>=</m:t>
+                        </m:r>
+                        <m:r>
+                          <a:rPr lang="fr-CH" i="1">
+                            <a:latin typeface="Cambria Math" panose="02040503050406030204" pitchFamily="18" charset="0"/>
+                          </a:rPr>
+                          <m:t>𝑓</m:t>
+                        </m:r>
+                      </m:e>
+                      <m:sub>
+                        <m:r>
+                          <a:rPr lang="fr-CH" i="1">
+                            <a:latin typeface="Cambria Math" panose="02040503050406030204" pitchFamily="18" charset="0"/>
+                          </a:rPr>
+                          <m:t>2</m:t>
+                        </m:r>
+                      </m:sub>
+                    </m:sSub>
+                    <m:r>
+                      <a:rPr lang="fr-CH" i="1">
+                        <a:latin typeface="Cambria Math" panose="02040503050406030204" pitchFamily="18" charset="0"/>
+                      </a:rPr>
+                      <m:t>(</m:t>
+                    </m:r>
+                    <m:r>
+                      <a:rPr lang="fr-CH" i="1">
+                        <a:latin typeface="Cambria Math" panose="02040503050406030204" pitchFamily="18" charset="0"/>
+                      </a:rPr>
+                      <m:t>𝛼</m:t>
+                    </m:r>
+                    <m:r>
+                      <a:rPr lang="fr-CH" i="1">
+                        <a:latin typeface="Cambria Math" panose="02040503050406030204" pitchFamily="18" charset="0"/>
+                      </a:rPr>
+                      <m:t>, </m:t>
+                    </m:r>
+                    <m:r>
+                      <a:rPr lang="fr-CH" i="1">
+                        <a:latin typeface="Cambria Math" panose="02040503050406030204" pitchFamily="18" charset="0"/>
+                      </a:rPr>
+                      <m:t>𝑅𝑒</m:t>
+                    </m:r>
+                    <m:r>
+                      <a:rPr lang="fr-CH" i="1">
+                        <a:latin typeface="Cambria Math" panose="02040503050406030204" pitchFamily="18" charset="0"/>
+                      </a:rPr>
+                      <m:t>) </m:t>
+                    </m:r>
+                  </m:oMath>
+                </a14:m>
+                <a:r>
+                  <a:rPr lang="en-GB" dirty="0"/>
+                  <a:t>with </a:t>
+                </a:r>
+                <a14:m>
+                  <m:oMath xmlns:m="http://schemas.openxmlformats.org/officeDocument/2006/math">
+                    <m:sSub>
+                      <m:sSubPr>
+                        <m:ctrlPr>
+                          <a:rPr lang="fr-CH" i="1" smtClean="0">
+                            <a:latin typeface="Cambria Math" panose="02040503050406030204" pitchFamily="18" charset="0"/>
+                            <a:ea typeface="Cambria Math" panose="02040503050406030204" pitchFamily="18" charset="0"/>
+                          </a:rPr>
+                        </m:ctrlPr>
+                      </m:sSubPr>
+                      <m:e>
+                        <m:r>
+                          <a:rPr lang="fr-CH" b="0" i="1" smtClean="0">
+                            <a:latin typeface="Cambria Math" panose="02040503050406030204" pitchFamily="18" charset="0"/>
+                            <a:ea typeface="Cambria Math" panose="02040503050406030204" pitchFamily="18" charset="0"/>
+                          </a:rPr>
+                          <m:t>𝑓</m:t>
+                        </m:r>
+                      </m:e>
+                      <m:sub>
+                        <m:r>
+                          <a:rPr lang="fr-CH" b="0" i="1" smtClean="0">
+                            <a:latin typeface="Cambria Math" panose="02040503050406030204" pitchFamily="18" charset="0"/>
+                            <a:ea typeface="Cambria Math" panose="02040503050406030204" pitchFamily="18" charset="0"/>
+                          </a:rPr>
+                          <m:t>2</m:t>
+                        </m:r>
+                      </m:sub>
+                    </m:sSub>
+                    <m:r>
+                      <a:rPr lang="fr-CH" i="1">
+                        <a:latin typeface="Cambria Math" panose="02040503050406030204" pitchFamily="18" charset="0"/>
+                        <a:ea typeface="Cambria Math" panose="02040503050406030204" pitchFamily="18" charset="0"/>
+                      </a:rPr>
+                      <m:t>∝</m:t>
+                    </m:r>
+                    <m:r>
+                      <a:rPr lang="fr-CH" i="1">
+                        <a:latin typeface="Cambria Math" panose="02040503050406030204" pitchFamily="18" charset="0"/>
+                        <a:ea typeface="Cambria Math" panose="02040503050406030204" pitchFamily="18" charset="0"/>
+                      </a:rPr>
+                      <m:t>𝑎𝑒𝑟𝑜𝑓𝑜𝑖</m:t>
+                    </m:r>
+                    <m:sSub>
+                      <m:sSubPr>
+                        <m:ctrlPr>
+                          <a:rPr lang="fr-CH" i="1">
+                            <a:latin typeface="Cambria Math" panose="02040503050406030204" pitchFamily="18" charset="0"/>
+                            <a:ea typeface="Cambria Math" panose="02040503050406030204" pitchFamily="18" charset="0"/>
+                          </a:rPr>
+                        </m:ctrlPr>
+                      </m:sSubPr>
+                      <m:e>
+                        <m:r>
+                          <a:rPr lang="fr-CH" i="1">
+                            <a:latin typeface="Cambria Math" panose="02040503050406030204" pitchFamily="18" charset="0"/>
+                            <a:ea typeface="Cambria Math" panose="02040503050406030204" pitchFamily="18" charset="0"/>
+                          </a:rPr>
+                          <m:t>𝑙</m:t>
+                        </m:r>
+                      </m:e>
+                      <m:sub>
+                        <m:r>
+                          <a:rPr lang="fr-CH" i="1">
+                            <a:latin typeface="Cambria Math" panose="02040503050406030204" pitchFamily="18" charset="0"/>
+                            <a:ea typeface="Cambria Math" panose="02040503050406030204" pitchFamily="18" charset="0"/>
+                          </a:rPr>
+                          <m:t>𝑠h𝑎𝑝𝑒</m:t>
+                        </m:r>
+                      </m:sub>
+                    </m:sSub>
+                  </m:oMath>
+                </a14:m>
+                <a:r>
+                  <a:rPr lang="fr-CH" dirty="0">
+                    <a:latin typeface="Cambria Math" panose="02040503050406030204" pitchFamily="18" charset="0"/>
+                  </a:rPr>
+                  <a:t> </a:t>
+                </a:r>
+                <a:endParaRPr lang="en-GB" dirty="0"/>
+              </a:p>
+              <a:p>
+                <a:endParaRPr lang="en-GB" dirty="0"/>
+              </a:p>
+            </p:txBody>
+          </p:sp>
+        </mc:Choice>
+        <mc:Fallback>
+          <p:sp>
+            <p:nvSpPr>
+              <p:cNvPr id="2" name="ZoneTexte 1">
+                <a:extLst>
+                  <a:ext uri="{FF2B5EF4-FFF2-40B4-BE49-F238E27FC236}">
+                    <a16:creationId xmlns:a16="http://schemas.microsoft.com/office/drawing/2014/main" id="{29B4FB2A-1317-4AE2-B73D-2DD4F9EDB38A}"/>
+                  </a:ext>
+                </a:extLst>
+              </p:cNvPr>
+              <p:cNvSpPr txBox="1">
+                <a:spLocks noRot="1" noChangeAspect="1" noMove="1" noResize="1" noEditPoints="1" noAdjustHandles="1" noChangeArrowheads="1" noChangeShapeType="1" noTextEdit="1"/>
+              </p:cNvSpPr>
+              <p:nvPr/>
+            </p:nvSpPr>
+            <p:spPr>
+              <a:xfrm>
+                <a:off x="6993199" y="3484206"/>
+                <a:ext cx="4341909" cy="966162"/>
+              </a:xfrm>
+              <a:prstGeom prst="rect">
+                <a:avLst/>
+              </a:prstGeom>
+              <a:blipFill>
+                <a:blip r:embed="rId5"/>
+                <a:stretch>
+                  <a:fillRect t="-4430"/>
+                </a:stretch>
+              </a:blipFill>
+            </p:spPr>
+            <p:txBody>
+              <a:bodyPr/>
+              <a:lstStyle/>
+              <a:p>
+                <a:r>
+                  <a:rPr lang="en-GB">
+                    <a:noFill/>
+                  </a:rPr>
+                  <a:t> </a:t>
+                </a:r>
+              </a:p>
+            </p:txBody>
+          </p:sp>
+        </mc:Fallback>
+      </mc:AlternateContent>
+    </p:spTree>
+    <p:extLst>
+      <p:ext uri="{BB962C8B-B14F-4D97-AF65-F5344CB8AC3E}">
+        <p14:creationId xmlns:p14="http://schemas.microsoft.com/office/powerpoint/2010/main" val="4155662523"/>
+      </p:ext>
+    </p:extLst>
+  </p:cSld>
+  <p:clrMapOvr>
+    <a:masterClrMapping/>
+  </p:clrMapOvr>
+</p:sld>
+</file>
+
+<file path=ppt/slides/slide6.xml><?xml version="1.0" encoding="utf-8"?>
+<p:sld xmlns:a="http://schemas.openxmlformats.org/drawingml/2006/main" xmlns:r="http://schemas.openxmlformats.org/officeDocument/2006/relationships" xmlns:p="http://schemas.openxmlformats.org/presentationml/2006/main">
+  <p:cSld>
+    <p:spTree>
+      <p:nvGrpSpPr>
+        <p:cNvPr id="1" name=""/>
+        <p:cNvGrpSpPr/>
+        <p:nvPr/>
+      </p:nvGrpSpPr>
+      <p:grpSpPr>
+        <a:xfrm>
+          <a:off x="0" y="0"/>
+          <a:ext cx="0" cy="0"/>
+          <a:chOff x="0" y="0"/>
+          <a:chExt cx="0" cy="0"/>
+        </a:xfrm>
+      </p:grpSpPr>
+      <p:sp>
+        <p:nvSpPr>
+          <p:cNvPr id="4" name="Slide Number Placeholder 3">
+            <a:extLst>
+              <a:ext uri="{FF2B5EF4-FFF2-40B4-BE49-F238E27FC236}">
                 <a16:creationId xmlns:a16="http://schemas.microsoft.com/office/drawing/2014/main" id="{1DE7761E-0F92-40D9-B790-605C59860241}"/>
               </a:ext>
             </a:extLst>
@@ -34602,7 +36496,7 @@
           <a:p>
             <a:fld id="{C5BDCE95-9A2C-4CF6-AC2F-5E8F5B23B560}" type="slidenum">
               <a:rPr lang="fr-CH" sz="1800" smtClean="0"/>
-              <a:t>5</a:t>
+              <a:t>6</a:t>
             </a:fld>
             <a:endParaRPr lang="fr-CH" sz="1800" dirty="0"/>
           </a:p>
@@ -35343,7 +37237,7 @@
 </p:sld>
 </file>
 
-<file path=ppt/slides/slide6.xml><?xml version="1.0" encoding="utf-8"?>
+<file path=ppt/slides/slide7.xml><?xml version="1.0" encoding="utf-8"?>
 <p:sld xmlns:a="http://schemas.openxmlformats.org/drawingml/2006/main" xmlns:r="http://schemas.openxmlformats.org/officeDocument/2006/relationships" xmlns:p="http://schemas.openxmlformats.org/presentationml/2006/main">
   <p:cSld>
     <p:spTree>
@@ -35433,7 +37327,7 @@
           <a:p>
             <a:fld id="{C5BDCE95-9A2C-4CF6-AC2F-5E8F5B23B560}" type="slidenum">
               <a:rPr lang="fr-CH" sz="1800" smtClean="0"/>
-              <a:t>6</a:t>
+              <a:t>7</a:t>
             </a:fld>
             <a:endParaRPr lang="fr-CH" sz="1800" dirty="0"/>
           </a:p>
@@ -35777,7 +37671,7 @@
 </p:sld>
 </file>
 
-<file path=ppt/slides/slide7.xml><?xml version="1.0" encoding="utf-8"?>
+<file path=ppt/slides/slide8.xml><?xml version="1.0" encoding="utf-8"?>
 <p:sld xmlns:a="http://schemas.openxmlformats.org/drawingml/2006/main" xmlns:r="http://schemas.openxmlformats.org/officeDocument/2006/relationships" xmlns:p="http://schemas.openxmlformats.org/presentationml/2006/main">
   <p:cSld>
     <p:spTree>
@@ -35990,7 +37884,7 @@
           <a:p>
             <a:fld id="{C5BDCE95-9A2C-4CF6-AC2F-5E8F5B23B560}" type="slidenum">
               <a:rPr lang="fr-CH" sz="1800" smtClean="0"/>
-              <a:t>7</a:t>
+              <a:t>8</a:t>
             </a:fld>
             <a:endParaRPr lang="fr-CH" sz="1800" dirty="0"/>
           </a:p>
@@ -36327,7 +38221,7 @@
 </p:sld>
 </file>
 
-<file path=ppt/slides/slide8.xml><?xml version="1.0" encoding="utf-8"?>
+<file path=ppt/slides/slide9.xml><?xml version="1.0" encoding="utf-8"?>
 <p:sld xmlns:a="http://schemas.openxmlformats.org/drawingml/2006/main" xmlns:r="http://schemas.openxmlformats.org/officeDocument/2006/relationships" xmlns:p="http://schemas.openxmlformats.org/presentationml/2006/main">
   <p:cSld>
     <p:spTree>
@@ -36361,7 +38255,7 @@
           <a:p>
             <a:fld id="{C5BDCE95-9A2C-4CF6-AC2F-5E8F5B23B560}" type="slidenum">
               <a:rPr lang="fr-CH" sz="1800" smtClean="0"/>
-              <a:t>8</a:t>
+              <a:t>9</a:t>
             </a:fld>
             <a:endParaRPr lang="fr-CH" sz="1800" dirty="0"/>
           </a:p>
@@ -36500,423 +38394,6 @@
     <p:extLst>
       <p:ext uri="{BB962C8B-B14F-4D97-AF65-F5344CB8AC3E}">
         <p14:creationId xmlns:p14="http://schemas.microsoft.com/office/powerpoint/2010/main" val="734571807"/>
-      </p:ext>
-    </p:extLst>
-  </p:cSld>
-  <p:clrMapOvr>
-    <a:masterClrMapping/>
-  </p:clrMapOvr>
-</p:sld>
-</file>
-
-<file path=ppt/slides/slide9.xml><?xml version="1.0" encoding="utf-8"?>
-<p:sld xmlns:a="http://schemas.openxmlformats.org/drawingml/2006/main" xmlns:r="http://schemas.openxmlformats.org/officeDocument/2006/relationships" xmlns:p="http://schemas.openxmlformats.org/presentationml/2006/main">
-  <p:cSld>
-    <p:spTree>
-      <p:nvGrpSpPr>
-        <p:cNvPr id="1" name=""/>
-        <p:cNvGrpSpPr/>
-        <p:nvPr/>
-      </p:nvGrpSpPr>
-      <p:grpSpPr>
-        <a:xfrm>
-          <a:off x="0" y="0"/>
-          <a:ext cx="0" cy="0"/>
-          <a:chOff x="0" y="0"/>
-          <a:chExt cx="0" cy="0"/>
-        </a:xfrm>
-      </p:grpSpPr>
-      <p:pic>
-        <p:nvPicPr>
-          <p:cNvPr id="4" name="Image 3">
-            <a:extLst>
-              <a:ext uri="{FF2B5EF4-FFF2-40B4-BE49-F238E27FC236}">
-                <a16:creationId xmlns:a16="http://schemas.microsoft.com/office/drawing/2014/main" id="{C4C1D51C-2AC3-45CA-BB80-6B9DBD551AB3}"/>
-              </a:ext>
-            </a:extLst>
-          </p:cNvPr>
-          <p:cNvPicPr>
-            <a:picLocks noChangeAspect="1"/>
-          </p:cNvPicPr>
-          <p:nvPr/>
-        </p:nvPicPr>
-        <p:blipFill rotWithShape="1">
-          <a:blip r:embed="rId2">
-            <a:extLst>
-              <a:ext uri="{28A0092B-C50C-407E-A947-70E740481C1C}">
-                <a14:useLocalDpi xmlns:a14="http://schemas.microsoft.com/office/drawing/2010/main" val="0"/>
-              </a:ext>
-            </a:extLst>
-          </a:blip>
-          <a:srcRect l="12633" t="5581" r="3646" b="4544"/>
-          <a:stretch/>
-        </p:blipFill>
-        <p:spPr>
-          <a:xfrm>
-            <a:off x="6418053" y="1987040"/>
-            <a:ext cx="5297324" cy="3969219"/>
-          </a:xfrm>
-          <a:prstGeom prst="rect">
-            <a:avLst/>
-          </a:prstGeom>
-        </p:spPr>
-      </p:pic>
-      <p:sp>
-        <p:nvSpPr>
-          <p:cNvPr id="5" name="Slide Number Placeholder 4">
-            <a:extLst>
-              <a:ext uri="{FF2B5EF4-FFF2-40B4-BE49-F238E27FC236}">
-                <a16:creationId xmlns:a16="http://schemas.microsoft.com/office/drawing/2014/main" id="{8B06F4BC-244F-4D7A-A7C8-298E98CF5AEF}"/>
-              </a:ext>
-            </a:extLst>
-          </p:cNvPr>
-          <p:cNvSpPr>
-            <a:spLocks noGrp="1"/>
-          </p:cNvSpPr>
-          <p:nvPr>
-            <p:ph type="sldNum" sz="quarter" idx="12"/>
-          </p:nvPr>
-        </p:nvSpPr>
-        <p:spPr/>
-        <p:txBody>
-          <a:bodyPr/>
-          <a:lstStyle/>
-          <a:p>
-            <a:fld id="{C5BDCE95-9A2C-4CF6-AC2F-5E8F5B23B560}" type="slidenum">
-              <a:rPr lang="fr-CH" sz="1800" smtClean="0"/>
-              <a:t>9</a:t>
-            </a:fld>
-            <a:endParaRPr lang="fr-CH" sz="1800" dirty="0"/>
-          </a:p>
-        </p:txBody>
-      </p:sp>
-      <p:sp>
-        <p:nvSpPr>
-          <p:cNvPr id="6" name="Titre 1">
-            <a:extLst>
-              <a:ext uri="{FF2B5EF4-FFF2-40B4-BE49-F238E27FC236}">
-                <a16:creationId xmlns:a16="http://schemas.microsoft.com/office/drawing/2014/main" id="{6BC99EEE-8CEF-4FA8-A1F9-8D92D970C91F}"/>
-              </a:ext>
-            </a:extLst>
-          </p:cNvPr>
-          <p:cNvSpPr>
-            <a:spLocks noGrp="1"/>
-          </p:cNvSpPr>
-          <p:nvPr>
-            <p:ph type="title"/>
-          </p:nvPr>
-        </p:nvSpPr>
-        <p:spPr>
-          <a:xfrm>
-            <a:off x="1097280" y="-156845"/>
-            <a:ext cx="10115203" cy="1954680"/>
-          </a:xfrm>
-        </p:spPr>
-        <p:txBody>
-          <a:bodyPr>
-            <a:noAutofit/>
-          </a:bodyPr>
-          <a:lstStyle/>
-          <a:p>
-            <a:r>
-              <a:rPr lang="fr-CH" dirty="0">
-                <a:solidFill>
-                  <a:schemeClr val="accent2"/>
-                </a:solidFill>
-              </a:rPr>
-              <a:t>Methodology : </a:t>
-            </a:r>
-            <a:r>
-              <a:rPr lang="fr-CH" sz="3600" i="1" dirty="0">
-                <a:solidFill>
-                  <a:schemeClr val="tx2"/>
-                </a:solidFill>
-              </a:rPr>
-              <a:t>Algorithm</a:t>
-            </a:r>
-            <a:endParaRPr lang="fr-CH" sz="3600" dirty="0">
-              <a:solidFill>
-                <a:schemeClr val="accent1"/>
-              </a:solidFill>
-            </a:endParaRPr>
-          </a:p>
-        </p:txBody>
-      </p:sp>
-      <p:sp>
-        <p:nvSpPr>
-          <p:cNvPr id="8" name="ZoneTexte 6">
-            <a:extLst>
-              <a:ext uri="{FF2B5EF4-FFF2-40B4-BE49-F238E27FC236}">
-                <a16:creationId xmlns:a16="http://schemas.microsoft.com/office/drawing/2014/main" id="{D8100D07-3251-4F8D-8E96-8EAB381F464E}"/>
-              </a:ext>
-            </a:extLst>
-          </p:cNvPr>
-          <p:cNvSpPr txBox="1"/>
-          <p:nvPr/>
-        </p:nvSpPr>
-        <p:spPr>
-          <a:xfrm>
-            <a:off x="1097280" y="2919429"/>
-            <a:ext cx="8534400" cy="2028248"/>
-          </a:xfrm>
-          <a:prstGeom prst="rect">
-            <a:avLst/>
-          </a:prstGeom>
-          <a:noFill/>
-        </p:spPr>
-        <p:txBody>
-          <a:bodyPr wrap="square" rtlCol="0">
-            <a:spAutoFit/>
-          </a:bodyPr>
-          <a:lstStyle/>
-          <a:p>
-            <a:pPr>
-              <a:lnSpc>
-                <a:spcPct val="90000"/>
-              </a:lnSpc>
-              <a:spcBef>
-                <a:spcPts val="1000"/>
-              </a:spcBef>
-            </a:pPr>
-            <a:r>
-              <a:rPr lang="fr-FR" sz="2800" b="1" u="sng" dirty="0" err="1">
-                <a:solidFill>
-                  <a:schemeClr val="tx2"/>
-                </a:solidFill>
-                <a:latin typeface="Calibri Light" charset="0"/>
-                <a:ea typeface="Calibri Light" charset="0"/>
-                <a:cs typeface="Calibri Light" charset="0"/>
-              </a:rPr>
-              <a:t>Step</a:t>
-            </a:r>
-            <a:r>
-              <a:rPr lang="fr-FR" sz="2800" b="1" u="sng" dirty="0">
-                <a:solidFill>
-                  <a:schemeClr val="tx2"/>
-                </a:solidFill>
-                <a:latin typeface="Calibri Light" charset="0"/>
-                <a:ea typeface="Calibri Light" charset="0"/>
-                <a:cs typeface="Calibri Light" charset="0"/>
-              </a:rPr>
-              <a:t> 1:</a:t>
-            </a:r>
-            <a:r>
-              <a:rPr lang="fr-FR" sz="2800" b="1" dirty="0">
-                <a:solidFill>
-                  <a:schemeClr val="tx2"/>
-                </a:solidFill>
-                <a:latin typeface="Calibri Light" charset="0"/>
-                <a:ea typeface="Calibri Light" charset="0"/>
-                <a:cs typeface="Calibri Light" charset="0"/>
-              </a:rPr>
-              <a:t> </a:t>
-            </a:r>
-            <a:r>
-              <a:rPr lang="fr-FR" sz="2800" b="1" dirty="0" err="1">
-                <a:solidFill>
-                  <a:schemeClr val="tx2"/>
-                </a:solidFill>
-                <a:latin typeface="Calibri Light" charset="0"/>
-                <a:ea typeface="Calibri Light" charset="0"/>
-                <a:cs typeface="Calibri Light" charset="0"/>
-              </a:rPr>
-              <a:t>pre-processing</a:t>
-            </a:r>
-            <a:endParaRPr lang="fr-FR" sz="2800" b="1" dirty="0">
-              <a:solidFill>
-                <a:schemeClr val="tx2"/>
-              </a:solidFill>
-              <a:latin typeface="Calibri Light" charset="0"/>
-              <a:ea typeface="Calibri Light" charset="0"/>
-              <a:cs typeface="Calibri Light" charset="0"/>
-            </a:endParaRPr>
-          </a:p>
-          <a:p>
-            <a:pPr marL="1028700" lvl="1" indent="-571500">
-              <a:lnSpc>
-                <a:spcPct val="90000"/>
-              </a:lnSpc>
-              <a:spcBef>
-                <a:spcPts val="1000"/>
-              </a:spcBef>
-              <a:buFont typeface="Wingdings" charset="2"/>
-              <a:buChar char="§"/>
-            </a:pPr>
-            <a:r>
-              <a:rPr lang="fr-FR" sz="2800" dirty="0">
-                <a:solidFill>
-                  <a:schemeClr val="accent2"/>
-                </a:solidFill>
-                <a:latin typeface="Calibri Light" charset="0"/>
-                <a:ea typeface="Calibri Light" charset="0"/>
-                <a:cs typeface="Calibri Light" charset="0"/>
-              </a:rPr>
-              <a:t>STL to CSV</a:t>
-            </a:r>
-          </a:p>
-          <a:p>
-            <a:pPr marL="1028700" lvl="1" indent="-571500">
-              <a:lnSpc>
-                <a:spcPct val="90000"/>
-              </a:lnSpc>
-              <a:spcBef>
-                <a:spcPts val="1000"/>
-              </a:spcBef>
-              <a:buFont typeface="Wingdings" charset="2"/>
-              <a:buChar char="§"/>
-            </a:pPr>
-            <a:r>
-              <a:rPr lang="fr-FR" sz="2800" dirty="0">
-                <a:solidFill>
-                  <a:schemeClr val="accent2"/>
-                </a:solidFill>
-                <a:latin typeface="Calibri Light" charset="0"/>
-                <a:ea typeface="Calibri Light" charset="0"/>
-                <a:cs typeface="Calibri Light" charset="0"/>
-              </a:rPr>
-              <a:t>Principal direction</a:t>
-            </a:r>
-          </a:p>
-          <a:p>
-            <a:pPr marL="1028700" lvl="1" indent="-571500">
-              <a:lnSpc>
-                <a:spcPct val="90000"/>
-              </a:lnSpc>
-              <a:spcBef>
-                <a:spcPts val="1000"/>
-              </a:spcBef>
-              <a:buFont typeface="Wingdings" charset="2"/>
-              <a:buChar char="§"/>
-            </a:pPr>
-            <a:r>
-              <a:rPr lang="fr-FR" sz="2800" dirty="0" err="1">
-                <a:solidFill>
-                  <a:schemeClr val="accent2"/>
-                </a:solidFill>
-                <a:latin typeface="Calibri Light" charset="0"/>
-                <a:ea typeface="Calibri Light" charset="0"/>
-                <a:cs typeface="Calibri Light" charset="0"/>
-              </a:rPr>
-              <a:t>Centering</a:t>
-            </a:r>
-            <a:r>
-              <a:rPr lang="fr-FR" sz="2800" dirty="0">
-                <a:solidFill>
-                  <a:schemeClr val="accent2"/>
-                </a:solidFill>
-                <a:latin typeface="Calibri Light" charset="0"/>
-                <a:ea typeface="Calibri Light" charset="0"/>
-                <a:cs typeface="Calibri Light" charset="0"/>
-              </a:rPr>
-              <a:t> and </a:t>
-            </a:r>
-            <a:r>
-              <a:rPr lang="fr-FR" sz="2800" dirty="0" err="1">
-                <a:solidFill>
-                  <a:schemeClr val="accent2"/>
-                </a:solidFill>
-                <a:latin typeface="Calibri Light" charset="0"/>
-                <a:ea typeface="Calibri Light" charset="0"/>
-                <a:cs typeface="Calibri Light" charset="0"/>
-              </a:rPr>
-              <a:t>rotating</a:t>
-            </a:r>
-            <a:r>
-              <a:rPr lang="fr-FR" sz="2800" dirty="0">
-                <a:solidFill>
-                  <a:schemeClr val="accent2"/>
-                </a:solidFill>
-                <a:latin typeface="Calibri Light" charset="0"/>
-                <a:ea typeface="Calibri Light" charset="0"/>
-                <a:cs typeface="Calibri Light" charset="0"/>
-              </a:rPr>
-              <a:t> </a:t>
-            </a:r>
-          </a:p>
-        </p:txBody>
-      </p:sp>
-      <p:sp>
-        <p:nvSpPr>
-          <p:cNvPr id="7" name="ZoneTexte 18">
-            <a:extLst>
-              <a:ext uri="{FF2B5EF4-FFF2-40B4-BE49-F238E27FC236}">
-                <a16:creationId xmlns:a16="http://schemas.microsoft.com/office/drawing/2014/main" id="{1C416659-9A28-4649-ADF4-CF8D3709ACF2}"/>
-              </a:ext>
-            </a:extLst>
-          </p:cNvPr>
-          <p:cNvSpPr txBox="1"/>
-          <p:nvPr/>
-        </p:nvSpPr>
-        <p:spPr>
-          <a:xfrm>
-            <a:off x="6044946" y="5967342"/>
-            <a:ext cx="1835856" cy="492443"/>
-          </a:xfrm>
-          <a:prstGeom prst="rect">
-            <a:avLst/>
-          </a:prstGeom>
-          <a:noFill/>
-        </p:spPr>
-        <p:txBody>
-          <a:bodyPr wrap="square" rtlCol="0">
-            <a:spAutoFit/>
-          </a:bodyPr>
-          <a:lstStyle/>
-          <a:p>
-            <a:r>
-              <a:rPr lang="fr-CH" sz="1400" b="1" dirty="0"/>
-              <a:t>Fig.6:</a:t>
-            </a:r>
-            <a:r>
-              <a:rPr lang="fr-CH" sz="1400" dirty="0"/>
-              <a:t> Main directions</a:t>
-            </a:r>
-          </a:p>
-          <a:p>
-            <a:r>
-              <a:rPr lang="fr-CH" sz="1200" dirty="0"/>
-              <a:t> </a:t>
-            </a:r>
-          </a:p>
-        </p:txBody>
-      </p:sp>
-      <p:sp>
-        <p:nvSpPr>
-          <p:cNvPr id="10" name="Espace réservé du pied de page 6">
-            <a:extLst>
-              <a:ext uri="{FF2B5EF4-FFF2-40B4-BE49-F238E27FC236}">
-                <a16:creationId xmlns:a16="http://schemas.microsoft.com/office/drawing/2014/main" id="{FCAF6B1F-93FE-4815-8591-D3D71EA6C13D}"/>
-              </a:ext>
-            </a:extLst>
-          </p:cNvPr>
-          <p:cNvSpPr>
-            <a:spLocks noGrp="1"/>
-          </p:cNvSpPr>
-          <p:nvPr>
-            <p:ph type="ftr" sz="quarter" idx="11"/>
-          </p:nvPr>
-        </p:nvSpPr>
-        <p:spPr>
-          <a:xfrm>
-            <a:off x="3686185" y="6470868"/>
-            <a:ext cx="4822804" cy="365125"/>
-          </a:xfrm>
-        </p:spPr>
-        <p:txBody>
-          <a:bodyPr/>
-          <a:lstStyle/>
-          <a:p>
-            <a:r>
-              <a:rPr lang="fr-CH" sz="1100" dirty="0"/>
-              <a:t>EPFL-STI-LIS | 27.12.2018</a:t>
-            </a:r>
-          </a:p>
-        </p:txBody>
-      </p:sp>
-    </p:spTree>
-    <p:extLst>
-      <p:ext uri="{BB962C8B-B14F-4D97-AF65-F5344CB8AC3E}">
-        <p14:creationId xmlns:p14="http://schemas.microsoft.com/office/powerpoint/2010/main" val="2920325269"/>
       </p:ext>
     </p:extLst>
   </p:cSld>
